--- a/中越詩歌/我們祝你聖誕快樂_Mừng anh vui giáng sinh.pptx
+++ b/中越詩歌/我們祝你聖誕快樂_Mừng anh vui giáng sinh.pptx
@@ -108,7 +108,7 @@
   </p:defaultTextStyle>
   <p:extLst>
     <p:ext uri="{EFAFB233-063F-42B5-8137-9DF3F51BA10A}">
-      <p15:sldGuideLst xmlns:p15="http://schemas.microsoft.com/office/powerpoint/2012/main">
+      <p15:sldGuideLst xmlns:p15="http://schemas.microsoft.com/office/powerpoint/2012/main" xmlns="">
         <p15:guide id="1" orient="horz" pos="2160" userDrawn="1">
           <p15:clr>
             <a:srgbClr val="A4A3A4"/>
@@ -306,7 +306,8 @@
           <a:p>
             <a:fld id="{04BA573E-88ED-4C60-9677-CD3D3E050422}" type="datetimeFigureOut">
               <a:rPr lang="en-US" smtClean="0"/>
-              <a:t>12/20/2019</a:t>
+              <a:pPr/>
+              <a:t>12/5/2020</a:t>
             </a:fld>
             <a:endParaRPr lang="en-US"/>
           </a:p>
@@ -348,6 +349,7 @@
           <a:p>
             <a:fld id="{5C710F73-499B-4604-ACBB-E8EB90BB9E4A}" type="slidenum">
               <a:rPr lang="en-US" smtClean="0"/>
+              <a:pPr/>
               <a:t>‹#›</a:t>
             </a:fld>
             <a:endParaRPr lang="en-US"/>
@@ -357,7 +359,7 @@
     </p:spTree>
     <p:extLst>
       <p:ext uri="{BB962C8B-B14F-4D97-AF65-F5344CB8AC3E}">
-        <p14:creationId xmlns:p14="http://schemas.microsoft.com/office/powerpoint/2010/main" val="2375195965"/>
+        <p14:creationId xmlns:p14="http://schemas.microsoft.com/office/powerpoint/2010/main" xmlns="" val="2375195965"/>
       </p:ext>
     </p:extLst>
   </p:cSld>
@@ -476,7 +478,8 @@
           <a:p>
             <a:fld id="{04BA573E-88ED-4C60-9677-CD3D3E050422}" type="datetimeFigureOut">
               <a:rPr lang="en-US" smtClean="0"/>
-              <a:t>12/20/2019</a:t>
+              <a:pPr/>
+              <a:t>12/5/2020</a:t>
             </a:fld>
             <a:endParaRPr lang="en-US"/>
           </a:p>
@@ -518,6 +521,7 @@
           <a:p>
             <a:fld id="{5C710F73-499B-4604-ACBB-E8EB90BB9E4A}" type="slidenum">
               <a:rPr lang="en-US" smtClean="0"/>
+              <a:pPr/>
               <a:t>‹#›</a:t>
             </a:fld>
             <a:endParaRPr lang="en-US"/>
@@ -527,7 +531,7 @@
     </p:spTree>
     <p:extLst>
       <p:ext uri="{BB962C8B-B14F-4D97-AF65-F5344CB8AC3E}">
-        <p14:creationId xmlns:p14="http://schemas.microsoft.com/office/powerpoint/2010/main" val="254259000"/>
+        <p14:creationId xmlns:p14="http://schemas.microsoft.com/office/powerpoint/2010/main" xmlns="" val="254259000"/>
       </p:ext>
     </p:extLst>
   </p:cSld>
@@ -656,7 +660,8 @@
           <a:p>
             <a:fld id="{04BA573E-88ED-4C60-9677-CD3D3E050422}" type="datetimeFigureOut">
               <a:rPr lang="en-US" smtClean="0"/>
-              <a:t>12/20/2019</a:t>
+              <a:pPr/>
+              <a:t>12/5/2020</a:t>
             </a:fld>
             <a:endParaRPr lang="en-US"/>
           </a:p>
@@ -698,6 +703,7 @@
           <a:p>
             <a:fld id="{5C710F73-499B-4604-ACBB-E8EB90BB9E4A}" type="slidenum">
               <a:rPr lang="en-US" smtClean="0"/>
+              <a:pPr/>
               <a:t>‹#›</a:t>
             </a:fld>
             <a:endParaRPr lang="en-US"/>
@@ -707,7 +713,7 @@
     </p:spTree>
     <p:extLst>
       <p:ext uri="{BB962C8B-B14F-4D97-AF65-F5344CB8AC3E}">
-        <p14:creationId xmlns:p14="http://schemas.microsoft.com/office/powerpoint/2010/main" val="1277062082"/>
+        <p14:creationId xmlns:p14="http://schemas.microsoft.com/office/powerpoint/2010/main" xmlns="" val="1277062082"/>
       </p:ext>
     </p:extLst>
   </p:cSld>
@@ -826,7 +832,8 @@
           <a:p>
             <a:fld id="{04BA573E-88ED-4C60-9677-CD3D3E050422}" type="datetimeFigureOut">
               <a:rPr lang="en-US" smtClean="0"/>
-              <a:t>12/20/2019</a:t>
+              <a:pPr/>
+              <a:t>12/5/2020</a:t>
             </a:fld>
             <a:endParaRPr lang="en-US"/>
           </a:p>
@@ -868,6 +875,7 @@
           <a:p>
             <a:fld id="{5C710F73-499B-4604-ACBB-E8EB90BB9E4A}" type="slidenum">
               <a:rPr lang="en-US" smtClean="0"/>
+              <a:pPr/>
               <a:t>‹#›</a:t>
             </a:fld>
             <a:endParaRPr lang="en-US"/>
@@ -877,7 +885,7 @@
     </p:spTree>
     <p:extLst>
       <p:ext uri="{BB962C8B-B14F-4D97-AF65-F5344CB8AC3E}">
-        <p14:creationId xmlns:p14="http://schemas.microsoft.com/office/powerpoint/2010/main" val="1054202445"/>
+        <p14:creationId xmlns:p14="http://schemas.microsoft.com/office/powerpoint/2010/main" xmlns="" val="1054202445"/>
       </p:ext>
     </p:extLst>
   </p:cSld>
@@ -1072,7 +1080,8 @@
           <a:p>
             <a:fld id="{04BA573E-88ED-4C60-9677-CD3D3E050422}" type="datetimeFigureOut">
               <a:rPr lang="en-US" smtClean="0"/>
-              <a:t>12/20/2019</a:t>
+              <a:pPr/>
+              <a:t>12/5/2020</a:t>
             </a:fld>
             <a:endParaRPr lang="en-US"/>
           </a:p>
@@ -1114,6 +1123,7 @@
           <a:p>
             <a:fld id="{5C710F73-499B-4604-ACBB-E8EB90BB9E4A}" type="slidenum">
               <a:rPr lang="en-US" smtClean="0"/>
+              <a:pPr/>
               <a:t>‹#›</a:t>
             </a:fld>
             <a:endParaRPr lang="en-US"/>
@@ -1123,7 +1133,7 @@
     </p:spTree>
     <p:extLst>
       <p:ext uri="{BB962C8B-B14F-4D97-AF65-F5344CB8AC3E}">
-        <p14:creationId xmlns:p14="http://schemas.microsoft.com/office/powerpoint/2010/main" val="2176485704"/>
+        <p14:creationId xmlns:p14="http://schemas.microsoft.com/office/powerpoint/2010/main" xmlns="" val="2176485704"/>
       </p:ext>
     </p:extLst>
   </p:cSld>
@@ -1360,7 +1370,8 @@
           <a:p>
             <a:fld id="{04BA573E-88ED-4C60-9677-CD3D3E050422}" type="datetimeFigureOut">
               <a:rPr lang="en-US" smtClean="0"/>
-              <a:t>12/20/2019</a:t>
+              <a:pPr/>
+              <a:t>12/5/2020</a:t>
             </a:fld>
             <a:endParaRPr lang="en-US"/>
           </a:p>
@@ -1402,6 +1413,7 @@
           <a:p>
             <a:fld id="{5C710F73-499B-4604-ACBB-E8EB90BB9E4A}" type="slidenum">
               <a:rPr lang="en-US" smtClean="0"/>
+              <a:pPr/>
               <a:t>‹#›</a:t>
             </a:fld>
             <a:endParaRPr lang="en-US"/>
@@ -1411,7 +1423,7 @@
     </p:spTree>
     <p:extLst>
       <p:ext uri="{BB962C8B-B14F-4D97-AF65-F5344CB8AC3E}">
-        <p14:creationId xmlns:p14="http://schemas.microsoft.com/office/powerpoint/2010/main" val="3308204870"/>
+        <p14:creationId xmlns:p14="http://schemas.microsoft.com/office/powerpoint/2010/main" xmlns="" val="3308204870"/>
       </p:ext>
     </p:extLst>
   </p:cSld>
@@ -1782,7 +1794,8 @@
           <a:p>
             <a:fld id="{04BA573E-88ED-4C60-9677-CD3D3E050422}" type="datetimeFigureOut">
               <a:rPr lang="en-US" smtClean="0"/>
-              <a:t>12/20/2019</a:t>
+              <a:pPr/>
+              <a:t>12/5/2020</a:t>
             </a:fld>
             <a:endParaRPr lang="en-US"/>
           </a:p>
@@ -1824,6 +1837,7 @@
           <a:p>
             <a:fld id="{5C710F73-499B-4604-ACBB-E8EB90BB9E4A}" type="slidenum">
               <a:rPr lang="en-US" smtClean="0"/>
+              <a:pPr/>
               <a:t>‹#›</a:t>
             </a:fld>
             <a:endParaRPr lang="en-US"/>
@@ -1833,7 +1847,7 @@
     </p:spTree>
     <p:extLst>
       <p:ext uri="{BB962C8B-B14F-4D97-AF65-F5344CB8AC3E}">
-        <p14:creationId xmlns:p14="http://schemas.microsoft.com/office/powerpoint/2010/main" val="228305364"/>
+        <p14:creationId xmlns:p14="http://schemas.microsoft.com/office/powerpoint/2010/main" xmlns="" val="228305364"/>
       </p:ext>
     </p:extLst>
   </p:cSld>
@@ -1900,7 +1914,8 @@
           <a:p>
             <a:fld id="{04BA573E-88ED-4C60-9677-CD3D3E050422}" type="datetimeFigureOut">
               <a:rPr lang="en-US" smtClean="0"/>
-              <a:t>12/20/2019</a:t>
+              <a:pPr/>
+              <a:t>12/5/2020</a:t>
             </a:fld>
             <a:endParaRPr lang="en-US"/>
           </a:p>
@@ -1942,6 +1957,7 @@
           <a:p>
             <a:fld id="{5C710F73-499B-4604-ACBB-E8EB90BB9E4A}" type="slidenum">
               <a:rPr lang="en-US" smtClean="0"/>
+              <a:pPr/>
               <a:t>‹#›</a:t>
             </a:fld>
             <a:endParaRPr lang="en-US"/>
@@ -1951,7 +1967,7 @@
     </p:spTree>
     <p:extLst>
       <p:ext uri="{BB962C8B-B14F-4D97-AF65-F5344CB8AC3E}">
-        <p14:creationId xmlns:p14="http://schemas.microsoft.com/office/powerpoint/2010/main" val="2819350510"/>
+        <p14:creationId xmlns:p14="http://schemas.microsoft.com/office/powerpoint/2010/main" xmlns="" val="2819350510"/>
       </p:ext>
     </p:extLst>
   </p:cSld>
@@ -1995,7 +2011,8 @@
           <a:p>
             <a:fld id="{04BA573E-88ED-4C60-9677-CD3D3E050422}" type="datetimeFigureOut">
               <a:rPr lang="en-US" smtClean="0"/>
-              <a:t>12/20/2019</a:t>
+              <a:pPr/>
+              <a:t>12/5/2020</a:t>
             </a:fld>
             <a:endParaRPr lang="en-US"/>
           </a:p>
@@ -2037,6 +2054,7 @@
           <a:p>
             <a:fld id="{5C710F73-499B-4604-ACBB-E8EB90BB9E4A}" type="slidenum">
               <a:rPr lang="en-US" smtClean="0"/>
+              <a:pPr/>
               <a:t>‹#›</a:t>
             </a:fld>
             <a:endParaRPr lang="en-US"/>
@@ -2046,7 +2064,7 @@
     </p:spTree>
     <p:extLst>
       <p:ext uri="{BB962C8B-B14F-4D97-AF65-F5344CB8AC3E}">
-        <p14:creationId xmlns:p14="http://schemas.microsoft.com/office/powerpoint/2010/main" val="3612389962"/>
+        <p14:creationId xmlns:p14="http://schemas.microsoft.com/office/powerpoint/2010/main" xmlns="" val="3612389962"/>
       </p:ext>
     </p:extLst>
   </p:cSld>
@@ -2272,7 +2290,8 @@
           <a:p>
             <a:fld id="{04BA573E-88ED-4C60-9677-CD3D3E050422}" type="datetimeFigureOut">
               <a:rPr lang="en-US" smtClean="0"/>
-              <a:t>12/20/2019</a:t>
+              <a:pPr/>
+              <a:t>12/5/2020</a:t>
             </a:fld>
             <a:endParaRPr lang="en-US"/>
           </a:p>
@@ -2314,6 +2333,7 @@
           <a:p>
             <a:fld id="{5C710F73-499B-4604-ACBB-E8EB90BB9E4A}" type="slidenum">
               <a:rPr lang="en-US" smtClean="0"/>
+              <a:pPr/>
               <a:t>‹#›</a:t>
             </a:fld>
             <a:endParaRPr lang="en-US"/>
@@ -2323,7 +2343,7 @@
     </p:spTree>
     <p:extLst>
       <p:ext uri="{BB962C8B-B14F-4D97-AF65-F5344CB8AC3E}">
-        <p14:creationId xmlns:p14="http://schemas.microsoft.com/office/powerpoint/2010/main" val="3963505425"/>
+        <p14:creationId xmlns:p14="http://schemas.microsoft.com/office/powerpoint/2010/main" xmlns="" val="3963505425"/>
       </p:ext>
     </p:extLst>
   </p:cSld>
@@ -2529,7 +2549,8 @@
           <a:p>
             <a:fld id="{04BA573E-88ED-4C60-9677-CD3D3E050422}" type="datetimeFigureOut">
               <a:rPr lang="en-US" smtClean="0"/>
-              <a:t>12/20/2019</a:t>
+              <a:pPr/>
+              <a:t>12/5/2020</a:t>
             </a:fld>
             <a:endParaRPr lang="en-US"/>
           </a:p>
@@ -2571,6 +2592,7 @@
           <a:p>
             <a:fld id="{5C710F73-499B-4604-ACBB-E8EB90BB9E4A}" type="slidenum">
               <a:rPr lang="en-US" smtClean="0"/>
+              <a:pPr/>
               <a:t>‹#›</a:t>
             </a:fld>
             <a:endParaRPr lang="en-US"/>
@@ -2580,7 +2602,7 @@
     </p:spTree>
     <p:extLst>
       <p:ext uri="{BB962C8B-B14F-4D97-AF65-F5344CB8AC3E}">
-        <p14:creationId xmlns:p14="http://schemas.microsoft.com/office/powerpoint/2010/main" val="1837815522"/>
+        <p14:creationId xmlns:p14="http://schemas.microsoft.com/office/powerpoint/2010/main" xmlns="" val="1837815522"/>
       </p:ext>
     </p:extLst>
   </p:cSld>
@@ -2747,7 +2769,8 @@
           <a:p>
             <a:fld id="{04BA573E-88ED-4C60-9677-CD3D3E050422}" type="datetimeFigureOut">
               <a:rPr lang="en-US" smtClean="0"/>
-              <a:t>12/20/2019</a:t>
+              <a:pPr/>
+              <a:t>12/5/2020</a:t>
             </a:fld>
             <a:endParaRPr lang="en-US"/>
           </a:p>
@@ -2825,6 +2848,7 @@
           <a:p>
             <a:fld id="{5C710F73-499B-4604-ACBB-E8EB90BB9E4A}" type="slidenum">
               <a:rPr lang="en-US" smtClean="0"/>
+              <a:pPr/>
               <a:t>‹#›</a:t>
             </a:fld>
             <a:endParaRPr lang="en-US"/>
@@ -2834,7 +2858,7 @@
     </p:spTree>
     <p:extLst>
       <p:ext uri="{BB962C8B-B14F-4D97-AF65-F5344CB8AC3E}">
-        <p14:creationId xmlns:p14="http://schemas.microsoft.com/office/powerpoint/2010/main" val="2590320550"/>
+        <p14:creationId xmlns:p14="http://schemas.microsoft.com/office/powerpoint/2010/main" xmlns="" val="2590320550"/>
       </p:ext>
     </p:extLst>
   </p:cSld>
@@ -3313,25 +3337,7 @@
                 <a:ea typeface="微軟正黑體" pitchFamily="34" charset="-120"/>
                 <a:cs typeface="+mj-cs"/>
               </a:rPr>
-              <a:t>我</a:t>
-            </a:r>
-            <a:r>
-              <a:rPr lang="zh-CN" altLang="en-US" sz="5867" b="1" dirty="0">
-                <a:solidFill>
-                  <a:srgbClr val="000066"/>
-                </a:solidFill>
-                <a:effectLst>
-                  <a:outerShdw blurRad="50000" dist="30000" dir="5400000" algn="tl" rotWithShape="0">
-                    <a:srgbClr val="000000">
-                      <a:alpha val="30000"/>
-                    </a:srgbClr>
-                  </a:outerShdw>
-                </a:effectLst>
-                <a:latin typeface="微軟正黑體" pitchFamily="34" charset="-120"/>
-                <a:ea typeface="微軟正黑體" pitchFamily="34" charset="-120"/>
-                <a:cs typeface="+mj-cs"/>
-              </a:rPr>
-              <a:t>們祝你聖誕快樂</a:t>
+              <a:t>我們祝你聖誕快樂</a:t>
             </a:r>
             <a:endParaRPr lang="en-US" altLang="zh-CN" sz="5867" b="1" dirty="0">
               <a:solidFill>
@@ -4068,7 +4074,7 @@
     </p:spTree>
     <p:extLst>
       <p:ext uri="{BB962C8B-B14F-4D97-AF65-F5344CB8AC3E}">
-        <p14:creationId xmlns:p14="http://schemas.microsoft.com/office/powerpoint/2010/main" val="1700740931"/>
+        <p14:creationId xmlns:p14="http://schemas.microsoft.com/office/powerpoint/2010/main" xmlns="" val="1700740931"/>
       </p:ext>
     </p:extLst>
   </p:cSld>
@@ -4929,44 +4935,15 @@
                 </a:effectLst>
                 <a:ea typeface="微軟正黑體" pitchFamily="34" charset="-120"/>
               </a:rPr>
-              <a:t> </a:t>
-            </a:r>
-            <a:r>
-              <a:rPr lang="en-US" sz="3733" b="1" dirty="0">
-                <a:solidFill>
-                  <a:srgbClr val="660033"/>
-                </a:solidFill>
-                <a:effectLst>
-                  <a:outerShdw blurRad="38100" dist="38100" dir="2700000" algn="tl">
-                    <a:srgbClr val="000000">
-                      <a:alpha val="43137"/>
-                    </a:srgbClr>
-                  </a:outerShdw>
-                </a:effectLst>
-                <a:ea typeface="微軟正黑體" pitchFamily="34" charset="-120"/>
-              </a:rPr>
-              <a:t>an</a:t>
-            </a:r>
-            <a:endParaRPr lang="en-US" sz="3733" b="1" dirty="0">
-              <a:solidFill>
-                <a:srgbClr val="660033"/>
-              </a:solidFill>
-              <a:effectLst>
-                <a:outerShdw blurRad="38100" dist="38100" dir="2700000" algn="tl">
-                  <a:srgbClr val="000000">
-                    <a:alpha val="43137"/>
-                  </a:srgbClr>
-                </a:outerShdw>
-              </a:effectLst>
-              <a:ea typeface="微軟正黑體" pitchFamily="34" charset="-120"/>
-            </a:endParaRPr>
+              <a:t> an</a:t>
+            </a:r>
           </a:p>
         </p:txBody>
       </p:sp>
     </p:spTree>
     <p:extLst>
       <p:ext uri="{BB962C8B-B14F-4D97-AF65-F5344CB8AC3E}">
-        <p14:creationId xmlns:p14="http://schemas.microsoft.com/office/powerpoint/2010/main" val="2900157938"/>
+        <p14:creationId xmlns:p14="http://schemas.microsoft.com/office/powerpoint/2010/main" xmlns="" val="2900157938"/>
       </p:ext>
     </p:extLst>
   </p:cSld>
@@ -5191,43 +5168,7 @@
                 <a:ea typeface="微軟正黑體" pitchFamily="34" charset="-120"/>
                 <a:cs typeface="+mj-cs"/>
               </a:rPr>
-              <a:t>願大喜訊</a:t>
-            </a:r>
-            <a:r>
-              <a:rPr lang="zh-CN" altLang="en-US" sz="5867" b="1" dirty="0">
-                <a:solidFill>
-                  <a:srgbClr val="000066"/>
-                </a:solidFill>
-                <a:effectLst>
-                  <a:outerShdw blurRad="50000" dist="30000" dir="5400000" algn="tl" rotWithShape="0">
-                    <a:srgbClr val="000000">
-                      <a:alpha val="30000"/>
-                    </a:srgbClr>
-                  </a:outerShdw>
-                </a:effectLst>
-                <a:latin typeface="微軟正黑體" pitchFamily="34" charset="-120"/>
-                <a:ea typeface="微軟正黑體" pitchFamily="34" charset="-120"/>
-                <a:cs typeface="+mj-cs"/>
-              </a:rPr>
-              <a:t>息  賜</a:t>
-            </a:r>
-            <a:r>
-              <a:rPr lang="zh-CN" altLang="en-US" sz="5867" b="1" dirty="0">
-                <a:solidFill>
-                  <a:srgbClr val="000066"/>
-                </a:solidFill>
-                <a:effectLst>
-                  <a:outerShdw blurRad="50000" dist="30000" dir="5400000" algn="tl" rotWithShape="0">
-                    <a:srgbClr val="000000">
-                      <a:alpha val="30000"/>
-                    </a:srgbClr>
-                  </a:outerShdw>
-                </a:effectLst>
-                <a:latin typeface="微軟正黑體" pitchFamily="34" charset="-120"/>
-                <a:ea typeface="微軟正黑體" pitchFamily="34" charset="-120"/>
-                <a:cs typeface="+mj-cs"/>
-              </a:rPr>
-              <a:t>平安給你</a:t>
+              <a:t>願大喜訊息  賜平安給你</a:t>
             </a:r>
             <a:endParaRPr lang="en-US" altLang="zh-CN" sz="5867" b="1" dirty="0">
               <a:solidFill>
@@ -5266,7 +5207,25 @@
                 <a:ea typeface="微軟正黑體" pitchFamily="34" charset="-120"/>
                 <a:cs typeface="+mj-cs"/>
               </a:rPr>
-              <a:t>恭祝聖誕快</a:t>
+              <a:t>恭祝聖誕快樂</a:t>
+            </a:r>
+            <a:r>
+              <a:rPr lang="en-US" altLang="zh-CN" sz="5867" b="1" dirty="0">
+                <a:solidFill>
+                  <a:srgbClr val="000066"/>
+                </a:solidFill>
+                <a:effectLst>
+                  <a:outerShdw blurRad="50000" dist="30000" dir="5400000" algn="tl" rotWithShape="0">
+                    <a:srgbClr val="000000">
+                      <a:alpha val="30000"/>
+                    </a:srgbClr>
+                  </a:outerShdw>
+                </a:effectLst>
+                <a:latin typeface="微軟正黑體" pitchFamily="34" charset="-120"/>
+                <a:ea typeface="微軟正黑體" pitchFamily="34" charset="-120"/>
+                <a:cs typeface="+mj-cs"/>
+              </a:rPr>
+              <a:t>  </a:t>
             </a:r>
             <a:r>
               <a:rPr lang="zh-CN" altLang="en-US" sz="5867" b="1" dirty="0">
@@ -5284,79 +5243,7 @@
                 <a:ea typeface="微軟正黑體" pitchFamily="34" charset="-120"/>
                 <a:cs typeface="+mj-cs"/>
               </a:rPr>
-              <a:t>樂</a:t>
-            </a:r>
-            <a:r>
-              <a:rPr lang="en-US" altLang="zh-CN" sz="5867" b="1" dirty="0">
-                <a:solidFill>
-                  <a:srgbClr val="000066"/>
-                </a:solidFill>
-                <a:effectLst>
-                  <a:outerShdw blurRad="50000" dist="30000" dir="5400000" algn="tl" rotWithShape="0">
-                    <a:srgbClr val="000000">
-                      <a:alpha val="30000"/>
-                    </a:srgbClr>
-                  </a:outerShdw>
-                </a:effectLst>
-                <a:latin typeface="微軟正黑體" pitchFamily="34" charset="-120"/>
-                <a:ea typeface="微軟正黑體" pitchFamily="34" charset="-120"/>
-                <a:cs typeface="+mj-cs"/>
-              </a:rPr>
-              <a:t> </a:t>
-            </a:r>
-            <a:r>
-              <a:rPr lang="en-US" altLang="zh-CN" sz="5867" b="1" dirty="0">
-                <a:solidFill>
-                  <a:srgbClr val="000066"/>
-                </a:solidFill>
-                <a:effectLst>
-                  <a:outerShdw blurRad="50000" dist="30000" dir="5400000" algn="tl" rotWithShape="0">
-                    <a:srgbClr val="000000">
-                      <a:alpha val="30000"/>
-                    </a:srgbClr>
-                  </a:outerShdw>
-                </a:effectLst>
-                <a:latin typeface="微軟正黑體" pitchFamily="34" charset="-120"/>
-                <a:ea typeface="微軟正黑體" pitchFamily="34" charset="-120"/>
-                <a:cs typeface="+mj-cs"/>
-              </a:rPr>
-              <a:t> </a:t>
-            </a:r>
-            <a:r>
-              <a:rPr lang="zh-CN" altLang="en-US" sz="5867" b="1" dirty="0">
-                <a:solidFill>
-                  <a:srgbClr val="000066"/>
-                </a:solidFill>
-                <a:effectLst>
-                  <a:outerShdw blurRad="50000" dist="30000" dir="5400000" algn="tl" rotWithShape="0">
-                    <a:srgbClr val="000000">
-                      <a:alpha val="30000"/>
-                    </a:srgbClr>
-                  </a:outerShdw>
-                </a:effectLst>
-                <a:latin typeface="微軟正黑體" pitchFamily="34" charset="-120"/>
-                <a:ea typeface="微軟正黑體" pitchFamily="34" charset="-120"/>
-                <a:cs typeface="+mj-cs"/>
-              </a:rPr>
-              <a:t>並</a:t>
-            </a:r>
-            <a:r>
-              <a:rPr lang="zh-CN" altLang="en-US" sz="5867" b="1" dirty="0">
-                <a:solidFill>
-                  <a:srgbClr val="000066"/>
-                </a:solidFill>
-                <a:effectLst>
-                  <a:outerShdw blurRad="50000" dist="30000" dir="5400000" algn="tl" rotWithShape="0">
-                    <a:srgbClr val="000000">
-                      <a:alpha val="30000"/>
-                    </a:srgbClr>
-                  </a:outerShdw>
-                </a:effectLst>
-                <a:latin typeface="微軟正黑體" pitchFamily="34" charset="-120"/>
-                <a:ea typeface="微軟正黑體" pitchFamily="34" charset="-120"/>
-                <a:cs typeface="+mj-cs"/>
-              </a:rPr>
-              <a:t>賀新年納福</a:t>
+              <a:t>並賀新年納福</a:t>
             </a:r>
             <a:endParaRPr lang="en-US" sz="5867" b="1" dirty="0">
               <a:solidFill>
@@ -6052,19 +5939,6 @@
               </a:rPr>
               <a:t> </a:t>
             </a:r>
-            <a:endParaRPr lang="en-US" sz="3733" b="1" dirty="0">
-              <a:solidFill>
-                <a:srgbClr val="660033"/>
-              </a:solidFill>
-              <a:effectLst>
-                <a:outerShdw blurRad="38100" dist="38100" dir="2700000" algn="tl">
-                  <a:srgbClr val="000000">
-                    <a:alpha val="43137"/>
-                  </a:srgbClr>
-                </a:outerShdw>
-              </a:effectLst>
-              <a:ea typeface="微軟正黑體" pitchFamily="34" charset="-120"/>
-            </a:endParaRPr>
           </a:p>
           <a:p>
             <a:pPr algn="ctr">
@@ -6236,7 +6110,7 @@
     </p:spTree>
     <p:extLst>
       <p:ext uri="{BB962C8B-B14F-4D97-AF65-F5344CB8AC3E}">
-        <p14:creationId xmlns:p14="http://schemas.microsoft.com/office/powerpoint/2010/main" val="3652623008"/>
+        <p14:creationId xmlns:p14="http://schemas.microsoft.com/office/powerpoint/2010/main" xmlns="" val="3652623008"/>
       </p:ext>
     </p:extLst>
   </p:cSld>

--- a/中越詩歌/我們祝你聖誕快樂_Mừng anh vui giáng sinh.pptx
+++ b/中越詩歌/我們祝你聖誕快樂_Mừng anh vui giáng sinh.pptx
@@ -5,9 +5,13 @@
     <p:sldMasterId id="2147483672" r:id="rId1"/>
   </p:sldMasterIdLst>
   <p:sldIdLst>
-    <p:sldId id="256" r:id="rId2"/>
-    <p:sldId id="257" r:id="rId3"/>
-    <p:sldId id="258" r:id="rId4"/>
+    <p:sldId id="259" r:id="rId2"/>
+    <p:sldId id="260" r:id="rId3"/>
+    <p:sldId id="261" r:id="rId4"/>
+    <p:sldId id="262" r:id="rId5"/>
+    <p:sldId id="263" r:id="rId6"/>
+    <p:sldId id="264" r:id="rId7"/>
+    <p:sldId id="265" r:id="rId8"/>
   </p:sldIdLst>
   <p:sldSz cx="12192000" cy="6858000"/>
   <p:notesSz cx="6858000" cy="9144000"/>
@@ -108,7 +112,7 @@
   </p:defaultTextStyle>
   <p:extLst>
     <p:ext uri="{EFAFB233-063F-42B5-8137-9DF3F51BA10A}">
-      <p15:sldGuideLst xmlns:p15="http://schemas.microsoft.com/office/powerpoint/2012/main" xmlns="">
+      <p15:sldGuideLst xmlns:p15="http://schemas.microsoft.com/office/powerpoint/2012/main">
         <p15:guide id="1" orient="horz" pos="2160" userDrawn="1">
           <p15:clr>
             <a:srgbClr val="A4A3A4"/>
@@ -307,7 +311,7 @@
             <a:fld id="{04BA573E-88ED-4C60-9677-CD3D3E050422}" type="datetimeFigureOut">
               <a:rPr lang="en-US" smtClean="0"/>
               <a:pPr/>
-              <a:t>12/5/2020</a:t>
+              <a:t>12/24/2022</a:t>
             </a:fld>
             <a:endParaRPr lang="en-US"/>
           </a:p>
@@ -359,7 +363,7 @@
     </p:spTree>
     <p:extLst>
       <p:ext uri="{BB962C8B-B14F-4D97-AF65-F5344CB8AC3E}">
-        <p14:creationId xmlns:p14="http://schemas.microsoft.com/office/powerpoint/2010/main" xmlns="" val="2375195965"/>
+        <p14:creationId xmlns:p14="http://schemas.microsoft.com/office/powerpoint/2010/main" val="2375195965"/>
       </p:ext>
     </p:extLst>
   </p:cSld>
@@ -479,7 +483,7 @@
             <a:fld id="{04BA573E-88ED-4C60-9677-CD3D3E050422}" type="datetimeFigureOut">
               <a:rPr lang="en-US" smtClean="0"/>
               <a:pPr/>
-              <a:t>12/5/2020</a:t>
+              <a:t>12/24/2022</a:t>
             </a:fld>
             <a:endParaRPr lang="en-US"/>
           </a:p>
@@ -531,7 +535,7 @@
     </p:spTree>
     <p:extLst>
       <p:ext uri="{BB962C8B-B14F-4D97-AF65-F5344CB8AC3E}">
-        <p14:creationId xmlns:p14="http://schemas.microsoft.com/office/powerpoint/2010/main" xmlns="" val="254259000"/>
+        <p14:creationId xmlns:p14="http://schemas.microsoft.com/office/powerpoint/2010/main" val="254259000"/>
       </p:ext>
     </p:extLst>
   </p:cSld>
@@ -661,7 +665,7 @@
             <a:fld id="{04BA573E-88ED-4C60-9677-CD3D3E050422}" type="datetimeFigureOut">
               <a:rPr lang="en-US" smtClean="0"/>
               <a:pPr/>
-              <a:t>12/5/2020</a:t>
+              <a:t>12/24/2022</a:t>
             </a:fld>
             <a:endParaRPr lang="en-US"/>
           </a:p>
@@ -713,7 +717,7 @@
     </p:spTree>
     <p:extLst>
       <p:ext uri="{BB962C8B-B14F-4D97-AF65-F5344CB8AC3E}">
-        <p14:creationId xmlns:p14="http://schemas.microsoft.com/office/powerpoint/2010/main" xmlns="" val="1277062082"/>
+        <p14:creationId xmlns:p14="http://schemas.microsoft.com/office/powerpoint/2010/main" val="1277062082"/>
       </p:ext>
     </p:extLst>
   </p:cSld>
@@ -833,7 +837,7 @@
             <a:fld id="{04BA573E-88ED-4C60-9677-CD3D3E050422}" type="datetimeFigureOut">
               <a:rPr lang="en-US" smtClean="0"/>
               <a:pPr/>
-              <a:t>12/5/2020</a:t>
+              <a:t>12/24/2022</a:t>
             </a:fld>
             <a:endParaRPr lang="en-US"/>
           </a:p>
@@ -885,7 +889,7 @@
     </p:spTree>
     <p:extLst>
       <p:ext uri="{BB962C8B-B14F-4D97-AF65-F5344CB8AC3E}">
-        <p14:creationId xmlns:p14="http://schemas.microsoft.com/office/powerpoint/2010/main" xmlns="" val="1054202445"/>
+        <p14:creationId xmlns:p14="http://schemas.microsoft.com/office/powerpoint/2010/main" val="1054202445"/>
       </p:ext>
     </p:extLst>
   </p:cSld>
@@ -1081,7 +1085,7 @@
             <a:fld id="{04BA573E-88ED-4C60-9677-CD3D3E050422}" type="datetimeFigureOut">
               <a:rPr lang="en-US" smtClean="0"/>
               <a:pPr/>
-              <a:t>12/5/2020</a:t>
+              <a:t>12/24/2022</a:t>
             </a:fld>
             <a:endParaRPr lang="en-US"/>
           </a:p>
@@ -1133,7 +1137,7 @@
     </p:spTree>
     <p:extLst>
       <p:ext uri="{BB962C8B-B14F-4D97-AF65-F5344CB8AC3E}">
-        <p14:creationId xmlns:p14="http://schemas.microsoft.com/office/powerpoint/2010/main" xmlns="" val="2176485704"/>
+        <p14:creationId xmlns:p14="http://schemas.microsoft.com/office/powerpoint/2010/main" val="2176485704"/>
       </p:ext>
     </p:extLst>
   </p:cSld>
@@ -1371,7 +1375,7 @@
             <a:fld id="{04BA573E-88ED-4C60-9677-CD3D3E050422}" type="datetimeFigureOut">
               <a:rPr lang="en-US" smtClean="0"/>
               <a:pPr/>
-              <a:t>12/5/2020</a:t>
+              <a:t>12/24/2022</a:t>
             </a:fld>
             <a:endParaRPr lang="en-US"/>
           </a:p>
@@ -1423,7 +1427,7 @@
     </p:spTree>
     <p:extLst>
       <p:ext uri="{BB962C8B-B14F-4D97-AF65-F5344CB8AC3E}">
-        <p14:creationId xmlns:p14="http://schemas.microsoft.com/office/powerpoint/2010/main" xmlns="" val="3308204870"/>
+        <p14:creationId xmlns:p14="http://schemas.microsoft.com/office/powerpoint/2010/main" val="3308204870"/>
       </p:ext>
     </p:extLst>
   </p:cSld>
@@ -1795,7 +1799,7 @@
             <a:fld id="{04BA573E-88ED-4C60-9677-CD3D3E050422}" type="datetimeFigureOut">
               <a:rPr lang="en-US" smtClean="0"/>
               <a:pPr/>
-              <a:t>12/5/2020</a:t>
+              <a:t>12/24/2022</a:t>
             </a:fld>
             <a:endParaRPr lang="en-US"/>
           </a:p>
@@ -1847,7 +1851,7 @@
     </p:spTree>
     <p:extLst>
       <p:ext uri="{BB962C8B-B14F-4D97-AF65-F5344CB8AC3E}">
-        <p14:creationId xmlns:p14="http://schemas.microsoft.com/office/powerpoint/2010/main" xmlns="" val="228305364"/>
+        <p14:creationId xmlns:p14="http://schemas.microsoft.com/office/powerpoint/2010/main" val="228305364"/>
       </p:ext>
     </p:extLst>
   </p:cSld>
@@ -1915,7 +1919,7 @@
             <a:fld id="{04BA573E-88ED-4C60-9677-CD3D3E050422}" type="datetimeFigureOut">
               <a:rPr lang="en-US" smtClean="0"/>
               <a:pPr/>
-              <a:t>12/5/2020</a:t>
+              <a:t>12/24/2022</a:t>
             </a:fld>
             <a:endParaRPr lang="en-US"/>
           </a:p>
@@ -1967,7 +1971,7 @@
     </p:spTree>
     <p:extLst>
       <p:ext uri="{BB962C8B-B14F-4D97-AF65-F5344CB8AC3E}">
-        <p14:creationId xmlns:p14="http://schemas.microsoft.com/office/powerpoint/2010/main" xmlns="" val="2819350510"/>
+        <p14:creationId xmlns:p14="http://schemas.microsoft.com/office/powerpoint/2010/main" val="2819350510"/>
       </p:ext>
     </p:extLst>
   </p:cSld>
@@ -2012,7 +2016,7 @@
             <a:fld id="{04BA573E-88ED-4C60-9677-CD3D3E050422}" type="datetimeFigureOut">
               <a:rPr lang="en-US" smtClean="0"/>
               <a:pPr/>
-              <a:t>12/5/2020</a:t>
+              <a:t>12/24/2022</a:t>
             </a:fld>
             <a:endParaRPr lang="en-US"/>
           </a:p>
@@ -2064,7 +2068,7 @@
     </p:spTree>
     <p:extLst>
       <p:ext uri="{BB962C8B-B14F-4D97-AF65-F5344CB8AC3E}">
-        <p14:creationId xmlns:p14="http://schemas.microsoft.com/office/powerpoint/2010/main" xmlns="" val="3612389962"/>
+        <p14:creationId xmlns:p14="http://schemas.microsoft.com/office/powerpoint/2010/main" val="3612389962"/>
       </p:ext>
     </p:extLst>
   </p:cSld>
@@ -2291,7 +2295,7 @@
             <a:fld id="{04BA573E-88ED-4C60-9677-CD3D3E050422}" type="datetimeFigureOut">
               <a:rPr lang="en-US" smtClean="0"/>
               <a:pPr/>
-              <a:t>12/5/2020</a:t>
+              <a:t>12/24/2022</a:t>
             </a:fld>
             <a:endParaRPr lang="en-US"/>
           </a:p>
@@ -2343,7 +2347,7 @@
     </p:spTree>
     <p:extLst>
       <p:ext uri="{BB962C8B-B14F-4D97-AF65-F5344CB8AC3E}">
-        <p14:creationId xmlns:p14="http://schemas.microsoft.com/office/powerpoint/2010/main" xmlns="" val="3963505425"/>
+        <p14:creationId xmlns:p14="http://schemas.microsoft.com/office/powerpoint/2010/main" val="3963505425"/>
       </p:ext>
     </p:extLst>
   </p:cSld>
@@ -2550,7 +2554,7 @@
             <a:fld id="{04BA573E-88ED-4C60-9677-CD3D3E050422}" type="datetimeFigureOut">
               <a:rPr lang="en-US" smtClean="0"/>
               <a:pPr/>
-              <a:t>12/5/2020</a:t>
+              <a:t>12/24/2022</a:t>
             </a:fld>
             <a:endParaRPr lang="en-US"/>
           </a:p>
@@ -2602,7 +2606,7 @@
     </p:spTree>
     <p:extLst>
       <p:ext uri="{BB962C8B-B14F-4D97-AF65-F5344CB8AC3E}">
-        <p14:creationId xmlns:p14="http://schemas.microsoft.com/office/powerpoint/2010/main" xmlns="" val="1837815522"/>
+        <p14:creationId xmlns:p14="http://schemas.microsoft.com/office/powerpoint/2010/main" val="1837815522"/>
       </p:ext>
     </p:extLst>
   </p:cSld>
@@ -2770,7 +2774,7 @@
             <a:fld id="{04BA573E-88ED-4C60-9677-CD3D3E050422}" type="datetimeFigureOut">
               <a:rPr lang="en-US" smtClean="0"/>
               <a:pPr/>
-              <a:t>12/5/2020</a:t>
+              <a:t>12/24/2022</a:t>
             </a:fld>
             <a:endParaRPr lang="en-US"/>
           </a:p>
@@ -2858,7 +2862,7 @@
     </p:spTree>
     <p:extLst>
       <p:ext uri="{BB962C8B-B14F-4D97-AF65-F5344CB8AC3E}">
-        <p14:creationId xmlns:p14="http://schemas.microsoft.com/office/powerpoint/2010/main" xmlns="" val="2590320550"/>
+        <p14:creationId xmlns:p14="http://schemas.microsoft.com/office/powerpoint/2010/main" val="2590320550"/>
       </p:ext>
     </p:extLst>
   </p:cSld>
@@ -3148,7 +3152,7 @@
       </p:grpSpPr>
       <p:sp>
         <p:nvSpPr>
-          <p:cNvPr id="2" name="標題 1"/>
+          <p:cNvPr id="4" name="標題 3"/>
           <p:cNvSpPr>
             <a:spLocks noGrp="1"/>
           </p:cNvSpPr>
@@ -3158,8 +3162,8 @@
         </p:nvSpPr>
         <p:spPr>
           <a:xfrm>
-            <a:off x="0" y="400035"/>
-            <a:ext cx="11988800" cy="838200"/>
+            <a:off x="0" y="2299174"/>
+            <a:ext cx="12192000" cy="1143000"/>
           </a:xfrm>
         </p:spPr>
         <p:txBody>
@@ -3169,398 +3173,9 @@
           <a:lstStyle/>
           <a:p>
             <a:r>
-              <a:rPr lang="zh-CN" altLang="en-US" sz="4267" b="1" dirty="0">
-                <a:solidFill>
-                  <a:srgbClr val="000066"/>
-                </a:solidFill>
-                <a:latin typeface="微軟正黑體" pitchFamily="34" charset="-120"/>
-                <a:ea typeface="微軟正黑體" pitchFamily="34" charset="-120"/>
-              </a:rPr>
-              <a:t>我們祝你聖誕快樂</a:t>
-            </a:r>
-            <a:r>
-              <a:rPr lang="en-US" sz="4267" b="1" dirty="0"/>
-              <a:t/>
-            </a:r>
-            <a:br>
-              <a:rPr lang="en-US" sz="4267" b="1" dirty="0"/>
-            </a:br>
-            <a:r>
-              <a:rPr lang="en-US" sz="3733" b="1" dirty="0" err="1">
-                <a:solidFill>
-                  <a:srgbClr val="660033"/>
-                </a:solidFill>
-                <a:latin typeface="Arial" panose="020B0604020202020204" pitchFamily="34" charset="0"/>
-                <a:ea typeface="微軟正黑體" pitchFamily="34" charset="-120"/>
-                <a:cs typeface="Arial" panose="020B0604020202020204" pitchFamily="34" charset="0"/>
-              </a:rPr>
-              <a:t>Mừng</a:t>
-            </a:r>
-            <a:r>
-              <a:rPr lang="en-US" sz="3733" b="1" dirty="0">
-                <a:solidFill>
-                  <a:srgbClr val="660033"/>
-                </a:solidFill>
-                <a:latin typeface="Arial" panose="020B0604020202020204" pitchFamily="34" charset="0"/>
-                <a:ea typeface="微軟正黑體" pitchFamily="34" charset="-120"/>
-                <a:cs typeface="Arial" panose="020B0604020202020204" pitchFamily="34" charset="0"/>
-              </a:rPr>
-              <a:t> </a:t>
-            </a:r>
-            <a:r>
-              <a:rPr lang="en-US" sz="3733" b="1" dirty="0" err="1">
-                <a:solidFill>
-                  <a:srgbClr val="660033"/>
-                </a:solidFill>
-                <a:latin typeface="Arial" panose="020B0604020202020204" pitchFamily="34" charset="0"/>
-                <a:ea typeface="微軟正黑體" pitchFamily="34" charset="-120"/>
-                <a:cs typeface="Arial" panose="020B0604020202020204" pitchFamily="34" charset="0"/>
-              </a:rPr>
-              <a:t>anh</a:t>
-            </a:r>
-            <a:r>
-              <a:rPr lang="en-US" sz="3733" b="1" dirty="0">
-                <a:solidFill>
-                  <a:srgbClr val="660033"/>
-                </a:solidFill>
-                <a:latin typeface="Arial" panose="020B0604020202020204" pitchFamily="34" charset="0"/>
-                <a:ea typeface="微軟正黑體" pitchFamily="34" charset="-120"/>
-                <a:cs typeface="Arial" panose="020B0604020202020204" pitchFamily="34" charset="0"/>
-              </a:rPr>
-              <a:t> </a:t>
-            </a:r>
-            <a:r>
-              <a:rPr lang="en-US" sz="3733" b="1" dirty="0" err="1">
-                <a:solidFill>
-                  <a:srgbClr val="660033"/>
-                </a:solidFill>
-                <a:latin typeface="Arial" panose="020B0604020202020204" pitchFamily="34" charset="0"/>
-                <a:ea typeface="微軟正黑體" pitchFamily="34" charset="-120"/>
-                <a:cs typeface="Arial" panose="020B0604020202020204" pitchFamily="34" charset="0"/>
-              </a:rPr>
-              <a:t>vui</a:t>
-            </a:r>
-            <a:r>
-              <a:rPr lang="en-US" sz="3733" b="1" dirty="0">
-                <a:solidFill>
-                  <a:srgbClr val="660033"/>
-                </a:solidFill>
-                <a:latin typeface="Arial" panose="020B0604020202020204" pitchFamily="34" charset="0"/>
-                <a:ea typeface="微軟正黑體" pitchFamily="34" charset="-120"/>
-                <a:cs typeface="Arial" panose="020B0604020202020204" pitchFamily="34" charset="0"/>
-              </a:rPr>
-              <a:t> </a:t>
-            </a:r>
-            <a:r>
-              <a:rPr lang="en-US" sz="3733" b="1" dirty="0" err="1">
-                <a:solidFill>
-                  <a:srgbClr val="660033"/>
-                </a:solidFill>
-                <a:latin typeface="Arial" panose="020B0604020202020204" pitchFamily="34" charset="0"/>
-                <a:ea typeface="微軟正黑體" pitchFamily="34" charset="-120"/>
-                <a:cs typeface="Arial" panose="020B0604020202020204" pitchFamily="34" charset="0"/>
-              </a:rPr>
-              <a:t>giáng</a:t>
-            </a:r>
-            <a:r>
-              <a:rPr lang="en-US" sz="3733" b="1" dirty="0">
-                <a:solidFill>
-                  <a:srgbClr val="660033"/>
-                </a:solidFill>
-                <a:latin typeface="Arial" panose="020B0604020202020204" pitchFamily="34" charset="0"/>
-                <a:ea typeface="微軟正黑體" pitchFamily="34" charset="-120"/>
-                <a:cs typeface="Arial" panose="020B0604020202020204" pitchFamily="34" charset="0"/>
-              </a:rPr>
-              <a:t> </a:t>
-            </a:r>
-            <a:r>
-              <a:rPr lang="en-US" sz="3733" b="1" dirty="0" err="1">
-                <a:solidFill>
-                  <a:srgbClr val="660033"/>
-                </a:solidFill>
-                <a:latin typeface="Arial" panose="020B0604020202020204" pitchFamily="34" charset="0"/>
-                <a:ea typeface="微軟正黑體" pitchFamily="34" charset="-120"/>
-                <a:cs typeface="Arial" panose="020B0604020202020204" pitchFamily="34" charset="0"/>
-              </a:rPr>
-              <a:t>sinh</a:t>
-            </a:r>
-            <a:endParaRPr lang="zh-TW" altLang="en-US" sz="3733" b="1" dirty="0">
-              <a:solidFill>
-                <a:srgbClr val="660033"/>
-              </a:solidFill>
-              <a:latin typeface="Arial" panose="020B0604020202020204" pitchFamily="34" charset="0"/>
-              <a:ea typeface="微軟正黑體" pitchFamily="34" charset="-120"/>
-              <a:cs typeface="Arial" panose="020B0604020202020204" pitchFamily="34" charset="0"/>
-            </a:endParaRPr>
-          </a:p>
-        </p:txBody>
-      </p:sp>
-      <p:sp>
-        <p:nvSpPr>
-          <p:cNvPr id="4" name="內容版面配置區 3"/>
-          <p:cNvSpPr>
-            <a:spLocks noGrp="1"/>
-          </p:cNvSpPr>
-          <p:nvPr>
-            <p:ph idx="1"/>
-          </p:nvPr>
-        </p:nvSpPr>
-        <p:spPr>
-          <a:xfrm>
-            <a:off x="0" y="1714488"/>
-            <a:ext cx="12192000" cy="2482597"/>
-          </a:xfrm>
-        </p:spPr>
-        <p:txBody>
-          <a:bodyPr>
-            <a:noAutofit/>
-          </a:bodyPr>
-          <a:lstStyle/>
-          <a:p>
-            <a:pPr marL="0" indent="0" algn="ctr">
-              <a:buNone/>
-              <a:defRPr/>
-            </a:pPr>
-            <a:r>
-              <a:rPr lang="zh-CN" altLang="en-US" sz="5867" b="1" dirty="0">
-                <a:solidFill>
-                  <a:srgbClr val="000066"/>
-                </a:solidFill>
-                <a:effectLst>
-                  <a:outerShdw blurRad="50000" dist="30000" dir="5400000" algn="tl" rotWithShape="0">
-                    <a:srgbClr val="000000">
-                      <a:alpha val="30000"/>
-                    </a:srgbClr>
-                  </a:outerShdw>
-                </a:effectLst>
-                <a:latin typeface="微軟正黑體" pitchFamily="34" charset="-120"/>
-                <a:ea typeface="微軟正黑體" pitchFamily="34" charset="-120"/>
-                <a:cs typeface="+mj-cs"/>
-              </a:rPr>
-              <a:t>我們祝你聖誕快樂</a:t>
-            </a:r>
-            <a:endParaRPr lang="en-US" altLang="zh-CN" sz="5867" b="1" dirty="0">
-              <a:solidFill>
-                <a:srgbClr val="000066"/>
-              </a:solidFill>
-              <a:effectLst>
-                <a:outerShdw blurRad="50000" dist="30000" dir="5400000" algn="tl" rotWithShape="0">
-                  <a:srgbClr val="000000">
-                    <a:alpha val="30000"/>
-                  </a:srgbClr>
-                </a:outerShdw>
-              </a:effectLst>
-              <a:latin typeface="微軟正黑體" pitchFamily="34" charset="-120"/>
-              <a:ea typeface="微軟正黑體" pitchFamily="34" charset="-120"/>
-              <a:cs typeface="+mj-cs"/>
-            </a:endParaRPr>
-          </a:p>
-          <a:p>
-            <a:pPr marL="0" indent="0" algn="ctr">
-              <a:buNone/>
-            </a:pPr>
-            <a:r>
-              <a:rPr lang="zh-CN" altLang="en-US" sz="5867" b="1" dirty="0">
-                <a:solidFill>
-                  <a:srgbClr val="000066"/>
-                </a:solidFill>
-                <a:effectLst>
-                  <a:outerShdw blurRad="50000" dist="30000" dir="5400000" algn="tl" rotWithShape="0">
-                    <a:srgbClr val="000000">
-                      <a:alpha val="30000"/>
-                    </a:srgbClr>
-                  </a:outerShdw>
-                </a:effectLst>
-                <a:latin typeface="微軟正黑體" pitchFamily="34" charset="-120"/>
-                <a:ea typeface="微軟正黑體" pitchFamily="34" charset="-120"/>
-                <a:cs typeface="+mj-cs"/>
-              </a:rPr>
-              <a:t>我們祝你聖誕快樂</a:t>
-            </a:r>
-            <a:endParaRPr lang="en-US" sz="5867" b="1" dirty="0">
-              <a:solidFill>
-                <a:srgbClr val="000066"/>
-              </a:solidFill>
-              <a:effectLst>
-                <a:outerShdw blurRad="50000" dist="30000" dir="5400000" algn="tl" rotWithShape="0">
-                  <a:srgbClr val="000000">
-                    <a:alpha val="30000"/>
-                  </a:srgbClr>
-                </a:outerShdw>
-              </a:effectLst>
-              <a:latin typeface="微軟正黑體" pitchFamily="34" charset="-120"/>
-              <a:ea typeface="微軟正黑體" pitchFamily="34" charset="-120"/>
-              <a:cs typeface="+mj-cs"/>
-            </a:endParaRPr>
-          </a:p>
-        </p:txBody>
-      </p:sp>
-      <p:sp>
-        <p:nvSpPr>
-          <p:cNvPr id="5" name="內容版面配置區 3"/>
-          <p:cNvSpPr txBox="1">
-            <a:spLocks/>
-          </p:cNvSpPr>
-          <p:nvPr/>
-        </p:nvSpPr>
-        <p:spPr>
-          <a:xfrm>
-            <a:off x="0" y="4197086"/>
-            <a:ext cx="12192000" cy="2482597"/>
-          </a:xfrm>
-          <a:prstGeom prst="rect">
-            <a:avLst/>
-          </a:prstGeom>
-        </p:spPr>
-        <p:txBody>
-          <a:bodyPr vert="horz" lIns="121920" tIns="60960" rIns="121920" bIns="60960" rtlCol="0">
-            <a:noAutofit/>
-          </a:bodyPr>
-          <a:lstStyle>
-            <a:lvl1pPr marL="342900" indent="-342900" algn="l" defTabSz="914400" rtl="0" eaLnBrk="1" latinLnBrk="0" hangingPunct="1">
-              <a:spcBef>
-                <a:spcPct val="20000"/>
-              </a:spcBef>
-              <a:buFont typeface="Arial" pitchFamily="34" charset="0"/>
-              <a:buChar char="•"/>
-              <a:defRPr sz="3200" kern="1200">
-                <a:solidFill>
-                  <a:schemeClr val="tx1"/>
-                </a:solidFill>
-                <a:latin typeface="+mn-lt"/>
-                <a:ea typeface="+mn-ea"/>
-                <a:cs typeface="+mn-cs"/>
-              </a:defRPr>
-            </a:lvl1pPr>
-            <a:lvl2pPr marL="742950" indent="-285750" algn="l" defTabSz="914400" rtl="0" eaLnBrk="1" latinLnBrk="0" hangingPunct="1">
-              <a:spcBef>
-                <a:spcPct val="20000"/>
-              </a:spcBef>
-              <a:buFont typeface="Arial" pitchFamily="34" charset="0"/>
-              <a:buChar char="–"/>
-              <a:defRPr sz="2800" kern="1200">
-                <a:solidFill>
-                  <a:schemeClr val="tx1"/>
-                </a:solidFill>
-                <a:latin typeface="+mn-lt"/>
-                <a:ea typeface="+mn-ea"/>
-                <a:cs typeface="+mn-cs"/>
-              </a:defRPr>
-            </a:lvl2pPr>
-            <a:lvl3pPr marL="1143000" indent="-228600" algn="l" defTabSz="914400" rtl="0" eaLnBrk="1" latinLnBrk="0" hangingPunct="1">
-              <a:spcBef>
-                <a:spcPct val="20000"/>
-              </a:spcBef>
-              <a:buFont typeface="Arial" pitchFamily="34" charset="0"/>
-              <a:buChar char="•"/>
-              <a:defRPr sz="2400" kern="1200">
-                <a:solidFill>
-                  <a:schemeClr val="tx1"/>
-                </a:solidFill>
-                <a:latin typeface="+mn-lt"/>
-                <a:ea typeface="+mn-ea"/>
-                <a:cs typeface="+mn-cs"/>
-              </a:defRPr>
-            </a:lvl3pPr>
-            <a:lvl4pPr marL="1600200" indent="-228600" algn="l" defTabSz="914400" rtl="0" eaLnBrk="1" latinLnBrk="0" hangingPunct="1">
-              <a:spcBef>
-                <a:spcPct val="20000"/>
-              </a:spcBef>
-              <a:buFont typeface="Arial" pitchFamily="34" charset="0"/>
-              <a:buChar char="–"/>
-              <a:defRPr sz="2000" kern="1200">
-                <a:solidFill>
-                  <a:schemeClr val="tx1"/>
-                </a:solidFill>
-                <a:latin typeface="+mn-lt"/>
-                <a:ea typeface="+mn-ea"/>
-                <a:cs typeface="+mn-cs"/>
-              </a:defRPr>
-            </a:lvl4pPr>
-            <a:lvl5pPr marL="2057400" indent="-228600" algn="l" defTabSz="914400" rtl="0" eaLnBrk="1" latinLnBrk="0" hangingPunct="1">
-              <a:spcBef>
-                <a:spcPct val="20000"/>
-              </a:spcBef>
-              <a:buFont typeface="Arial" pitchFamily="34" charset="0"/>
-              <a:buChar char="»"/>
-              <a:defRPr sz="2000" kern="1200">
-                <a:solidFill>
-                  <a:schemeClr val="tx1"/>
-                </a:solidFill>
-                <a:latin typeface="+mn-lt"/>
-                <a:ea typeface="+mn-ea"/>
-                <a:cs typeface="+mn-cs"/>
-              </a:defRPr>
-            </a:lvl5pPr>
-            <a:lvl6pPr marL="2514600" indent="-228600" algn="l" defTabSz="914400" rtl="0" eaLnBrk="1" latinLnBrk="0" hangingPunct="1">
-              <a:spcBef>
-                <a:spcPct val="20000"/>
-              </a:spcBef>
-              <a:buFont typeface="Arial" pitchFamily="34" charset="0"/>
-              <a:buChar char="•"/>
-              <a:defRPr sz="2000" kern="1200">
-                <a:solidFill>
-                  <a:schemeClr val="tx1"/>
-                </a:solidFill>
-                <a:latin typeface="+mn-lt"/>
-                <a:ea typeface="+mn-ea"/>
-                <a:cs typeface="+mn-cs"/>
-              </a:defRPr>
-            </a:lvl6pPr>
-            <a:lvl7pPr marL="2971800" indent="-228600" algn="l" defTabSz="914400" rtl="0" eaLnBrk="1" latinLnBrk="0" hangingPunct="1">
-              <a:spcBef>
-                <a:spcPct val="20000"/>
-              </a:spcBef>
-              <a:buFont typeface="Arial" pitchFamily="34" charset="0"/>
-              <a:buChar char="•"/>
-              <a:defRPr sz="2000" kern="1200">
-                <a:solidFill>
-                  <a:schemeClr val="tx1"/>
-                </a:solidFill>
-                <a:latin typeface="+mn-lt"/>
-                <a:ea typeface="+mn-ea"/>
-                <a:cs typeface="+mn-cs"/>
-              </a:defRPr>
-            </a:lvl7pPr>
-            <a:lvl8pPr marL="3429000" indent="-228600" algn="l" defTabSz="914400" rtl="0" eaLnBrk="1" latinLnBrk="0" hangingPunct="1">
-              <a:spcBef>
-                <a:spcPct val="20000"/>
-              </a:spcBef>
-              <a:buFont typeface="Arial" pitchFamily="34" charset="0"/>
-              <a:buChar char="•"/>
-              <a:defRPr sz="2000" kern="1200">
-                <a:solidFill>
-                  <a:schemeClr val="tx1"/>
-                </a:solidFill>
-                <a:latin typeface="+mn-lt"/>
-                <a:ea typeface="+mn-ea"/>
-                <a:cs typeface="+mn-cs"/>
-              </a:defRPr>
-            </a:lvl8pPr>
-            <a:lvl9pPr marL="3886200" indent="-228600" algn="l" defTabSz="914400" rtl="0" eaLnBrk="1" latinLnBrk="0" hangingPunct="1">
-              <a:spcBef>
-                <a:spcPct val="20000"/>
-              </a:spcBef>
-              <a:buFont typeface="Arial" pitchFamily="34" charset="0"/>
-              <a:buChar char="•"/>
-              <a:defRPr sz="2000" kern="1200">
-                <a:solidFill>
-                  <a:schemeClr val="tx1"/>
-                </a:solidFill>
-                <a:latin typeface="+mn-lt"/>
-                <a:ea typeface="+mn-ea"/>
-                <a:cs typeface="+mn-cs"/>
-              </a:defRPr>
-            </a:lvl9pPr>
-          </a:lstStyle>
-          <a:p>
-            <a:pPr algn="ctr">
-              <a:buNone/>
-            </a:pPr>
-            <a:r>
-              <a:rPr lang="en-US" sz="3733" b="1" dirty="0" err="1">
-                <a:solidFill>
-                  <a:srgbClr val="660033"/>
+              <a:rPr lang="zh-CN" altLang="en-US" sz="7200" b="1" i="1" dirty="0" smtClean="0">
+                <a:solidFill>
+                  <a:srgbClr val="000066"/>
                 </a:solidFill>
                 <a:effectLst>
                   <a:outerShdw blurRad="38100" dist="38100" dir="2700000" algn="tl">
@@ -3569,14 +3184,15 @@
                     </a:srgbClr>
                   </a:outerShdw>
                 </a:effectLst>
-                <a:ea typeface="微軟正黑體" pitchFamily="34" charset="-120"/>
-              </a:rPr>
-              <a:t>Mừng</a:t>
-            </a:r>
-            <a:r>
-              <a:rPr lang="en-US" sz="3733" b="1" dirty="0">
-                <a:solidFill>
-                  <a:srgbClr val="660033"/>
+                <a:latin typeface="微軟正黑體" pitchFamily="34" charset="-120"/>
+                <a:ea typeface="微軟正黑體" pitchFamily="34" charset="-120"/>
+              </a:rPr>
+              <a:t>我</a:t>
+            </a:r>
+            <a:r>
+              <a:rPr lang="zh-CN" altLang="en-US" sz="7200" b="1" i="1" dirty="0">
+                <a:solidFill>
+                  <a:srgbClr val="000066"/>
                 </a:solidFill>
                 <a:effectLst>
                   <a:outerShdw blurRad="38100" dist="38100" dir="2700000" algn="tl">
@@ -3585,12 +3201,68 @@
                     </a:srgbClr>
                   </a:outerShdw>
                 </a:effectLst>
-                <a:ea typeface="微軟正黑體" pitchFamily="34" charset="-120"/>
-              </a:rPr>
-              <a:t> </a:t>
-            </a:r>
-            <a:r>
-              <a:rPr lang="en-US" sz="3733" b="1" dirty="0" err="1">
+                <a:latin typeface="微軟正黑體" pitchFamily="34" charset="-120"/>
+                <a:ea typeface="微軟正黑體" pitchFamily="34" charset="-120"/>
+              </a:rPr>
+              <a:t>們祝你聖誕快樂</a:t>
+            </a:r>
+            <a:endParaRPr lang="zh-TW" altLang="en-US" sz="7200" b="1" i="1" dirty="0">
+              <a:solidFill>
+                <a:srgbClr val="000066"/>
+              </a:solidFill>
+              <a:effectLst>
+                <a:outerShdw blurRad="38100" dist="38100" dir="2700000" algn="tl">
+                  <a:srgbClr val="000000">
+                    <a:alpha val="43137"/>
+                  </a:srgbClr>
+                </a:outerShdw>
+              </a:effectLst>
+              <a:latin typeface="微軟正黑體" pitchFamily="34" charset="-120"/>
+              <a:ea typeface="微軟正黑體" pitchFamily="34" charset="-120"/>
+            </a:endParaRPr>
+          </a:p>
+        </p:txBody>
+      </p:sp>
+      <p:sp>
+        <p:nvSpPr>
+          <p:cNvPr id="3" name="標題 3"/>
+          <p:cNvSpPr txBox="1">
+            <a:spLocks/>
+          </p:cNvSpPr>
+          <p:nvPr/>
+        </p:nvSpPr>
+        <p:spPr>
+          <a:xfrm>
+            <a:off x="0" y="3228785"/>
+            <a:ext cx="12192000" cy="1143000"/>
+          </a:xfrm>
+          <a:prstGeom prst="rect">
+            <a:avLst/>
+          </a:prstGeom>
+        </p:spPr>
+        <p:txBody>
+          <a:bodyPr vert="horz" lIns="91440" tIns="45720" rIns="91440" bIns="45720" rtlCol="0" anchor="ctr">
+            <a:noAutofit/>
+          </a:bodyPr>
+          <a:lstStyle>
+            <a:lvl1pPr algn="ctr" defTabSz="1219170" rtl="0" eaLnBrk="1" latinLnBrk="0" hangingPunct="1">
+              <a:spcBef>
+                <a:spcPct val="0"/>
+              </a:spcBef>
+              <a:buNone/>
+              <a:defRPr sz="5867" kern="1200">
+                <a:solidFill>
+                  <a:schemeClr val="tx1"/>
+                </a:solidFill>
+                <a:latin typeface="+mj-lt"/>
+                <a:ea typeface="+mj-ea"/>
+                <a:cs typeface="+mj-cs"/>
+              </a:defRPr>
+            </a:lvl1pPr>
+          </a:lstStyle>
+          <a:p>
+            <a:r>
+              <a:rPr lang="en-US" sz="5400" b="1" i="1" dirty="0" err="1" smtClean="0">
                 <a:solidFill>
                   <a:srgbClr val="660033"/>
                 </a:solidFill>
@@ -3603,10 +3275,10 @@
                 </a:effectLst>
                 <a:ea typeface="微軟正黑體" pitchFamily="34" charset="-120"/>
               </a:rPr>
-              <a:t>anh</a:t>
-            </a:r>
-            <a:r>
-              <a:rPr lang="en-US" sz="3733" b="1" dirty="0">
+              <a:t>Mừng</a:t>
+            </a:r>
+            <a:r>
+              <a:rPr lang="en-US" sz="5400" b="1" i="1" dirty="0" smtClean="0">
                 <a:solidFill>
                   <a:srgbClr val="660033"/>
                 </a:solidFill>
@@ -3622,7 +3294,7 @@
               <a:t> </a:t>
             </a:r>
             <a:r>
-              <a:rPr lang="en-US" sz="3733" b="1" dirty="0" err="1">
+              <a:rPr lang="en-US" sz="5400" b="1" i="1" dirty="0" err="1">
                 <a:solidFill>
                   <a:srgbClr val="660033"/>
                 </a:solidFill>
@@ -3635,10 +3307,10 @@
                 </a:effectLst>
                 <a:ea typeface="微軟正黑體" pitchFamily="34" charset="-120"/>
               </a:rPr>
-              <a:t>vui</a:t>
-            </a:r>
-            <a:r>
-              <a:rPr lang="en-US" sz="3733" b="1" dirty="0">
+              <a:t>anh</a:t>
+            </a:r>
+            <a:r>
+              <a:rPr lang="en-US" sz="5400" b="1" i="1" dirty="0">
                 <a:solidFill>
                   <a:srgbClr val="660033"/>
                 </a:solidFill>
@@ -3654,7 +3326,7 @@
               <a:t> </a:t>
             </a:r>
             <a:r>
-              <a:rPr lang="en-US" sz="3733" b="1" dirty="0" err="1">
+              <a:rPr lang="en-US" sz="5400" b="1" i="1" dirty="0" err="1">
                 <a:solidFill>
                   <a:srgbClr val="660033"/>
                 </a:solidFill>
@@ -3667,10 +3339,10 @@
                 </a:effectLst>
                 <a:ea typeface="微軟正黑體" pitchFamily="34" charset="-120"/>
               </a:rPr>
-              <a:t>giáng</a:t>
-            </a:r>
-            <a:r>
-              <a:rPr lang="en-US" sz="3733" b="1" dirty="0">
+              <a:t>vui</a:t>
+            </a:r>
+            <a:r>
+              <a:rPr lang="en-US" sz="5400" b="1" i="1" dirty="0">
                 <a:solidFill>
                   <a:srgbClr val="660033"/>
                 </a:solidFill>
@@ -3686,7 +3358,7 @@
               <a:t> </a:t>
             </a:r>
             <a:r>
-              <a:rPr lang="en-US" sz="3733" b="1" dirty="0" err="1">
+              <a:rPr lang="en-US" sz="5400" b="1" i="1" dirty="0" err="1">
                 <a:solidFill>
                   <a:srgbClr val="660033"/>
                 </a:solidFill>
@@ -3699,10 +3371,10 @@
                 </a:effectLst>
                 <a:ea typeface="微軟正黑體" pitchFamily="34" charset="-120"/>
               </a:rPr>
-              <a:t>sinh</a:t>
-            </a:r>
-            <a:r>
-              <a:rPr lang="en-US" sz="3733" b="1" dirty="0">
+              <a:t>giáng</a:t>
+            </a:r>
+            <a:r>
+              <a:rPr lang="en-US" sz="5400" b="1" i="1" dirty="0">
                 <a:solidFill>
                   <a:srgbClr val="660033"/>
                 </a:solidFill>
@@ -3718,7 +3390,7 @@
               <a:t> </a:t>
             </a:r>
             <a:r>
-              <a:rPr lang="en-US" sz="3733" b="1" dirty="0" err="1">
+              <a:rPr lang="en-US" sz="5400" b="1" i="1" dirty="0" err="1">
                 <a:solidFill>
                   <a:srgbClr val="660033"/>
                 </a:solidFill>
@@ -3731,73 +3403,9 @@
                 </a:effectLst>
                 <a:ea typeface="微軟正黑體" pitchFamily="34" charset="-120"/>
               </a:rPr>
-              <a:t>trong</a:t>
-            </a:r>
-            <a:r>
-              <a:rPr lang="en-US" sz="3733" b="1" dirty="0">
-                <a:solidFill>
-                  <a:srgbClr val="660033"/>
-                </a:solidFill>
-                <a:effectLst>
-                  <a:outerShdw blurRad="38100" dist="38100" dir="2700000" algn="tl">
-                    <a:srgbClr val="000000">
-                      <a:alpha val="43137"/>
-                    </a:srgbClr>
-                  </a:outerShdw>
-                </a:effectLst>
-                <a:ea typeface="微軟正黑體" pitchFamily="34" charset="-120"/>
-              </a:rPr>
-              <a:t> </a:t>
-            </a:r>
-            <a:r>
-              <a:rPr lang="en-US" sz="3733" b="1" dirty="0" err="1">
-                <a:solidFill>
-                  <a:srgbClr val="660033"/>
-                </a:solidFill>
-                <a:effectLst>
-                  <a:outerShdw blurRad="38100" dist="38100" dir="2700000" algn="tl">
-                    <a:srgbClr val="000000">
-                      <a:alpha val="43137"/>
-                    </a:srgbClr>
-                  </a:outerShdw>
-                </a:effectLst>
-                <a:ea typeface="微軟正黑體" pitchFamily="34" charset="-120"/>
-              </a:rPr>
-              <a:t>hòa</a:t>
-            </a:r>
-            <a:r>
-              <a:rPr lang="en-US" sz="3733" b="1" dirty="0">
-                <a:solidFill>
-                  <a:srgbClr val="660033"/>
-                </a:solidFill>
-                <a:effectLst>
-                  <a:outerShdw blurRad="38100" dist="38100" dir="2700000" algn="tl">
-                    <a:srgbClr val="000000">
-                      <a:alpha val="43137"/>
-                    </a:srgbClr>
-                  </a:outerShdw>
-                </a:effectLst>
-                <a:ea typeface="微軟正黑體" pitchFamily="34" charset="-120"/>
-              </a:rPr>
-              <a:t> </a:t>
-            </a:r>
-            <a:r>
-              <a:rPr lang="en-US" sz="3733" b="1" dirty="0" err="1">
-                <a:solidFill>
-                  <a:srgbClr val="660033"/>
-                </a:solidFill>
-                <a:effectLst>
-                  <a:outerShdw blurRad="38100" dist="38100" dir="2700000" algn="tl">
-                    <a:srgbClr val="000000">
-                      <a:alpha val="43137"/>
-                    </a:srgbClr>
-                  </a:outerShdw>
-                </a:effectLst>
-                <a:ea typeface="微軟正黑體" pitchFamily="34" charset="-120"/>
-              </a:rPr>
-              <a:t>bình</a:t>
-            </a:r>
-            <a:endParaRPr lang="en-US" sz="3733" b="1" dirty="0">
+              <a:t>sinh</a:t>
+            </a:r>
+            <a:endParaRPr lang="zh-TW" altLang="en-US" sz="5400" b="1" i="1" dirty="0">
               <a:solidFill>
                 <a:srgbClr val="660033"/>
               </a:solidFill>
@@ -3811,283 +3419,18 @@
               <a:ea typeface="微軟正黑體" pitchFamily="34" charset="-120"/>
             </a:endParaRPr>
           </a:p>
-          <a:p>
-            <a:pPr algn="ctr">
-              <a:buNone/>
-            </a:pPr>
-            <a:r>
-              <a:rPr lang="en-US" sz="3733" b="1" dirty="0" err="1">
-                <a:solidFill>
-                  <a:srgbClr val="660033"/>
-                </a:solidFill>
-                <a:effectLst>
-                  <a:outerShdw blurRad="38100" dist="38100" dir="2700000" algn="tl">
-                    <a:srgbClr val="000000">
-                      <a:alpha val="43137"/>
-                    </a:srgbClr>
-                  </a:outerShdw>
-                </a:effectLst>
-                <a:ea typeface="微軟正黑體" pitchFamily="34" charset="-120"/>
-              </a:rPr>
-              <a:t>Mừng</a:t>
-            </a:r>
-            <a:r>
-              <a:rPr lang="en-US" sz="3733" b="1" dirty="0">
-                <a:solidFill>
-                  <a:srgbClr val="660033"/>
-                </a:solidFill>
-                <a:effectLst>
-                  <a:outerShdw blurRad="38100" dist="38100" dir="2700000" algn="tl">
-                    <a:srgbClr val="000000">
-                      <a:alpha val="43137"/>
-                    </a:srgbClr>
-                  </a:outerShdw>
-                </a:effectLst>
-                <a:ea typeface="微軟正黑體" pitchFamily="34" charset="-120"/>
-              </a:rPr>
-              <a:t> </a:t>
-            </a:r>
-            <a:r>
-              <a:rPr lang="en-US" sz="3733" b="1" dirty="0" err="1">
-                <a:solidFill>
-                  <a:srgbClr val="660033"/>
-                </a:solidFill>
-                <a:effectLst>
-                  <a:outerShdw blurRad="38100" dist="38100" dir="2700000" algn="tl">
-                    <a:srgbClr val="000000">
-                      <a:alpha val="43137"/>
-                    </a:srgbClr>
-                  </a:outerShdw>
-                </a:effectLst>
-                <a:ea typeface="微軟正黑體" pitchFamily="34" charset="-120"/>
-              </a:rPr>
-              <a:t>anh</a:t>
-            </a:r>
-            <a:r>
-              <a:rPr lang="en-US" sz="3733" b="1" dirty="0">
-                <a:solidFill>
-                  <a:srgbClr val="660033"/>
-                </a:solidFill>
-                <a:effectLst>
-                  <a:outerShdw blurRad="38100" dist="38100" dir="2700000" algn="tl">
-                    <a:srgbClr val="000000">
-                      <a:alpha val="43137"/>
-                    </a:srgbClr>
-                  </a:outerShdw>
-                </a:effectLst>
-                <a:ea typeface="微軟正黑體" pitchFamily="34" charset="-120"/>
-              </a:rPr>
-              <a:t> </a:t>
-            </a:r>
-            <a:r>
-              <a:rPr lang="en-US" sz="3733" b="1" dirty="0" err="1">
-                <a:solidFill>
-                  <a:srgbClr val="660033"/>
-                </a:solidFill>
-                <a:effectLst>
-                  <a:outerShdw blurRad="38100" dist="38100" dir="2700000" algn="tl">
-                    <a:srgbClr val="000000">
-                      <a:alpha val="43137"/>
-                    </a:srgbClr>
-                  </a:outerShdw>
-                </a:effectLst>
-                <a:ea typeface="微軟正黑體" pitchFamily="34" charset="-120"/>
-              </a:rPr>
-              <a:t>vui</a:t>
-            </a:r>
-            <a:r>
-              <a:rPr lang="en-US" sz="3733" b="1" dirty="0">
-                <a:solidFill>
-                  <a:srgbClr val="660033"/>
-                </a:solidFill>
-                <a:effectLst>
-                  <a:outerShdw blurRad="38100" dist="38100" dir="2700000" algn="tl">
-                    <a:srgbClr val="000000">
-                      <a:alpha val="43137"/>
-                    </a:srgbClr>
-                  </a:outerShdw>
-                </a:effectLst>
-                <a:ea typeface="微軟正黑體" pitchFamily="34" charset="-120"/>
-              </a:rPr>
-              <a:t> </a:t>
-            </a:r>
-            <a:r>
-              <a:rPr lang="en-US" sz="3733" b="1" dirty="0" err="1">
-                <a:solidFill>
-                  <a:srgbClr val="660033"/>
-                </a:solidFill>
-                <a:effectLst>
-                  <a:outerShdw blurRad="38100" dist="38100" dir="2700000" algn="tl">
-                    <a:srgbClr val="000000">
-                      <a:alpha val="43137"/>
-                    </a:srgbClr>
-                  </a:outerShdw>
-                </a:effectLst>
-                <a:ea typeface="微軟正黑體" pitchFamily="34" charset="-120"/>
-              </a:rPr>
-              <a:t>giáng</a:t>
-            </a:r>
-            <a:r>
-              <a:rPr lang="en-US" sz="3733" b="1" dirty="0">
-                <a:solidFill>
-                  <a:srgbClr val="660033"/>
-                </a:solidFill>
-                <a:effectLst>
-                  <a:outerShdw blurRad="38100" dist="38100" dir="2700000" algn="tl">
-                    <a:srgbClr val="000000">
-                      <a:alpha val="43137"/>
-                    </a:srgbClr>
-                  </a:outerShdw>
-                </a:effectLst>
-                <a:ea typeface="微軟正黑體" pitchFamily="34" charset="-120"/>
-              </a:rPr>
-              <a:t> </a:t>
-            </a:r>
-            <a:r>
-              <a:rPr lang="en-US" sz="3733" b="1" dirty="0" err="1">
-                <a:solidFill>
-                  <a:srgbClr val="660033"/>
-                </a:solidFill>
-                <a:effectLst>
-                  <a:outerShdw blurRad="38100" dist="38100" dir="2700000" algn="tl">
-                    <a:srgbClr val="000000">
-                      <a:alpha val="43137"/>
-                    </a:srgbClr>
-                  </a:outerShdw>
-                </a:effectLst>
-                <a:ea typeface="微軟正黑體" pitchFamily="34" charset="-120"/>
-              </a:rPr>
-              <a:t>sinh</a:t>
-            </a:r>
-            <a:r>
-              <a:rPr lang="en-US" sz="3733" b="1" dirty="0">
-                <a:solidFill>
-                  <a:srgbClr val="660033"/>
-                </a:solidFill>
-                <a:effectLst>
-                  <a:outerShdw blurRad="38100" dist="38100" dir="2700000" algn="tl">
-                    <a:srgbClr val="000000">
-                      <a:alpha val="43137"/>
-                    </a:srgbClr>
-                  </a:outerShdw>
-                </a:effectLst>
-                <a:ea typeface="微軟正黑體" pitchFamily="34" charset="-120"/>
-              </a:rPr>
-              <a:t> </a:t>
-            </a:r>
-            <a:r>
-              <a:rPr lang="en-US" sz="3733" b="1" dirty="0" err="1">
-                <a:solidFill>
-                  <a:srgbClr val="660033"/>
-                </a:solidFill>
-                <a:effectLst>
-                  <a:outerShdw blurRad="38100" dist="38100" dir="2700000" algn="tl">
-                    <a:srgbClr val="000000">
-                      <a:alpha val="43137"/>
-                    </a:srgbClr>
-                  </a:outerShdw>
-                </a:effectLst>
-                <a:ea typeface="微軟正黑體" pitchFamily="34" charset="-120"/>
-              </a:rPr>
-              <a:t>trong</a:t>
-            </a:r>
-            <a:r>
-              <a:rPr lang="en-US" sz="3733" b="1" dirty="0">
-                <a:solidFill>
-                  <a:srgbClr val="660033"/>
-                </a:solidFill>
-                <a:effectLst>
-                  <a:outerShdw blurRad="38100" dist="38100" dir="2700000" algn="tl">
-                    <a:srgbClr val="000000">
-                      <a:alpha val="43137"/>
-                    </a:srgbClr>
-                  </a:outerShdw>
-                </a:effectLst>
-                <a:ea typeface="微軟正黑體" pitchFamily="34" charset="-120"/>
-              </a:rPr>
-              <a:t> </a:t>
-            </a:r>
-            <a:r>
-              <a:rPr lang="en-US" sz="3733" b="1" dirty="0" err="1">
-                <a:solidFill>
-                  <a:srgbClr val="660033"/>
-                </a:solidFill>
-                <a:effectLst>
-                  <a:outerShdw blurRad="38100" dist="38100" dir="2700000" algn="tl">
-                    <a:srgbClr val="000000">
-                      <a:alpha val="43137"/>
-                    </a:srgbClr>
-                  </a:outerShdw>
-                </a:effectLst>
-                <a:ea typeface="微軟正黑體" pitchFamily="34" charset="-120"/>
-              </a:rPr>
-              <a:t>ơn</a:t>
-            </a:r>
-            <a:r>
-              <a:rPr lang="en-US" sz="3733" b="1" dirty="0">
-                <a:solidFill>
-                  <a:srgbClr val="660033"/>
-                </a:solidFill>
-                <a:effectLst>
-                  <a:outerShdw blurRad="38100" dist="38100" dir="2700000" algn="tl">
-                    <a:srgbClr val="000000">
-                      <a:alpha val="43137"/>
-                    </a:srgbClr>
-                  </a:outerShdw>
-                </a:effectLst>
-                <a:ea typeface="微軟正黑體" pitchFamily="34" charset="-120"/>
-              </a:rPr>
-              <a:t> </a:t>
-            </a:r>
-            <a:r>
-              <a:rPr lang="en-US" sz="3733" b="1" dirty="0" err="1">
-                <a:solidFill>
-                  <a:srgbClr val="660033"/>
-                </a:solidFill>
-                <a:effectLst>
-                  <a:outerShdw blurRad="38100" dist="38100" dir="2700000" algn="tl">
-                    <a:srgbClr val="000000">
-                      <a:alpha val="43137"/>
-                    </a:srgbClr>
-                  </a:outerShdw>
-                </a:effectLst>
-                <a:ea typeface="微軟正黑體" pitchFamily="34" charset="-120"/>
-              </a:rPr>
-              <a:t>lành</a:t>
-            </a:r>
-            <a:endParaRPr lang="zh-TW" altLang="en-US" sz="3733" b="1" dirty="0">
-              <a:solidFill>
-                <a:srgbClr val="660033"/>
-              </a:solidFill>
-              <a:effectLst>
-                <a:outerShdw blurRad="38100" dist="38100" dir="2700000" algn="tl">
-                  <a:srgbClr val="000000">
-                    <a:alpha val="43137"/>
-                  </a:srgbClr>
-                </a:outerShdw>
-              </a:effectLst>
-              <a:ea typeface="微軟正黑體" pitchFamily="34" charset="-120"/>
-            </a:endParaRPr>
-          </a:p>
         </p:txBody>
       </p:sp>
     </p:spTree>
     <p:extLst>
       <p:ext uri="{BB962C8B-B14F-4D97-AF65-F5344CB8AC3E}">
-        <p14:creationId xmlns:p14="http://schemas.microsoft.com/office/powerpoint/2010/main" xmlns="" val="1700740931"/>
+        <p14:creationId xmlns:p14="http://schemas.microsoft.com/office/powerpoint/2010/main" val="2454431965"/>
       </p:ext>
     </p:extLst>
   </p:cSld>
   <p:clrMapOvr>
     <a:masterClrMapping/>
   </p:clrMapOvr>
-  <p:timing>
-    <p:tnLst>
-      <p:par>
-        <p:cTn id="1" dur="indefinite" restart="never" nodeType="tmRoot"/>
-      </p:par>
-    </p:tnLst>
-  </p:timing>
 </p:sld>
 </file>
 
@@ -4110,276 +3453,103 @@
       </p:grpSpPr>
       <p:sp>
         <p:nvSpPr>
-          <p:cNvPr id="2" name="標題 1"/>
-          <p:cNvSpPr>
-            <a:spLocks noGrp="1"/>
-          </p:cNvSpPr>
-          <p:nvPr>
-            <p:ph type="title"/>
+          <p:cNvPr id="5" name="內容版面配置區 4"/>
+          <p:cNvSpPr>
+            <a:spLocks noGrp="1"/>
+          </p:cNvSpPr>
+          <p:nvPr>
+            <p:ph idx="1"/>
           </p:nvPr>
         </p:nvSpPr>
         <p:spPr>
           <a:xfrm>
-            <a:off x="0" y="400035"/>
-            <a:ext cx="11988800" cy="838200"/>
+            <a:off x="0" y="2167979"/>
+            <a:ext cx="12192000" cy="1318225"/>
           </a:xfrm>
         </p:spPr>
         <p:txBody>
-          <a:bodyPr>
-            <a:noAutofit/>
+          <a:bodyPr anchor="ctr">
+            <a:normAutofit/>
           </a:bodyPr>
           <a:lstStyle/>
           <a:p>
-            <a:r>
-              <a:rPr lang="zh-CN" altLang="en-US" sz="4267" b="1" dirty="0">
-                <a:solidFill>
-                  <a:srgbClr val="000066"/>
+            <a:pPr marL="0" indent="0" algn="ctr">
+              <a:buNone/>
+              <a:defRPr/>
+            </a:pPr>
+            <a:r>
+              <a:rPr lang="zh-CN" altLang="en-US" sz="6400" b="1" dirty="0">
+                <a:solidFill>
+                  <a:srgbClr val="660033"/>
                 </a:solidFill>
                 <a:latin typeface="微軟正黑體" pitchFamily="34" charset="-120"/>
                 <a:ea typeface="微軟正黑體" pitchFamily="34" charset="-120"/>
               </a:rPr>
               <a:t>我們祝你聖誕快樂</a:t>
             </a:r>
-            <a:r>
-              <a:rPr lang="en-US" sz="4267" b="1" dirty="0"/>
-              <a:t/>
-            </a:r>
-            <a:br>
-              <a:rPr lang="en-US" sz="4267" b="1" dirty="0"/>
-            </a:br>
-            <a:r>
-              <a:rPr lang="en-US" sz="3733" b="1" dirty="0" err="1">
-                <a:solidFill>
-                  <a:srgbClr val="660033"/>
-                </a:solidFill>
-                <a:latin typeface="Arial" panose="020B0604020202020204" pitchFamily="34" charset="0"/>
-                <a:ea typeface="微軟正黑體" pitchFamily="34" charset="-120"/>
-                <a:cs typeface="Arial" panose="020B0604020202020204" pitchFamily="34" charset="0"/>
-              </a:rPr>
-              <a:t>Mừng</a:t>
-            </a:r>
-            <a:r>
-              <a:rPr lang="en-US" sz="3733" b="1" dirty="0">
-                <a:solidFill>
-                  <a:srgbClr val="660033"/>
-                </a:solidFill>
-                <a:latin typeface="Arial" panose="020B0604020202020204" pitchFamily="34" charset="0"/>
-                <a:ea typeface="微軟正黑體" pitchFamily="34" charset="-120"/>
-                <a:cs typeface="Arial" panose="020B0604020202020204" pitchFamily="34" charset="0"/>
-              </a:rPr>
-              <a:t> </a:t>
-            </a:r>
-            <a:r>
-              <a:rPr lang="en-US" sz="3733" b="1" dirty="0" err="1">
-                <a:solidFill>
-                  <a:srgbClr val="660033"/>
-                </a:solidFill>
-                <a:latin typeface="Arial" panose="020B0604020202020204" pitchFamily="34" charset="0"/>
-                <a:ea typeface="微軟正黑體" pitchFamily="34" charset="-120"/>
-                <a:cs typeface="Arial" panose="020B0604020202020204" pitchFamily="34" charset="0"/>
-              </a:rPr>
-              <a:t>anh</a:t>
-            </a:r>
-            <a:r>
-              <a:rPr lang="en-US" sz="3733" b="1" dirty="0">
-                <a:solidFill>
-                  <a:srgbClr val="660033"/>
-                </a:solidFill>
-                <a:latin typeface="Arial" panose="020B0604020202020204" pitchFamily="34" charset="0"/>
-                <a:ea typeface="微軟正黑體" pitchFamily="34" charset="-120"/>
-                <a:cs typeface="Arial" panose="020B0604020202020204" pitchFamily="34" charset="0"/>
-              </a:rPr>
-              <a:t> </a:t>
-            </a:r>
-            <a:r>
-              <a:rPr lang="en-US" sz="3733" b="1" dirty="0" err="1">
-                <a:solidFill>
-                  <a:srgbClr val="660033"/>
-                </a:solidFill>
-                <a:latin typeface="Arial" panose="020B0604020202020204" pitchFamily="34" charset="0"/>
-                <a:ea typeface="微軟正黑體" pitchFamily="34" charset="-120"/>
-                <a:cs typeface="Arial" panose="020B0604020202020204" pitchFamily="34" charset="0"/>
-              </a:rPr>
-              <a:t>vui</a:t>
-            </a:r>
-            <a:r>
-              <a:rPr lang="en-US" sz="3733" b="1" dirty="0">
-                <a:solidFill>
-                  <a:srgbClr val="660033"/>
-                </a:solidFill>
-                <a:latin typeface="Arial" panose="020B0604020202020204" pitchFamily="34" charset="0"/>
-                <a:ea typeface="微軟正黑體" pitchFamily="34" charset="-120"/>
-                <a:cs typeface="Arial" panose="020B0604020202020204" pitchFamily="34" charset="0"/>
-              </a:rPr>
-              <a:t> </a:t>
-            </a:r>
-            <a:r>
-              <a:rPr lang="en-US" sz="3733" b="1" dirty="0" err="1">
-                <a:solidFill>
-                  <a:srgbClr val="660033"/>
-                </a:solidFill>
-                <a:latin typeface="Arial" panose="020B0604020202020204" pitchFamily="34" charset="0"/>
-                <a:ea typeface="微軟正黑體" pitchFamily="34" charset="-120"/>
-                <a:cs typeface="Arial" panose="020B0604020202020204" pitchFamily="34" charset="0"/>
-              </a:rPr>
-              <a:t>giáng</a:t>
-            </a:r>
-            <a:r>
-              <a:rPr lang="en-US" sz="3733" b="1" dirty="0">
-                <a:solidFill>
-                  <a:srgbClr val="660033"/>
-                </a:solidFill>
-                <a:latin typeface="Arial" panose="020B0604020202020204" pitchFamily="34" charset="0"/>
-                <a:ea typeface="微軟正黑體" pitchFamily="34" charset="-120"/>
-                <a:cs typeface="Arial" panose="020B0604020202020204" pitchFamily="34" charset="0"/>
-              </a:rPr>
-              <a:t> </a:t>
-            </a:r>
-            <a:r>
-              <a:rPr lang="en-US" sz="3733" b="1" dirty="0" err="1">
-                <a:solidFill>
-                  <a:srgbClr val="660033"/>
-                </a:solidFill>
-                <a:latin typeface="Arial" panose="020B0604020202020204" pitchFamily="34" charset="0"/>
-                <a:ea typeface="微軟正黑體" pitchFamily="34" charset="-120"/>
-                <a:cs typeface="Arial" panose="020B0604020202020204" pitchFamily="34" charset="0"/>
-              </a:rPr>
-              <a:t>sinh</a:t>
-            </a:r>
-            <a:endParaRPr lang="zh-TW" altLang="en-US" sz="3733" b="1" dirty="0">
+            <a:endParaRPr lang="en-US" altLang="zh-CN" sz="6400" b="1" dirty="0">
               <a:solidFill>
                 <a:srgbClr val="660033"/>
               </a:solidFill>
-              <a:latin typeface="Arial" panose="020B0604020202020204" pitchFamily="34" charset="0"/>
+              <a:latin typeface="微軟正黑體" pitchFamily="34" charset="-120"/>
               <a:ea typeface="微軟正黑體" pitchFamily="34" charset="-120"/>
-              <a:cs typeface="Arial" panose="020B0604020202020204" pitchFamily="34" charset="0"/>
             </a:endParaRPr>
           </a:p>
         </p:txBody>
       </p:sp>
       <p:sp>
         <p:nvSpPr>
-          <p:cNvPr id="4" name="內容版面配置區 3"/>
-          <p:cNvSpPr>
-            <a:spLocks noGrp="1"/>
-          </p:cNvSpPr>
-          <p:nvPr>
-            <p:ph idx="1"/>
-          </p:nvPr>
+          <p:cNvPr id="3" name="內容版面配置區 4"/>
+          <p:cNvSpPr txBox="1">
+            <a:spLocks/>
+          </p:cNvSpPr>
+          <p:nvPr/>
         </p:nvSpPr>
         <p:spPr>
           <a:xfrm>
-            <a:off x="0" y="1714488"/>
-            <a:ext cx="12192000" cy="2482597"/>
-          </a:xfrm>
-        </p:spPr>
-        <p:txBody>
-          <a:bodyPr>
-            <a:noAutofit/>
-          </a:bodyPr>
-          <a:lstStyle/>
-          <a:p>
-            <a:pPr marL="0" indent="0" algn="ctr">
-              <a:buNone/>
-            </a:pPr>
-            <a:r>
-              <a:rPr lang="zh-CN" altLang="en-US" sz="5867" b="1" dirty="0">
-                <a:solidFill>
-                  <a:srgbClr val="000066"/>
-                </a:solidFill>
-                <a:effectLst>
-                  <a:outerShdw blurRad="50000" dist="30000" dir="5400000" algn="tl" rotWithShape="0">
-                    <a:srgbClr val="000000">
-                      <a:alpha val="30000"/>
-                    </a:srgbClr>
-                  </a:outerShdw>
-                </a:effectLst>
-                <a:latin typeface="微軟正黑體" pitchFamily="34" charset="-120"/>
-                <a:ea typeface="微軟正黑體" pitchFamily="34" charset="-120"/>
-                <a:cs typeface="+mj-cs"/>
-              </a:rPr>
-              <a:t>我們祝你聖誕快樂</a:t>
-            </a:r>
-            <a:endParaRPr lang="en-US" sz="5867" b="1" dirty="0">
-              <a:solidFill>
-                <a:srgbClr val="000066"/>
-              </a:solidFill>
-              <a:effectLst>
-                <a:outerShdw blurRad="50000" dist="30000" dir="5400000" algn="tl" rotWithShape="0">
-                  <a:srgbClr val="000000">
-                    <a:alpha val="30000"/>
-                  </a:srgbClr>
-                </a:outerShdw>
-              </a:effectLst>
-              <a:latin typeface="微軟正黑體" pitchFamily="34" charset="-120"/>
-              <a:ea typeface="微軟正黑體" pitchFamily="34" charset="-120"/>
-              <a:cs typeface="+mj-cs"/>
-            </a:endParaRPr>
-          </a:p>
-          <a:p>
-            <a:pPr marL="0" indent="0" algn="ctr">
-              <a:buNone/>
-              <a:defRPr/>
-            </a:pPr>
-            <a:r>
-              <a:rPr lang="zh-CN" altLang="en-US" sz="5867" b="1" dirty="0">
-                <a:solidFill>
-                  <a:srgbClr val="000066"/>
-                </a:solidFill>
-                <a:effectLst>
-                  <a:outerShdw blurRad="50000" dist="30000" dir="5400000" algn="tl" rotWithShape="0">
-                    <a:srgbClr val="000000">
-                      <a:alpha val="30000"/>
-                    </a:srgbClr>
-                  </a:outerShdw>
-                </a:effectLst>
-                <a:latin typeface="微軟正黑體" pitchFamily="34" charset="-120"/>
-                <a:ea typeface="微軟正黑體" pitchFamily="34" charset="-120"/>
-                <a:cs typeface="+mj-cs"/>
-              </a:rPr>
-              <a:t>並賀新年納福</a:t>
-            </a:r>
-            <a:endParaRPr lang="en-US" sz="5867" b="1" dirty="0">
-              <a:solidFill>
-                <a:srgbClr val="000066"/>
-              </a:solidFill>
-              <a:effectLst>
-                <a:outerShdw blurRad="50000" dist="30000" dir="5400000" algn="tl" rotWithShape="0">
-                  <a:srgbClr val="000000">
-                    <a:alpha val="30000"/>
-                  </a:srgbClr>
-                </a:outerShdw>
-              </a:effectLst>
-              <a:latin typeface="微軟正黑體" pitchFamily="34" charset="-120"/>
-              <a:ea typeface="微軟正黑體" pitchFamily="34" charset="-120"/>
-              <a:cs typeface="+mj-cs"/>
-            </a:endParaRPr>
-          </a:p>
-        </p:txBody>
-      </p:sp>
-      <p:sp>
-        <p:nvSpPr>
-          <p:cNvPr id="5" name="內容版面配置區 3"/>
-          <p:cNvSpPr txBox="1">
-            <a:spLocks/>
-          </p:cNvSpPr>
-          <p:nvPr/>
-        </p:nvSpPr>
-        <p:spPr>
-          <a:xfrm>
-            <a:off x="0" y="4197086"/>
-            <a:ext cx="12192000" cy="2482597"/>
+            <a:off x="0" y="3117529"/>
+            <a:ext cx="12192000" cy="1318225"/>
           </a:xfrm>
           <a:prstGeom prst="rect">
             <a:avLst/>
           </a:prstGeom>
         </p:spPr>
         <p:txBody>
-          <a:bodyPr vert="horz" lIns="121920" tIns="60960" rIns="121920" bIns="60960" rtlCol="0">
-            <a:noAutofit/>
+          <a:bodyPr vert="horz" lIns="91440" tIns="45720" rIns="91440" bIns="45720" rtlCol="0" anchor="ctr">
+            <a:normAutofit/>
           </a:bodyPr>
           <a:lstStyle>
-            <a:lvl1pPr marL="342900" indent="-342900" algn="l" defTabSz="914400" rtl="0" eaLnBrk="1" latinLnBrk="0" hangingPunct="1">
+            <a:lvl1pPr marL="457189" indent="-457189" algn="l" defTabSz="1219170" rtl="0" eaLnBrk="1" latinLnBrk="0" hangingPunct="1">
+              <a:spcBef>
+                <a:spcPct val="20000"/>
+              </a:spcBef>
+              <a:buFont typeface="Arial" pitchFamily="34" charset="0"/>
+              <a:buChar char="•"/>
+              <a:defRPr sz="4267" kern="1200">
+                <a:solidFill>
+                  <a:schemeClr val="tx1"/>
+                </a:solidFill>
+                <a:latin typeface="+mn-lt"/>
+                <a:ea typeface="+mn-ea"/>
+                <a:cs typeface="+mn-cs"/>
+              </a:defRPr>
+            </a:lvl1pPr>
+            <a:lvl2pPr marL="990575" indent="-380990" algn="l" defTabSz="1219170" rtl="0" eaLnBrk="1" latinLnBrk="0" hangingPunct="1">
+              <a:spcBef>
+                <a:spcPct val="20000"/>
+              </a:spcBef>
+              <a:buFont typeface="Arial" pitchFamily="34" charset="0"/>
+              <a:buChar char="–"/>
+              <a:defRPr sz="3733" kern="1200">
+                <a:solidFill>
+                  <a:schemeClr val="tx1"/>
+                </a:solidFill>
+                <a:latin typeface="+mn-lt"/>
+                <a:ea typeface="+mn-ea"/>
+                <a:cs typeface="+mn-cs"/>
+              </a:defRPr>
+            </a:lvl2pPr>
+            <a:lvl3pPr marL="1523962" indent="-304792" algn="l" defTabSz="1219170" rtl="0" eaLnBrk="1" latinLnBrk="0" hangingPunct="1">
               <a:spcBef>
                 <a:spcPct val="20000"/>
               </a:spcBef>
@@ -4393,14 +3563,14 @@
                 <a:ea typeface="+mn-ea"/>
                 <a:cs typeface="+mn-cs"/>
               </a:defRPr>
-            </a:lvl1pPr>
-            <a:lvl2pPr marL="742950" indent="-285750" algn="l" defTabSz="914400" rtl="0" eaLnBrk="1" latinLnBrk="0" hangingPunct="1">
+            </a:lvl3pPr>
+            <a:lvl4pPr marL="2133547" indent="-304792" algn="l" defTabSz="1219170" rtl="0" eaLnBrk="1" latinLnBrk="0" hangingPunct="1">
               <a:spcBef>
                 <a:spcPct val="20000"/>
               </a:spcBef>
               <a:buFont typeface="Arial" pitchFamily="34" charset="0"/>
               <a:buChar char="–"/>
-              <a:defRPr sz="2800" kern="1200">
+              <a:defRPr sz="2667" kern="1200">
                 <a:solidFill>
                   <a:schemeClr val="tx1"/>
                 </a:solidFill>
@@ -4408,14 +3578,29 @@
                 <a:ea typeface="+mn-ea"/>
                 <a:cs typeface="+mn-cs"/>
               </a:defRPr>
-            </a:lvl2pPr>
-            <a:lvl3pPr marL="1143000" indent="-228600" algn="l" defTabSz="914400" rtl="0" eaLnBrk="1" latinLnBrk="0" hangingPunct="1">
+            </a:lvl4pPr>
+            <a:lvl5pPr marL="2743131" indent="-304792" algn="l" defTabSz="1219170" rtl="0" eaLnBrk="1" latinLnBrk="0" hangingPunct="1">
+              <a:spcBef>
+                <a:spcPct val="20000"/>
+              </a:spcBef>
+              <a:buFont typeface="Arial" pitchFamily="34" charset="0"/>
+              <a:buChar char="»"/>
+              <a:defRPr sz="2667" kern="1200">
+                <a:solidFill>
+                  <a:schemeClr val="tx1"/>
+                </a:solidFill>
+                <a:latin typeface="+mn-lt"/>
+                <a:ea typeface="+mn-ea"/>
+                <a:cs typeface="+mn-cs"/>
+              </a:defRPr>
+            </a:lvl5pPr>
+            <a:lvl6pPr marL="3352716" indent="-304792" algn="l" defTabSz="1219170" rtl="0" eaLnBrk="1" latinLnBrk="0" hangingPunct="1">
               <a:spcBef>
                 <a:spcPct val="20000"/>
               </a:spcBef>
               <a:buFont typeface="Arial" pitchFamily="34" charset="0"/>
               <a:buChar char="•"/>
-              <a:defRPr sz="2400" kern="1200">
+              <a:defRPr sz="2667" kern="1200">
                 <a:solidFill>
                   <a:schemeClr val="tx1"/>
                 </a:solidFill>
@@ -4423,44 +3608,14 @@
                 <a:ea typeface="+mn-ea"/>
                 <a:cs typeface="+mn-cs"/>
               </a:defRPr>
-            </a:lvl3pPr>
-            <a:lvl4pPr marL="1600200" indent="-228600" algn="l" defTabSz="914400" rtl="0" eaLnBrk="1" latinLnBrk="0" hangingPunct="1">
-              <a:spcBef>
-                <a:spcPct val="20000"/>
-              </a:spcBef>
-              <a:buFont typeface="Arial" pitchFamily="34" charset="0"/>
-              <a:buChar char="–"/>
-              <a:defRPr sz="2000" kern="1200">
-                <a:solidFill>
-                  <a:schemeClr val="tx1"/>
-                </a:solidFill>
-                <a:latin typeface="+mn-lt"/>
-                <a:ea typeface="+mn-ea"/>
-                <a:cs typeface="+mn-cs"/>
-              </a:defRPr>
-            </a:lvl4pPr>
-            <a:lvl5pPr marL="2057400" indent="-228600" algn="l" defTabSz="914400" rtl="0" eaLnBrk="1" latinLnBrk="0" hangingPunct="1">
-              <a:spcBef>
-                <a:spcPct val="20000"/>
-              </a:spcBef>
-              <a:buFont typeface="Arial" pitchFamily="34" charset="0"/>
-              <a:buChar char="»"/>
-              <a:defRPr sz="2000" kern="1200">
-                <a:solidFill>
-                  <a:schemeClr val="tx1"/>
-                </a:solidFill>
-                <a:latin typeface="+mn-lt"/>
-                <a:ea typeface="+mn-ea"/>
-                <a:cs typeface="+mn-cs"/>
-              </a:defRPr>
-            </a:lvl5pPr>
-            <a:lvl6pPr marL="2514600" indent="-228600" algn="l" defTabSz="914400" rtl="0" eaLnBrk="1" latinLnBrk="0" hangingPunct="1">
+            </a:lvl6pPr>
+            <a:lvl7pPr marL="3962301" indent="-304792" algn="l" defTabSz="1219170" rtl="0" eaLnBrk="1" latinLnBrk="0" hangingPunct="1">
               <a:spcBef>
                 <a:spcPct val="20000"/>
               </a:spcBef>
               <a:buFont typeface="Arial" pitchFamily="34" charset="0"/>
               <a:buChar char="•"/>
-              <a:defRPr sz="2000" kern="1200">
+              <a:defRPr sz="2667" kern="1200">
                 <a:solidFill>
                   <a:schemeClr val="tx1"/>
                 </a:solidFill>
@@ -4468,14 +3623,14 @@
                 <a:ea typeface="+mn-ea"/>
                 <a:cs typeface="+mn-cs"/>
               </a:defRPr>
-            </a:lvl6pPr>
-            <a:lvl7pPr marL="2971800" indent="-228600" algn="l" defTabSz="914400" rtl="0" eaLnBrk="1" latinLnBrk="0" hangingPunct="1">
+            </a:lvl7pPr>
+            <a:lvl8pPr marL="4571886" indent="-304792" algn="l" defTabSz="1219170" rtl="0" eaLnBrk="1" latinLnBrk="0" hangingPunct="1">
               <a:spcBef>
                 <a:spcPct val="20000"/>
               </a:spcBef>
               <a:buFont typeface="Arial" pitchFamily="34" charset="0"/>
               <a:buChar char="•"/>
-              <a:defRPr sz="2000" kern="1200">
+              <a:defRPr sz="2667" kern="1200">
                 <a:solidFill>
                   <a:schemeClr val="tx1"/>
                 </a:solidFill>
@@ -4483,14 +3638,14 @@
                 <a:ea typeface="+mn-ea"/>
                 <a:cs typeface="+mn-cs"/>
               </a:defRPr>
-            </a:lvl7pPr>
-            <a:lvl8pPr marL="3429000" indent="-228600" algn="l" defTabSz="914400" rtl="0" eaLnBrk="1" latinLnBrk="0" hangingPunct="1">
+            </a:lvl8pPr>
+            <a:lvl9pPr marL="5181470" indent="-304792" algn="l" defTabSz="1219170" rtl="0" eaLnBrk="1" latinLnBrk="0" hangingPunct="1">
               <a:spcBef>
                 <a:spcPct val="20000"/>
               </a:spcBef>
               <a:buFont typeface="Arial" pitchFamily="34" charset="0"/>
               <a:buChar char="•"/>
-              <a:defRPr sz="2000" kern="1200">
+              <a:defRPr sz="2667" kern="1200">
                 <a:solidFill>
                   <a:schemeClr val="tx1"/>
                 </a:solidFill>
@@ -4498,21 +3653,6 @@
                 <a:ea typeface="+mn-ea"/>
                 <a:cs typeface="+mn-cs"/>
               </a:defRPr>
-            </a:lvl8pPr>
-            <a:lvl9pPr marL="3886200" indent="-228600" algn="l" defTabSz="914400" rtl="0" eaLnBrk="1" latinLnBrk="0" hangingPunct="1">
-              <a:spcBef>
-                <a:spcPct val="20000"/>
-              </a:spcBef>
-              <a:buFont typeface="Arial" pitchFamily="34" charset="0"/>
-              <a:buChar char="•"/>
-              <a:defRPr sz="2000" kern="1200">
-                <a:solidFill>
-                  <a:schemeClr val="tx1"/>
-                </a:solidFill>
-                <a:latin typeface="+mn-lt"/>
-                <a:ea typeface="+mn-ea"/>
-                <a:cs typeface="+mn-cs"/>
-              </a:defRPr>
             </a:lvl9pPr>
           </a:lstStyle>
           <a:p>
@@ -4520,443 +3660,159 @@
               <a:buNone/>
             </a:pPr>
             <a:r>
-              <a:rPr lang="en-US" sz="3733" b="1" dirty="0" err="1">
-                <a:solidFill>
-                  <a:srgbClr val="660033"/>
-                </a:solidFill>
-                <a:effectLst>
-                  <a:outerShdw blurRad="38100" dist="38100" dir="2700000" algn="tl">
-                    <a:srgbClr val="000000">
-                      <a:alpha val="43137"/>
-                    </a:srgbClr>
-                  </a:outerShdw>
-                </a:effectLst>
+              <a:rPr lang="en-US" sz="4400" b="1" dirty="0" err="1">
+                <a:solidFill>
+                  <a:srgbClr val="000066"/>
+                </a:solidFill>
                 <a:ea typeface="微軟正黑體" pitchFamily="34" charset="-120"/>
               </a:rPr>
               <a:t>Mừng</a:t>
             </a:r>
             <a:r>
-              <a:rPr lang="en-US" sz="3733" b="1" dirty="0">
-                <a:solidFill>
-                  <a:srgbClr val="660033"/>
-                </a:solidFill>
-                <a:effectLst>
-                  <a:outerShdw blurRad="38100" dist="38100" dir="2700000" algn="tl">
-                    <a:srgbClr val="000000">
-                      <a:alpha val="43137"/>
-                    </a:srgbClr>
-                  </a:outerShdw>
-                </a:effectLst>
+              <a:rPr lang="en-US" sz="4400" b="1" dirty="0">
+                <a:solidFill>
+                  <a:srgbClr val="000066"/>
+                </a:solidFill>
                 <a:ea typeface="微軟正黑體" pitchFamily="34" charset="-120"/>
               </a:rPr>
               <a:t> </a:t>
             </a:r>
             <a:r>
-              <a:rPr lang="en-US" sz="3733" b="1" dirty="0" err="1">
-                <a:solidFill>
-                  <a:srgbClr val="660033"/>
-                </a:solidFill>
-                <a:effectLst>
-                  <a:outerShdw blurRad="38100" dist="38100" dir="2700000" algn="tl">
-                    <a:srgbClr val="000000">
-                      <a:alpha val="43137"/>
-                    </a:srgbClr>
-                  </a:outerShdw>
-                </a:effectLst>
+              <a:rPr lang="en-US" sz="4400" b="1" dirty="0" err="1">
+                <a:solidFill>
+                  <a:srgbClr val="000066"/>
+                </a:solidFill>
                 <a:ea typeface="微軟正黑體" pitchFamily="34" charset="-120"/>
               </a:rPr>
               <a:t>anh</a:t>
             </a:r>
             <a:r>
-              <a:rPr lang="en-US" sz="3733" b="1" dirty="0">
-                <a:solidFill>
-                  <a:srgbClr val="660033"/>
-                </a:solidFill>
-                <a:effectLst>
-                  <a:outerShdw blurRad="38100" dist="38100" dir="2700000" algn="tl">
-                    <a:srgbClr val="000000">
-                      <a:alpha val="43137"/>
-                    </a:srgbClr>
-                  </a:outerShdw>
-                </a:effectLst>
+              <a:rPr lang="en-US" sz="4400" b="1" dirty="0">
+                <a:solidFill>
+                  <a:srgbClr val="000066"/>
+                </a:solidFill>
                 <a:ea typeface="微軟正黑體" pitchFamily="34" charset="-120"/>
               </a:rPr>
               <a:t> </a:t>
             </a:r>
             <a:r>
-              <a:rPr lang="en-US" sz="3733" b="1" dirty="0" err="1">
-                <a:solidFill>
-                  <a:srgbClr val="660033"/>
-                </a:solidFill>
-                <a:effectLst>
-                  <a:outerShdw blurRad="38100" dist="38100" dir="2700000" algn="tl">
-                    <a:srgbClr val="000000">
-                      <a:alpha val="43137"/>
-                    </a:srgbClr>
-                  </a:outerShdw>
-                </a:effectLst>
+              <a:rPr lang="en-US" sz="4400" b="1" dirty="0" err="1">
+                <a:solidFill>
+                  <a:srgbClr val="000066"/>
+                </a:solidFill>
                 <a:ea typeface="微軟正黑體" pitchFamily="34" charset="-120"/>
               </a:rPr>
               <a:t>vui</a:t>
             </a:r>
             <a:r>
-              <a:rPr lang="en-US" sz="3733" b="1" dirty="0">
-                <a:solidFill>
-                  <a:srgbClr val="660033"/>
-                </a:solidFill>
-                <a:effectLst>
-                  <a:outerShdw blurRad="38100" dist="38100" dir="2700000" algn="tl">
-                    <a:srgbClr val="000000">
-                      <a:alpha val="43137"/>
-                    </a:srgbClr>
-                  </a:outerShdw>
-                </a:effectLst>
+              <a:rPr lang="en-US" sz="4400" b="1" dirty="0">
+                <a:solidFill>
+                  <a:srgbClr val="000066"/>
+                </a:solidFill>
                 <a:ea typeface="微軟正黑體" pitchFamily="34" charset="-120"/>
               </a:rPr>
               <a:t> </a:t>
             </a:r>
             <a:r>
-              <a:rPr lang="en-US" sz="3733" b="1" dirty="0" err="1">
-                <a:solidFill>
-                  <a:srgbClr val="660033"/>
-                </a:solidFill>
-                <a:effectLst>
-                  <a:outerShdw blurRad="38100" dist="38100" dir="2700000" algn="tl">
-                    <a:srgbClr val="000000">
-                      <a:alpha val="43137"/>
-                    </a:srgbClr>
-                  </a:outerShdw>
-                </a:effectLst>
+              <a:rPr lang="en-US" sz="4400" b="1" dirty="0" err="1">
+                <a:solidFill>
+                  <a:srgbClr val="000066"/>
+                </a:solidFill>
                 <a:ea typeface="微軟正黑體" pitchFamily="34" charset="-120"/>
               </a:rPr>
               <a:t>giáng</a:t>
             </a:r>
             <a:r>
-              <a:rPr lang="en-US" sz="3733" b="1" dirty="0">
-                <a:solidFill>
-                  <a:srgbClr val="660033"/>
-                </a:solidFill>
-                <a:effectLst>
-                  <a:outerShdw blurRad="38100" dist="38100" dir="2700000" algn="tl">
-                    <a:srgbClr val="000000">
-                      <a:alpha val="43137"/>
-                    </a:srgbClr>
-                  </a:outerShdw>
-                </a:effectLst>
+              <a:rPr lang="en-US" sz="4400" b="1" dirty="0">
+                <a:solidFill>
+                  <a:srgbClr val="000066"/>
+                </a:solidFill>
                 <a:ea typeface="微軟正黑體" pitchFamily="34" charset="-120"/>
               </a:rPr>
               <a:t> </a:t>
             </a:r>
             <a:r>
-              <a:rPr lang="en-US" sz="3733" b="1" dirty="0" err="1">
-                <a:solidFill>
-                  <a:srgbClr val="660033"/>
-                </a:solidFill>
-                <a:effectLst>
-                  <a:outerShdw blurRad="38100" dist="38100" dir="2700000" algn="tl">
-                    <a:srgbClr val="000000">
-                      <a:alpha val="43137"/>
-                    </a:srgbClr>
-                  </a:outerShdw>
-                </a:effectLst>
+              <a:rPr lang="en-US" sz="4400" b="1" dirty="0" err="1">
+                <a:solidFill>
+                  <a:srgbClr val="000066"/>
+                </a:solidFill>
                 <a:ea typeface="微軟正黑體" pitchFamily="34" charset="-120"/>
               </a:rPr>
               <a:t>sinh</a:t>
             </a:r>
             <a:r>
-              <a:rPr lang="en-US" sz="3733" b="1" dirty="0">
-                <a:solidFill>
-                  <a:srgbClr val="660033"/>
-                </a:solidFill>
-                <a:effectLst>
-                  <a:outerShdw blurRad="38100" dist="38100" dir="2700000" algn="tl">
-                    <a:srgbClr val="000000">
-                      <a:alpha val="43137"/>
-                    </a:srgbClr>
-                  </a:outerShdw>
-                </a:effectLst>
+              <a:rPr lang="en-US" sz="4400" b="1" dirty="0">
+                <a:solidFill>
+                  <a:srgbClr val="000066"/>
+                </a:solidFill>
                 <a:ea typeface="微軟正黑體" pitchFamily="34" charset="-120"/>
               </a:rPr>
               <a:t> </a:t>
             </a:r>
             <a:r>
-              <a:rPr lang="en-US" sz="3733" b="1" dirty="0" err="1">
-                <a:solidFill>
-                  <a:srgbClr val="660033"/>
-                </a:solidFill>
-                <a:effectLst>
-                  <a:outerShdw blurRad="38100" dist="38100" dir="2700000" algn="tl">
-                    <a:srgbClr val="000000">
-                      <a:alpha val="43137"/>
-                    </a:srgbClr>
-                  </a:outerShdw>
-                </a:effectLst>
+              <a:rPr lang="en-US" sz="4400" b="1" dirty="0" err="1">
+                <a:solidFill>
+                  <a:srgbClr val="000066"/>
+                </a:solidFill>
                 <a:ea typeface="微軟正黑體" pitchFamily="34" charset="-120"/>
               </a:rPr>
               <a:t>trong</a:t>
             </a:r>
             <a:r>
-              <a:rPr lang="en-US" sz="3733" b="1" dirty="0">
-                <a:solidFill>
-                  <a:srgbClr val="660033"/>
-                </a:solidFill>
-                <a:effectLst>
-                  <a:outerShdw blurRad="38100" dist="38100" dir="2700000" algn="tl">
-                    <a:srgbClr val="000000">
-                      <a:alpha val="43137"/>
-                    </a:srgbClr>
-                  </a:outerShdw>
-                </a:effectLst>
+              <a:rPr lang="en-US" sz="4400" b="1" dirty="0">
+                <a:solidFill>
+                  <a:srgbClr val="000066"/>
+                </a:solidFill>
                 <a:ea typeface="微軟正黑體" pitchFamily="34" charset="-120"/>
               </a:rPr>
               <a:t> </a:t>
             </a:r>
             <a:r>
-              <a:rPr lang="en-US" sz="3733" b="1" dirty="0" err="1">
-                <a:solidFill>
-                  <a:srgbClr val="660033"/>
-                </a:solidFill>
-                <a:effectLst>
-                  <a:outerShdw blurRad="38100" dist="38100" dir="2700000" algn="tl">
-                    <a:srgbClr val="000000">
-                      <a:alpha val="43137"/>
-                    </a:srgbClr>
-                  </a:outerShdw>
-                </a:effectLst>
-                <a:ea typeface="微軟正黑體" pitchFamily="34" charset="-120"/>
-              </a:rPr>
-              <a:t>hy</a:t>
-            </a:r>
-            <a:r>
-              <a:rPr lang="en-US" sz="3733" b="1" dirty="0">
-                <a:solidFill>
-                  <a:srgbClr val="660033"/>
-                </a:solidFill>
-                <a:effectLst>
-                  <a:outerShdw blurRad="38100" dist="38100" dir="2700000" algn="tl">
-                    <a:srgbClr val="000000">
-                      <a:alpha val="43137"/>
-                    </a:srgbClr>
-                  </a:outerShdw>
-                </a:effectLst>
+              <a:rPr lang="en-US" sz="4400" b="1" dirty="0" err="1">
+                <a:solidFill>
+                  <a:srgbClr val="000066"/>
+                </a:solidFill>
+                <a:ea typeface="微軟正黑體" pitchFamily="34" charset="-120"/>
+              </a:rPr>
+              <a:t>hòa</a:t>
+            </a:r>
+            <a:r>
+              <a:rPr lang="en-US" sz="4400" b="1" dirty="0">
+                <a:solidFill>
+                  <a:srgbClr val="000066"/>
+                </a:solidFill>
                 <a:ea typeface="微軟正黑體" pitchFamily="34" charset="-120"/>
               </a:rPr>
               <a:t> </a:t>
             </a:r>
             <a:r>
-              <a:rPr lang="en-US" sz="3733" b="1" dirty="0" err="1">
-                <a:solidFill>
-                  <a:srgbClr val="660033"/>
-                </a:solidFill>
-                <a:effectLst>
-                  <a:outerShdw blurRad="38100" dist="38100" dir="2700000" algn="tl">
-                    <a:srgbClr val="000000">
-                      <a:alpha val="43137"/>
-                    </a:srgbClr>
-                  </a:outerShdw>
-                </a:effectLst>
-                <a:ea typeface="微軟正黑體" pitchFamily="34" charset="-120"/>
-              </a:rPr>
-              <a:t>vọng</a:t>
-            </a:r>
-            <a:endParaRPr lang="en-US" sz="3733" b="1" dirty="0">
+              <a:rPr lang="en-US" sz="4400" b="1" dirty="0" err="1">
+                <a:solidFill>
+                  <a:srgbClr val="000066"/>
+                </a:solidFill>
+                <a:ea typeface="微軟正黑體" pitchFamily="34" charset="-120"/>
+              </a:rPr>
+              <a:t>bình</a:t>
+            </a:r>
+            <a:endParaRPr lang="en-US" altLang="zh-TW" sz="4400" b="1" dirty="0">
               <a:solidFill>
-                <a:srgbClr val="660033"/>
+                <a:srgbClr val="000066"/>
               </a:solidFill>
-              <a:effectLst>
-                <a:outerShdw blurRad="38100" dist="38100" dir="2700000" algn="tl">
-                  <a:srgbClr val="000000">
-                    <a:alpha val="43137"/>
-                  </a:srgbClr>
-                </a:outerShdw>
-              </a:effectLst>
               <a:ea typeface="微軟正黑體" pitchFamily="34" charset="-120"/>
             </a:endParaRPr>
-          </a:p>
-          <a:p>
-            <a:pPr algn="ctr">
-              <a:buNone/>
-            </a:pPr>
-            <a:r>
-              <a:rPr lang="en-US" sz="3733" b="1" dirty="0" err="1">
-                <a:solidFill>
-                  <a:srgbClr val="660033"/>
-                </a:solidFill>
-                <a:effectLst>
-                  <a:outerShdw blurRad="38100" dist="38100" dir="2700000" algn="tl">
-                    <a:srgbClr val="000000">
-                      <a:alpha val="43137"/>
-                    </a:srgbClr>
-                  </a:outerShdw>
-                </a:effectLst>
-                <a:ea typeface="微軟正黑體" pitchFamily="34" charset="-120"/>
-              </a:rPr>
-              <a:t>Và</a:t>
-            </a:r>
-            <a:r>
-              <a:rPr lang="en-US" sz="3733" b="1" dirty="0">
-                <a:solidFill>
-                  <a:srgbClr val="660033"/>
-                </a:solidFill>
-                <a:effectLst>
-                  <a:outerShdw blurRad="38100" dist="38100" dir="2700000" algn="tl">
-                    <a:srgbClr val="000000">
-                      <a:alpha val="43137"/>
-                    </a:srgbClr>
-                  </a:outerShdw>
-                </a:effectLst>
-                <a:ea typeface="微軟正黑體" pitchFamily="34" charset="-120"/>
-              </a:rPr>
-              <a:t> </a:t>
-            </a:r>
-            <a:r>
-              <a:rPr lang="en-US" sz="3733" b="1" dirty="0" err="1">
-                <a:solidFill>
-                  <a:srgbClr val="660033"/>
-                </a:solidFill>
-                <a:effectLst>
-                  <a:outerShdw blurRad="38100" dist="38100" dir="2700000" algn="tl">
-                    <a:srgbClr val="000000">
-                      <a:alpha val="43137"/>
-                    </a:srgbClr>
-                  </a:outerShdw>
-                </a:effectLst>
-                <a:ea typeface="微軟正黑體" pitchFamily="34" charset="-120"/>
-              </a:rPr>
-              <a:t>một</a:t>
-            </a:r>
-            <a:r>
-              <a:rPr lang="en-US" sz="3733" b="1" dirty="0">
-                <a:solidFill>
-                  <a:srgbClr val="660033"/>
-                </a:solidFill>
-                <a:effectLst>
-                  <a:outerShdw blurRad="38100" dist="38100" dir="2700000" algn="tl">
-                    <a:srgbClr val="000000">
-                      <a:alpha val="43137"/>
-                    </a:srgbClr>
-                  </a:outerShdw>
-                </a:effectLst>
-                <a:ea typeface="微軟正黑體" pitchFamily="34" charset="-120"/>
-              </a:rPr>
-              <a:t> </a:t>
-            </a:r>
-            <a:r>
-              <a:rPr lang="en-US" sz="3733" b="1" dirty="0" err="1">
-                <a:solidFill>
-                  <a:srgbClr val="660033"/>
-                </a:solidFill>
-                <a:effectLst>
-                  <a:outerShdw blurRad="38100" dist="38100" dir="2700000" algn="tl">
-                    <a:srgbClr val="000000">
-                      <a:alpha val="43137"/>
-                    </a:srgbClr>
-                  </a:outerShdw>
-                </a:effectLst>
-                <a:ea typeface="微軟正黑體" pitchFamily="34" charset="-120"/>
-              </a:rPr>
-              <a:t>năm</a:t>
-            </a:r>
-            <a:r>
-              <a:rPr lang="en-US" sz="3733" b="1" dirty="0">
-                <a:solidFill>
-                  <a:srgbClr val="660033"/>
-                </a:solidFill>
-                <a:effectLst>
-                  <a:outerShdw blurRad="38100" dist="38100" dir="2700000" algn="tl">
-                    <a:srgbClr val="000000">
-                      <a:alpha val="43137"/>
-                    </a:srgbClr>
-                  </a:outerShdw>
-                </a:effectLst>
-                <a:ea typeface="微軟正黑體" pitchFamily="34" charset="-120"/>
-              </a:rPr>
-              <a:t> </a:t>
-            </a:r>
-            <a:r>
-              <a:rPr lang="en-US" sz="3733" b="1" dirty="0" err="1">
-                <a:solidFill>
-                  <a:srgbClr val="660033"/>
-                </a:solidFill>
-                <a:effectLst>
-                  <a:outerShdw blurRad="38100" dist="38100" dir="2700000" algn="tl">
-                    <a:srgbClr val="000000">
-                      <a:alpha val="43137"/>
-                    </a:srgbClr>
-                  </a:outerShdw>
-                </a:effectLst>
-                <a:ea typeface="微軟正黑體" pitchFamily="34" charset="-120"/>
-              </a:rPr>
-              <a:t>mới</a:t>
-            </a:r>
-            <a:r>
-              <a:rPr lang="en-US" sz="3733" b="1" dirty="0">
-                <a:solidFill>
-                  <a:srgbClr val="660033"/>
-                </a:solidFill>
-                <a:effectLst>
-                  <a:outerShdw blurRad="38100" dist="38100" dir="2700000" algn="tl">
-                    <a:srgbClr val="000000">
-                      <a:alpha val="43137"/>
-                    </a:srgbClr>
-                  </a:outerShdw>
-                </a:effectLst>
-                <a:ea typeface="微軟正黑體" pitchFamily="34" charset="-120"/>
-              </a:rPr>
-              <a:t> </a:t>
-            </a:r>
-            <a:r>
-              <a:rPr lang="en-US" sz="3733" b="1" dirty="0" err="1">
-                <a:solidFill>
-                  <a:srgbClr val="660033"/>
-                </a:solidFill>
-                <a:effectLst>
-                  <a:outerShdw blurRad="38100" dist="38100" dir="2700000" algn="tl">
-                    <a:srgbClr val="000000">
-                      <a:alpha val="43137"/>
-                    </a:srgbClr>
-                  </a:outerShdw>
-                </a:effectLst>
-                <a:ea typeface="微軟正黑體" pitchFamily="34" charset="-120"/>
-              </a:rPr>
-              <a:t>bình</a:t>
-            </a:r>
-            <a:r>
-              <a:rPr lang="en-US" sz="3733" b="1" dirty="0">
-                <a:solidFill>
-                  <a:srgbClr val="660033"/>
-                </a:solidFill>
-                <a:effectLst>
-                  <a:outerShdw blurRad="38100" dist="38100" dir="2700000" algn="tl">
-                    <a:srgbClr val="000000">
-                      <a:alpha val="43137"/>
-                    </a:srgbClr>
-                  </a:outerShdw>
-                </a:effectLst>
-                <a:ea typeface="微軟正黑體" pitchFamily="34" charset="-120"/>
-              </a:rPr>
-              <a:t> an</a:t>
-            </a:r>
           </a:p>
         </p:txBody>
       </p:sp>
     </p:spTree>
     <p:extLst>
       <p:ext uri="{BB962C8B-B14F-4D97-AF65-F5344CB8AC3E}">
-        <p14:creationId xmlns:p14="http://schemas.microsoft.com/office/powerpoint/2010/main" xmlns="" val="2900157938"/>
+        <p14:creationId xmlns:p14="http://schemas.microsoft.com/office/powerpoint/2010/main" val="948129367"/>
       </p:ext>
     </p:extLst>
   </p:cSld>
   <p:clrMapOvr>
     <a:masterClrMapping/>
   </p:clrMapOvr>
-  <p:timing>
-    <p:tnLst>
-      <p:par>
-        <p:cTn id="1" dur="indefinite" restart="never" nodeType="tmRoot"/>
-      </p:par>
-    </p:tnLst>
-  </p:timing>
 </p:sld>
 </file>
 
@@ -4979,313 +3835,103 @@
       </p:grpSpPr>
       <p:sp>
         <p:nvSpPr>
-          <p:cNvPr id="2" name="標題 1"/>
-          <p:cNvSpPr>
-            <a:spLocks noGrp="1"/>
-          </p:cNvSpPr>
-          <p:nvPr>
-            <p:ph type="title"/>
+          <p:cNvPr id="5" name="內容版面配置區 4"/>
+          <p:cNvSpPr>
+            <a:spLocks noGrp="1"/>
+          </p:cNvSpPr>
+          <p:nvPr>
+            <p:ph idx="1"/>
           </p:nvPr>
         </p:nvSpPr>
         <p:spPr>
           <a:xfrm>
-            <a:off x="0" y="400035"/>
-            <a:ext cx="11988800" cy="838200"/>
+            <a:off x="0" y="2167979"/>
+            <a:ext cx="12192000" cy="1318225"/>
           </a:xfrm>
         </p:spPr>
         <p:txBody>
-          <a:bodyPr>
-            <a:noAutofit/>
+          <a:bodyPr anchor="ctr">
+            <a:normAutofit/>
           </a:bodyPr>
           <a:lstStyle/>
           <a:p>
-            <a:r>
-              <a:rPr lang="zh-CN" altLang="en-US" sz="4267" b="1" dirty="0">
-                <a:solidFill>
-                  <a:srgbClr val="000066"/>
+            <a:pPr marL="0" indent="0" algn="ctr">
+              <a:buNone/>
+              <a:defRPr/>
+            </a:pPr>
+            <a:r>
+              <a:rPr lang="zh-CN" altLang="en-US" sz="6400" b="1" dirty="0">
+                <a:solidFill>
+                  <a:srgbClr val="660033"/>
                 </a:solidFill>
                 <a:latin typeface="微軟正黑體" pitchFamily="34" charset="-120"/>
                 <a:ea typeface="微軟正黑體" pitchFamily="34" charset="-120"/>
               </a:rPr>
               <a:t>我們祝你聖誕快樂</a:t>
             </a:r>
-            <a:r>
-              <a:rPr lang="en-US" sz="4267" b="1" dirty="0"/>
-              <a:t/>
-            </a:r>
-            <a:br>
-              <a:rPr lang="en-US" sz="4267" b="1" dirty="0"/>
-            </a:br>
-            <a:r>
-              <a:rPr lang="en-US" sz="3733" b="1" dirty="0" err="1">
-                <a:solidFill>
-                  <a:srgbClr val="660033"/>
-                </a:solidFill>
-                <a:latin typeface="Arial" panose="020B0604020202020204" pitchFamily="34" charset="0"/>
-                <a:ea typeface="微軟正黑體" pitchFamily="34" charset="-120"/>
-                <a:cs typeface="Arial" panose="020B0604020202020204" pitchFamily="34" charset="0"/>
-              </a:rPr>
-              <a:t>Mừng</a:t>
-            </a:r>
-            <a:r>
-              <a:rPr lang="en-US" sz="3733" b="1" dirty="0">
-                <a:solidFill>
-                  <a:srgbClr val="660033"/>
-                </a:solidFill>
-                <a:latin typeface="Arial" panose="020B0604020202020204" pitchFamily="34" charset="0"/>
-                <a:ea typeface="微軟正黑體" pitchFamily="34" charset="-120"/>
-                <a:cs typeface="Arial" panose="020B0604020202020204" pitchFamily="34" charset="0"/>
-              </a:rPr>
-              <a:t> </a:t>
-            </a:r>
-            <a:r>
-              <a:rPr lang="en-US" sz="3733" b="1" dirty="0" err="1">
-                <a:solidFill>
-                  <a:srgbClr val="660033"/>
-                </a:solidFill>
-                <a:latin typeface="Arial" panose="020B0604020202020204" pitchFamily="34" charset="0"/>
-                <a:ea typeface="微軟正黑體" pitchFamily="34" charset="-120"/>
-                <a:cs typeface="Arial" panose="020B0604020202020204" pitchFamily="34" charset="0"/>
-              </a:rPr>
-              <a:t>anh</a:t>
-            </a:r>
-            <a:r>
-              <a:rPr lang="en-US" sz="3733" b="1" dirty="0">
-                <a:solidFill>
-                  <a:srgbClr val="660033"/>
-                </a:solidFill>
-                <a:latin typeface="Arial" panose="020B0604020202020204" pitchFamily="34" charset="0"/>
-                <a:ea typeface="微軟正黑體" pitchFamily="34" charset="-120"/>
-                <a:cs typeface="Arial" panose="020B0604020202020204" pitchFamily="34" charset="0"/>
-              </a:rPr>
-              <a:t> </a:t>
-            </a:r>
-            <a:r>
-              <a:rPr lang="en-US" sz="3733" b="1" dirty="0" err="1">
-                <a:solidFill>
-                  <a:srgbClr val="660033"/>
-                </a:solidFill>
-                <a:latin typeface="Arial" panose="020B0604020202020204" pitchFamily="34" charset="0"/>
-                <a:ea typeface="微軟正黑體" pitchFamily="34" charset="-120"/>
-                <a:cs typeface="Arial" panose="020B0604020202020204" pitchFamily="34" charset="0"/>
-              </a:rPr>
-              <a:t>vui</a:t>
-            </a:r>
-            <a:r>
-              <a:rPr lang="en-US" sz="3733" b="1" dirty="0">
-                <a:solidFill>
-                  <a:srgbClr val="660033"/>
-                </a:solidFill>
-                <a:latin typeface="Arial" panose="020B0604020202020204" pitchFamily="34" charset="0"/>
-                <a:ea typeface="微軟正黑體" pitchFamily="34" charset="-120"/>
-                <a:cs typeface="Arial" panose="020B0604020202020204" pitchFamily="34" charset="0"/>
-              </a:rPr>
-              <a:t> </a:t>
-            </a:r>
-            <a:r>
-              <a:rPr lang="en-US" sz="3733" b="1" dirty="0" err="1">
-                <a:solidFill>
-                  <a:srgbClr val="660033"/>
-                </a:solidFill>
-                <a:latin typeface="Arial" panose="020B0604020202020204" pitchFamily="34" charset="0"/>
-                <a:ea typeface="微軟正黑體" pitchFamily="34" charset="-120"/>
-                <a:cs typeface="Arial" panose="020B0604020202020204" pitchFamily="34" charset="0"/>
-              </a:rPr>
-              <a:t>giáng</a:t>
-            </a:r>
-            <a:r>
-              <a:rPr lang="en-US" sz="3733" b="1" dirty="0">
-                <a:solidFill>
-                  <a:srgbClr val="660033"/>
-                </a:solidFill>
-                <a:latin typeface="Arial" panose="020B0604020202020204" pitchFamily="34" charset="0"/>
-                <a:ea typeface="微軟正黑體" pitchFamily="34" charset="-120"/>
-                <a:cs typeface="Arial" panose="020B0604020202020204" pitchFamily="34" charset="0"/>
-              </a:rPr>
-              <a:t> </a:t>
-            </a:r>
-            <a:r>
-              <a:rPr lang="en-US" sz="3733" b="1" dirty="0" err="1">
-                <a:solidFill>
-                  <a:srgbClr val="660033"/>
-                </a:solidFill>
-                <a:latin typeface="Arial" panose="020B0604020202020204" pitchFamily="34" charset="0"/>
-                <a:ea typeface="微軟正黑體" pitchFamily="34" charset="-120"/>
-                <a:cs typeface="Arial" panose="020B0604020202020204" pitchFamily="34" charset="0"/>
-              </a:rPr>
-              <a:t>sinh</a:t>
-            </a:r>
-            <a:endParaRPr lang="zh-TW" altLang="en-US" sz="3733" b="1" dirty="0">
+            <a:endParaRPr lang="en-US" altLang="zh-CN" sz="6400" b="1" dirty="0">
               <a:solidFill>
                 <a:srgbClr val="660033"/>
               </a:solidFill>
-              <a:latin typeface="Arial" panose="020B0604020202020204" pitchFamily="34" charset="0"/>
+              <a:latin typeface="微軟正黑體" pitchFamily="34" charset="-120"/>
               <a:ea typeface="微軟正黑體" pitchFamily="34" charset="-120"/>
-              <a:cs typeface="Arial" panose="020B0604020202020204" pitchFamily="34" charset="0"/>
             </a:endParaRPr>
           </a:p>
         </p:txBody>
       </p:sp>
       <p:sp>
         <p:nvSpPr>
-          <p:cNvPr id="4" name="內容版面配置區 3"/>
-          <p:cNvSpPr>
-            <a:spLocks noGrp="1"/>
-          </p:cNvSpPr>
-          <p:nvPr>
-            <p:ph idx="1"/>
-          </p:nvPr>
+          <p:cNvPr id="3" name="內容版面配置區 4"/>
+          <p:cNvSpPr txBox="1">
+            <a:spLocks/>
+          </p:cNvSpPr>
+          <p:nvPr/>
         </p:nvSpPr>
         <p:spPr>
           <a:xfrm>
-            <a:off x="0" y="1714488"/>
-            <a:ext cx="12192000" cy="2482597"/>
-          </a:xfrm>
-        </p:spPr>
-        <p:txBody>
-          <a:bodyPr>
-            <a:noAutofit/>
-          </a:bodyPr>
-          <a:lstStyle/>
-          <a:p>
-            <a:pPr marL="0" indent="0" algn="ctr">
-              <a:buNone/>
-              <a:defRPr/>
-            </a:pPr>
-            <a:r>
-              <a:rPr lang="zh-CN" altLang="en-US" sz="5867" b="1" dirty="0">
-                <a:solidFill>
-                  <a:srgbClr val="000066"/>
-                </a:solidFill>
-                <a:effectLst>
-                  <a:outerShdw blurRad="50000" dist="30000" dir="5400000" algn="tl" rotWithShape="0">
-                    <a:srgbClr val="000000">
-                      <a:alpha val="30000"/>
-                    </a:srgbClr>
-                  </a:outerShdw>
-                </a:effectLst>
-                <a:latin typeface="微軟正黑體" pitchFamily="34" charset="-120"/>
-                <a:ea typeface="微軟正黑體" pitchFamily="34" charset="-120"/>
-                <a:cs typeface="+mj-cs"/>
-              </a:rPr>
-              <a:t>願大喜訊息  賜平安給你</a:t>
-            </a:r>
-            <a:endParaRPr lang="en-US" altLang="zh-CN" sz="5867" b="1" dirty="0">
-              <a:solidFill>
-                <a:srgbClr val="000066"/>
-              </a:solidFill>
-              <a:effectLst>
-                <a:outerShdw blurRad="50000" dist="30000" dir="5400000" algn="tl" rotWithShape="0">
-                  <a:srgbClr val="000000">
-                    <a:alpha val="30000"/>
-                  </a:srgbClr>
-                </a:outerShdw>
-              </a:effectLst>
-              <a:latin typeface="微軟正黑體" pitchFamily="34" charset="-120"/>
-              <a:ea typeface="微軟正黑體" pitchFamily="34" charset="-120"/>
-              <a:cs typeface="+mj-cs"/>
-            </a:endParaRPr>
-          </a:p>
-          <a:p>
-            <a:pPr marL="0" indent="0" algn="ctr">
-              <a:buNone/>
-              <a:defRPr/>
-            </a:pPr>
-            <a:r>
-              <a:rPr lang="zh-CN" altLang="en-US" sz="5867" b="1" dirty="0">
-                <a:solidFill>
-                  <a:srgbClr val="000066"/>
-                </a:solidFill>
-                <a:effectLst>
-                  <a:outerShdw blurRad="50000" dist="30000" dir="5400000" algn="tl" rotWithShape="0">
-                    <a:srgbClr val="000000">
-                      <a:alpha val="30000"/>
-                    </a:srgbClr>
-                  </a:outerShdw>
-                </a:effectLst>
-                <a:latin typeface="微軟正黑體" pitchFamily="34" charset="-120"/>
-                <a:ea typeface="微軟正黑體" pitchFamily="34" charset="-120"/>
-                <a:cs typeface="+mj-cs"/>
-              </a:rPr>
-              <a:t>恭祝聖誕快樂</a:t>
-            </a:r>
-            <a:r>
-              <a:rPr lang="en-US" altLang="zh-CN" sz="5867" b="1" dirty="0">
-                <a:solidFill>
-                  <a:srgbClr val="000066"/>
-                </a:solidFill>
-                <a:effectLst>
-                  <a:outerShdw blurRad="50000" dist="30000" dir="5400000" algn="tl" rotWithShape="0">
-                    <a:srgbClr val="000000">
-                      <a:alpha val="30000"/>
-                    </a:srgbClr>
-                  </a:outerShdw>
-                </a:effectLst>
-                <a:latin typeface="微軟正黑體" pitchFamily="34" charset="-120"/>
-                <a:ea typeface="微軟正黑體" pitchFamily="34" charset="-120"/>
-                <a:cs typeface="+mj-cs"/>
-              </a:rPr>
-              <a:t>  </a:t>
-            </a:r>
-            <a:r>
-              <a:rPr lang="zh-CN" altLang="en-US" sz="5867" b="1" dirty="0">
-                <a:solidFill>
-                  <a:srgbClr val="000066"/>
-                </a:solidFill>
-                <a:effectLst>
-                  <a:outerShdw blurRad="50000" dist="30000" dir="5400000" algn="tl" rotWithShape="0">
-                    <a:srgbClr val="000000">
-                      <a:alpha val="30000"/>
-                    </a:srgbClr>
-                  </a:outerShdw>
-                </a:effectLst>
-                <a:latin typeface="微軟正黑體" pitchFamily="34" charset="-120"/>
-                <a:ea typeface="微軟正黑體" pitchFamily="34" charset="-120"/>
-                <a:cs typeface="+mj-cs"/>
-              </a:rPr>
-              <a:t>並賀新年納福</a:t>
-            </a:r>
-            <a:endParaRPr lang="en-US" sz="5867" b="1" dirty="0">
-              <a:solidFill>
-                <a:srgbClr val="000066"/>
-              </a:solidFill>
-              <a:effectLst>
-                <a:outerShdw blurRad="50000" dist="30000" dir="5400000" algn="tl" rotWithShape="0">
-                  <a:srgbClr val="000000">
-                    <a:alpha val="30000"/>
-                  </a:srgbClr>
-                </a:outerShdw>
-              </a:effectLst>
-              <a:latin typeface="微軟正黑體" pitchFamily="34" charset="-120"/>
-              <a:ea typeface="微軟正黑體" pitchFamily="34" charset="-120"/>
-              <a:cs typeface="+mj-cs"/>
-            </a:endParaRPr>
-          </a:p>
-        </p:txBody>
-      </p:sp>
-      <p:sp>
-        <p:nvSpPr>
-          <p:cNvPr id="5" name="內容版面配置區 3"/>
-          <p:cNvSpPr txBox="1">
-            <a:spLocks/>
-          </p:cNvSpPr>
-          <p:nvPr/>
-        </p:nvSpPr>
-        <p:spPr>
-          <a:xfrm>
-            <a:off x="0" y="4197086"/>
-            <a:ext cx="12192000" cy="2482597"/>
+            <a:off x="0" y="3117529"/>
+            <a:ext cx="12192000" cy="1318225"/>
           </a:xfrm>
           <a:prstGeom prst="rect">
             <a:avLst/>
           </a:prstGeom>
         </p:spPr>
         <p:txBody>
-          <a:bodyPr vert="horz" lIns="121920" tIns="60960" rIns="121920" bIns="60960" rtlCol="0">
-            <a:noAutofit/>
+          <a:bodyPr vert="horz" lIns="91440" tIns="45720" rIns="91440" bIns="45720" rtlCol="0" anchor="ctr">
+            <a:normAutofit/>
           </a:bodyPr>
           <a:lstStyle>
-            <a:lvl1pPr marL="342900" indent="-342900" algn="l" defTabSz="914400" rtl="0" eaLnBrk="1" latinLnBrk="0" hangingPunct="1">
+            <a:lvl1pPr marL="457189" indent="-457189" algn="l" defTabSz="1219170" rtl="0" eaLnBrk="1" latinLnBrk="0" hangingPunct="1">
+              <a:spcBef>
+                <a:spcPct val="20000"/>
+              </a:spcBef>
+              <a:buFont typeface="Arial" pitchFamily="34" charset="0"/>
+              <a:buChar char="•"/>
+              <a:defRPr sz="4267" kern="1200">
+                <a:solidFill>
+                  <a:schemeClr val="tx1"/>
+                </a:solidFill>
+                <a:latin typeface="+mn-lt"/>
+                <a:ea typeface="+mn-ea"/>
+                <a:cs typeface="+mn-cs"/>
+              </a:defRPr>
+            </a:lvl1pPr>
+            <a:lvl2pPr marL="990575" indent="-380990" algn="l" defTabSz="1219170" rtl="0" eaLnBrk="1" latinLnBrk="0" hangingPunct="1">
+              <a:spcBef>
+                <a:spcPct val="20000"/>
+              </a:spcBef>
+              <a:buFont typeface="Arial" pitchFamily="34" charset="0"/>
+              <a:buChar char="–"/>
+              <a:defRPr sz="3733" kern="1200">
+                <a:solidFill>
+                  <a:schemeClr val="tx1"/>
+                </a:solidFill>
+                <a:latin typeface="+mn-lt"/>
+                <a:ea typeface="+mn-ea"/>
+                <a:cs typeface="+mn-cs"/>
+              </a:defRPr>
+            </a:lvl2pPr>
+            <a:lvl3pPr marL="1523962" indent="-304792" algn="l" defTabSz="1219170" rtl="0" eaLnBrk="1" latinLnBrk="0" hangingPunct="1">
               <a:spcBef>
                 <a:spcPct val="20000"/>
               </a:spcBef>
@@ -5299,14 +3945,14 @@
                 <a:ea typeface="+mn-ea"/>
                 <a:cs typeface="+mn-cs"/>
               </a:defRPr>
-            </a:lvl1pPr>
-            <a:lvl2pPr marL="742950" indent="-285750" algn="l" defTabSz="914400" rtl="0" eaLnBrk="1" latinLnBrk="0" hangingPunct="1">
+            </a:lvl3pPr>
+            <a:lvl4pPr marL="2133547" indent="-304792" algn="l" defTabSz="1219170" rtl="0" eaLnBrk="1" latinLnBrk="0" hangingPunct="1">
               <a:spcBef>
                 <a:spcPct val="20000"/>
               </a:spcBef>
               <a:buFont typeface="Arial" pitchFamily="34" charset="0"/>
               <a:buChar char="–"/>
-              <a:defRPr sz="2800" kern="1200">
+              <a:defRPr sz="2667" kern="1200">
                 <a:solidFill>
                   <a:schemeClr val="tx1"/>
                 </a:solidFill>
@@ -5314,14 +3960,29 @@
                 <a:ea typeface="+mn-ea"/>
                 <a:cs typeface="+mn-cs"/>
               </a:defRPr>
-            </a:lvl2pPr>
-            <a:lvl3pPr marL="1143000" indent="-228600" algn="l" defTabSz="914400" rtl="0" eaLnBrk="1" latinLnBrk="0" hangingPunct="1">
+            </a:lvl4pPr>
+            <a:lvl5pPr marL="2743131" indent="-304792" algn="l" defTabSz="1219170" rtl="0" eaLnBrk="1" latinLnBrk="0" hangingPunct="1">
+              <a:spcBef>
+                <a:spcPct val="20000"/>
+              </a:spcBef>
+              <a:buFont typeface="Arial" pitchFamily="34" charset="0"/>
+              <a:buChar char="»"/>
+              <a:defRPr sz="2667" kern="1200">
+                <a:solidFill>
+                  <a:schemeClr val="tx1"/>
+                </a:solidFill>
+                <a:latin typeface="+mn-lt"/>
+                <a:ea typeface="+mn-ea"/>
+                <a:cs typeface="+mn-cs"/>
+              </a:defRPr>
+            </a:lvl5pPr>
+            <a:lvl6pPr marL="3352716" indent="-304792" algn="l" defTabSz="1219170" rtl="0" eaLnBrk="1" latinLnBrk="0" hangingPunct="1">
               <a:spcBef>
                 <a:spcPct val="20000"/>
               </a:spcBef>
               <a:buFont typeface="Arial" pitchFamily="34" charset="0"/>
               <a:buChar char="•"/>
-              <a:defRPr sz="2400" kern="1200">
+              <a:defRPr sz="2667" kern="1200">
                 <a:solidFill>
                   <a:schemeClr val="tx1"/>
                 </a:solidFill>
@@ -5329,44 +3990,14 @@
                 <a:ea typeface="+mn-ea"/>
                 <a:cs typeface="+mn-cs"/>
               </a:defRPr>
-            </a:lvl3pPr>
-            <a:lvl4pPr marL="1600200" indent="-228600" algn="l" defTabSz="914400" rtl="0" eaLnBrk="1" latinLnBrk="0" hangingPunct="1">
-              <a:spcBef>
-                <a:spcPct val="20000"/>
-              </a:spcBef>
-              <a:buFont typeface="Arial" pitchFamily="34" charset="0"/>
-              <a:buChar char="–"/>
-              <a:defRPr sz="2000" kern="1200">
-                <a:solidFill>
-                  <a:schemeClr val="tx1"/>
-                </a:solidFill>
-                <a:latin typeface="+mn-lt"/>
-                <a:ea typeface="+mn-ea"/>
-                <a:cs typeface="+mn-cs"/>
-              </a:defRPr>
-            </a:lvl4pPr>
-            <a:lvl5pPr marL="2057400" indent="-228600" algn="l" defTabSz="914400" rtl="0" eaLnBrk="1" latinLnBrk="0" hangingPunct="1">
-              <a:spcBef>
-                <a:spcPct val="20000"/>
-              </a:spcBef>
-              <a:buFont typeface="Arial" pitchFamily="34" charset="0"/>
-              <a:buChar char="»"/>
-              <a:defRPr sz="2000" kern="1200">
-                <a:solidFill>
-                  <a:schemeClr val="tx1"/>
-                </a:solidFill>
-                <a:latin typeface="+mn-lt"/>
-                <a:ea typeface="+mn-ea"/>
-                <a:cs typeface="+mn-cs"/>
-              </a:defRPr>
-            </a:lvl5pPr>
-            <a:lvl6pPr marL="2514600" indent="-228600" algn="l" defTabSz="914400" rtl="0" eaLnBrk="1" latinLnBrk="0" hangingPunct="1">
+            </a:lvl6pPr>
+            <a:lvl7pPr marL="3962301" indent="-304792" algn="l" defTabSz="1219170" rtl="0" eaLnBrk="1" latinLnBrk="0" hangingPunct="1">
               <a:spcBef>
                 <a:spcPct val="20000"/>
               </a:spcBef>
               <a:buFont typeface="Arial" pitchFamily="34" charset="0"/>
               <a:buChar char="•"/>
-              <a:defRPr sz="2000" kern="1200">
+              <a:defRPr sz="2667" kern="1200">
                 <a:solidFill>
                   <a:schemeClr val="tx1"/>
                 </a:solidFill>
@@ -5374,14 +4005,14 @@
                 <a:ea typeface="+mn-ea"/>
                 <a:cs typeface="+mn-cs"/>
               </a:defRPr>
-            </a:lvl6pPr>
-            <a:lvl7pPr marL="2971800" indent="-228600" algn="l" defTabSz="914400" rtl="0" eaLnBrk="1" latinLnBrk="0" hangingPunct="1">
+            </a:lvl7pPr>
+            <a:lvl8pPr marL="4571886" indent="-304792" algn="l" defTabSz="1219170" rtl="0" eaLnBrk="1" latinLnBrk="0" hangingPunct="1">
               <a:spcBef>
                 <a:spcPct val="20000"/>
               </a:spcBef>
               <a:buFont typeface="Arial" pitchFamily="34" charset="0"/>
               <a:buChar char="•"/>
-              <a:defRPr sz="2000" kern="1200">
+              <a:defRPr sz="2667" kern="1200">
                 <a:solidFill>
                   <a:schemeClr val="tx1"/>
                 </a:solidFill>
@@ -5389,14 +4020,14 @@
                 <a:ea typeface="+mn-ea"/>
                 <a:cs typeface="+mn-cs"/>
               </a:defRPr>
-            </a:lvl7pPr>
-            <a:lvl8pPr marL="3429000" indent="-228600" algn="l" defTabSz="914400" rtl="0" eaLnBrk="1" latinLnBrk="0" hangingPunct="1">
+            </a:lvl8pPr>
+            <a:lvl9pPr marL="5181470" indent="-304792" algn="l" defTabSz="1219170" rtl="0" eaLnBrk="1" latinLnBrk="0" hangingPunct="1">
               <a:spcBef>
                 <a:spcPct val="20000"/>
               </a:spcBef>
               <a:buFont typeface="Arial" pitchFamily="34" charset="0"/>
               <a:buChar char="•"/>
-              <a:defRPr sz="2000" kern="1200">
+              <a:defRPr sz="2667" kern="1200">
                 <a:solidFill>
                   <a:schemeClr val="tx1"/>
                 </a:solidFill>
@@ -5404,21 +4035,6 @@
                 <a:ea typeface="+mn-ea"/>
                 <a:cs typeface="+mn-cs"/>
               </a:defRPr>
-            </a:lvl8pPr>
-            <a:lvl9pPr marL="3886200" indent="-228600" algn="l" defTabSz="914400" rtl="0" eaLnBrk="1" latinLnBrk="0" hangingPunct="1">
-              <a:spcBef>
-                <a:spcPct val="20000"/>
-              </a:spcBef>
-              <a:buFont typeface="Arial" pitchFamily="34" charset="0"/>
-              <a:buChar char="•"/>
-              <a:defRPr sz="2000" kern="1200">
-                <a:solidFill>
-                  <a:schemeClr val="tx1"/>
-                </a:solidFill>
-                <a:latin typeface="+mn-lt"/>
-                <a:ea typeface="+mn-ea"/>
-                <a:cs typeface="+mn-cs"/>
-              </a:defRPr>
             </a:lvl9pPr>
           </a:lstStyle>
           <a:p>
@@ -5426,704 +4042,1749 @@
               <a:buNone/>
             </a:pPr>
             <a:r>
-              <a:rPr lang="en-US" sz="3733" b="1" dirty="0" err="1">
-                <a:solidFill>
-                  <a:srgbClr val="660033"/>
-                </a:solidFill>
-                <a:effectLst>
-                  <a:outerShdw blurRad="38100" dist="38100" dir="2700000" algn="tl">
-                    <a:srgbClr val="000000">
-                      <a:alpha val="43137"/>
-                    </a:srgbClr>
-                  </a:outerShdw>
-                </a:effectLst>
+              <a:rPr lang="en-US" sz="4400" b="1" dirty="0" err="1">
+                <a:solidFill>
+                  <a:srgbClr val="000066"/>
+                </a:solidFill>
                 <a:ea typeface="微軟正黑體" pitchFamily="34" charset="-120"/>
               </a:rPr>
               <a:t>Mừng</a:t>
             </a:r>
             <a:r>
-              <a:rPr lang="en-US" sz="3733" b="1" dirty="0">
-                <a:solidFill>
-                  <a:srgbClr val="660033"/>
-                </a:solidFill>
-                <a:effectLst>
-                  <a:outerShdw blurRad="38100" dist="38100" dir="2700000" algn="tl">
-                    <a:srgbClr val="000000">
-                      <a:alpha val="43137"/>
-                    </a:srgbClr>
-                  </a:outerShdw>
-                </a:effectLst>
+              <a:rPr lang="en-US" sz="4400" b="1" dirty="0">
+                <a:solidFill>
+                  <a:srgbClr val="000066"/>
+                </a:solidFill>
                 <a:ea typeface="微軟正黑體" pitchFamily="34" charset="-120"/>
               </a:rPr>
               <a:t> </a:t>
             </a:r>
             <a:r>
-              <a:rPr lang="en-US" sz="3733" b="1" dirty="0" err="1">
-                <a:solidFill>
-                  <a:srgbClr val="660033"/>
-                </a:solidFill>
-                <a:effectLst>
-                  <a:outerShdw blurRad="38100" dist="38100" dir="2700000" algn="tl">
-                    <a:srgbClr val="000000">
-                      <a:alpha val="43137"/>
-                    </a:srgbClr>
-                  </a:outerShdw>
-                </a:effectLst>
+              <a:rPr lang="en-US" sz="4400" b="1" dirty="0" err="1">
+                <a:solidFill>
+                  <a:srgbClr val="000066"/>
+                </a:solidFill>
                 <a:ea typeface="微軟正黑體" pitchFamily="34" charset="-120"/>
               </a:rPr>
               <a:t>anh</a:t>
             </a:r>
             <a:r>
-              <a:rPr lang="en-US" sz="3733" b="1" dirty="0">
-                <a:solidFill>
-                  <a:srgbClr val="660033"/>
-                </a:solidFill>
-                <a:effectLst>
-                  <a:outerShdw blurRad="38100" dist="38100" dir="2700000" algn="tl">
-                    <a:srgbClr val="000000">
-                      <a:alpha val="43137"/>
-                    </a:srgbClr>
-                  </a:outerShdw>
-                </a:effectLst>
+              <a:rPr lang="en-US" sz="4400" b="1" dirty="0">
+                <a:solidFill>
+                  <a:srgbClr val="000066"/>
+                </a:solidFill>
                 <a:ea typeface="微軟正黑體" pitchFamily="34" charset="-120"/>
               </a:rPr>
               <a:t> </a:t>
             </a:r>
             <a:r>
-              <a:rPr lang="en-US" sz="3733" b="1" dirty="0" err="1">
-                <a:solidFill>
-                  <a:srgbClr val="660033"/>
-                </a:solidFill>
-                <a:effectLst>
-                  <a:outerShdw blurRad="38100" dist="38100" dir="2700000" algn="tl">
-                    <a:srgbClr val="000000">
-                      <a:alpha val="43137"/>
-                    </a:srgbClr>
-                  </a:outerShdw>
-                </a:effectLst>
-                <a:ea typeface="微軟正黑體" pitchFamily="34" charset="-120"/>
-              </a:rPr>
-              <a:t>luôn</a:t>
-            </a:r>
-            <a:r>
-              <a:rPr lang="en-US" sz="3733" b="1" dirty="0">
-                <a:solidFill>
-                  <a:srgbClr val="660033"/>
-                </a:solidFill>
-                <a:effectLst>
-                  <a:outerShdw blurRad="38100" dist="38100" dir="2700000" algn="tl">
-                    <a:srgbClr val="000000">
-                      <a:alpha val="43137"/>
-                    </a:srgbClr>
-                  </a:outerShdw>
-                </a:effectLst>
+              <a:rPr lang="en-US" sz="4400" b="1" dirty="0" err="1">
+                <a:solidFill>
+                  <a:srgbClr val="000066"/>
+                </a:solidFill>
+                <a:ea typeface="微軟正黑體" pitchFamily="34" charset="-120"/>
+              </a:rPr>
+              <a:t>vui</a:t>
+            </a:r>
+            <a:r>
+              <a:rPr lang="en-US" sz="4400" b="1" dirty="0">
+                <a:solidFill>
+                  <a:srgbClr val="000066"/>
+                </a:solidFill>
                 <a:ea typeface="微軟正黑體" pitchFamily="34" charset="-120"/>
               </a:rPr>
               <a:t> </a:t>
             </a:r>
             <a:r>
-              <a:rPr lang="en-US" sz="3733" b="1" dirty="0" err="1">
-                <a:solidFill>
-                  <a:srgbClr val="660033"/>
-                </a:solidFill>
-                <a:effectLst>
-                  <a:outerShdw blurRad="38100" dist="38100" dir="2700000" algn="tl">
-                    <a:srgbClr val="000000">
-                      <a:alpha val="43137"/>
-                    </a:srgbClr>
-                  </a:outerShdw>
-                </a:effectLst>
-                <a:ea typeface="微軟正黑體" pitchFamily="34" charset="-120"/>
-              </a:rPr>
-              <a:t>tươi</a:t>
-            </a:r>
-            <a:r>
-              <a:rPr lang="en-US" sz="3733" b="1" dirty="0">
-                <a:solidFill>
-                  <a:srgbClr val="660033"/>
-                </a:solidFill>
-                <a:effectLst>
-                  <a:outerShdw blurRad="38100" dist="38100" dir="2700000" algn="tl">
-                    <a:srgbClr val="000000">
-                      <a:alpha val="43137"/>
-                    </a:srgbClr>
-                  </a:outerShdw>
-                </a:effectLst>
+              <a:rPr lang="en-US" sz="4400" b="1" dirty="0" err="1">
+                <a:solidFill>
+                  <a:srgbClr val="000066"/>
+                </a:solidFill>
+                <a:ea typeface="微軟正黑體" pitchFamily="34" charset="-120"/>
+              </a:rPr>
+              <a:t>giáng</a:t>
+            </a:r>
+            <a:r>
+              <a:rPr lang="en-US" sz="4400" b="1" dirty="0">
+                <a:solidFill>
+                  <a:srgbClr val="000066"/>
+                </a:solidFill>
                 <a:ea typeface="微軟正黑體" pitchFamily="34" charset="-120"/>
               </a:rPr>
               <a:t> </a:t>
             </a:r>
             <a:r>
-              <a:rPr lang="en-US" sz="3733" b="1" dirty="0" err="1">
-                <a:solidFill>
-                  <a:srgbClr val="660033"/>
-                </a:solidFill>
-                <a:effectLst>
-                  <a:outerShdw blurRad="38100" dist="38100" dir="2700000" algn="tl">
-                    <a:srgbClr val="000000">
-                      <a:alpha val="43137"/>
-                    </a:srgbClr>
-                  </a:outerShdw>
-                </a:effectLst>
-                <a:ea typeface="微軟正黑體" pitchFamily="34" charset="-120"/>
-              </a:rPr>
-              <a:t>vui</a:t>
-            </a:r>
-            <a:r>
-              <a:rPr lang="en-US" sz="3733" b="1" dirty="0">
-                <a:solidFill>
-                  <a:srgbClr val="660033"/>
-                </a:solidFill>
-                <a:effectLst>
-                  <a:outerShdw blurRad="38100" dist="38100" dir="2700000" algn="tl">
-                    <a:srgbClr val="000000">
-                      <a:alpha val="43137"/>
-                    </a:srgbClr>
-                  </a:outerShdw>
-                </a:effectLst>
-                <a:ea typeface="微軟正黑體" pitchFamily="34" charset="-120"/>
-              </a:rPr>
-              <a:t>  </a:t>
-            </a:r>
-            <a:r>
-              <a:rPr lang="en-US" sz="3733" b="1" dirty="0" err="1">
-                <a:solidFill>
-                  <a:srgbClr val="660033"/>
-                </a:solidFill>
-                <a:effectLst>
-                  <a:outerShdw blurRad="38100" dist="38100" dir="2700000" algn="tl">
-                    <a:srgbClr val="000000">
-                      <a:alpha val="43137"/>
-                    </a:srgbClr>
-                  </a:outerShdw>
-                </a:effectLst>
-                <a:ea typeface="微軟正黑體" pitchFamily="34" charset="-120"/>
-              </a:rPr>
-              <a:t>Trên</a:t>
-            </a:r>
-            <a:r>
-              <a:rPr lang="en-US" sz="3733" b="1" dirty="0">
-                <a:solidFill>
-                  <a:srgbClr val="660033"/>
-                </a:solidFill>
-                <a:effectLst>
-                  <a:outerShdw blurRad="38100" dist="38100" dir="2700000" algn="tl">
-                    <a:srgbClr val="000000">
-                      <a:alpha val="43137"/>
-                    </a:srgbClr>
-                  </a:outerShdw>
-                </a:effectLst>
+              <a:rPr lang="en-US" sz="4400" b="1" dirty="0" err="1">
+                <a:solidFill>
+                  <a:srgbClr val="000066"/>
+                </a:solidFill>
+                <a:ea typeface="微軟正黑體" pitchFamily="34" charset="-120"/>
+              </a:rPr>
+              <a:t>sinh</a:t>
+            </a:r>
+            <a:r>
+              <a:rPr lang="en-US" sz="4400" b="1" dirty="0">
+                <a:solidFill>
+                  <a:srgbClr val="000066"/>
+                </a:solidFill>
                 <a:ea typeface="微軟正黑體" pitchFamily="34" charset="-120"/>
               </a:rPr>
               <a:t> </a:t>
             </a:r>
             <a:r>
-              <a:rPr lang="en-US" sz="3733" b="1" dirty="0" err="1">
-                <a:solidFill>
-                  <a:srgbClr val="660033"/>
-                </a:solidFill>
-                <a:effectLst>
-                  <a:outerShdw blurRad="38100" dist="38100" dir="2700000" algn="tl">
-                    <a:srgbClr val="000000">
-                      <a:alpha val="43137"/>
-                    </a:srgbClr>
-                  </a:outerShdw>
-                </a:effectLst>
-                <a:ea typeface="微軟正黑體" pitchFamily="34" charset="-120"/>
-              </a:rPr>
-              <a:t>khắp</a:t>
-            </a:r>
-            <a:r>
-              <a:rPr lang="en-US" sz="3733" b="1" dirty="0">
-                <a:solidFill>
-                  <a:srgbClr val="660033"/>
-                </a:solidFill>
-                <a:effectLst>
-                  <a:outerShdw blurRad="38100" dist="38100" dir="2700000" algn="tl">
-                    <a:srgbClr val="000000">
-                      <a:alpha val="43137"/>
-                    </a:srgbClr>
-                  </a:outerShdw>
-                </a:effectLst>
+              <a:rPr lang="en-US" sz="4400" b="1" dirty="0" err="1">
+                <a:solidFill>
+                  <a:srgbClr val="000066"/>
+                </a:solidFill>
+                <a:ea typeface="微軟正黑體" pitchFamily="34" charset="-120"/>
+              </a:rPr>
+              <a:t>trong</a:t>
+            </a:r>
+            <a:r>
+              <a:rPr lang="en-US" sz="4400" b="1" dirty="0">
+                <a:solidFill>
+                  <a:srgbClr val="000066"/>
+                </a:solidFill>
                 <a:ea typeface="微軟正黑體" pitchFamily="34" charset="-120"/>
               </a:rPr>
               <a:t> </a:t>
             </a:r>
             <a:r>
-              <a:rPr lang="en-US" sz="3733" b="1" dirty="0" err="1">
-                <a:solidFill>
-                  <a:srgbClr val="660033"/>
-                </a:solidFill>
-                <a:effectLst>
-                  <a:outerShdw blurRad="38100" dist="38100" dir="2700000" algn="tl">
-                    <a:srgbClr val="000000">
-                      <a:alpha val="43137"/>
-                    </a:srgbClr>
-                  </a:outerShdw>
-                </a:effectLst>
-                <a:ea typeface="微軟正黑體" pitchFamily="34" charset="-120"/>
-              </a:rPr>
-              <a:t>các</a:t>
-            </a:r>
-            <a:r>
-              <a:rPr lang="en-US" sz="3733" b="1" dirty="0">
-                <a:solidFill>
-                  <a:srgbClr val="660033"/>
-                </a:solidFill>
-                <a:effectLst>
-                  <a:outerShdw blurRad="38100" dist="38100" dir="2700000" algn="tl">
-                    <a:srgbClr val="000000">
-                      <a:alpha val="43137"/>
-                    </a:srgbClr>
-                  </a:outerShdw>
-                </a:effectLst>
+              <a:rPr lang="en-US" sz="4400" b="1" dirty="0" err="1" smtClean="0">
+                <a:solidFill>
+                  <a:srgbClr val="000066"/>
+                </a:solidFill>
+                <a:ea typeface="微軟正黑體" pitchFamily="34" charset="-120"/>
+              </a:rPr>
+              <a:t>ơn</a:t>
+            </a:r>
+            <a:r>
+              <a:rPr lang="en-US" sz="4400" b="1" dirty="0" smtClean="0">
+                <a:solidFill>
+                  <a:srgbClr val="000066"/>
+                </a:solidFill>
                 <a:ea typeface="微軟正黑體" pitchFamily="34" charset="-120"/>
               </a:rPr>
               <a:t> </a:t>
             </a:r>
             <a:r>
-              <a:rPr lang="en-US" sz="3733" b="1" dirty="0" err="1">
-                <a:solidFill>
-                  <a:srgbClr val="660033"/>
-                </a:solidFill>
-                <a:effectLst>
-                  <a:outerShdw blurRad="38100" dist="38100" dir="2700000" algn="tl">
-                    <a:srgbClr val="000000">
-                      <a:alpha val="43137"/>
-                    </a:srgbClr>
-                  </a:outerShdw>
-                </a:effectLst>
-                <a:ea typeface="微軟正黑體" pitchFamily="34" charset="-120"/>
-              </a:rPr>
-              <a:t>nẻo</a:t>
-            </a:r>
-            <a:r>
-              <a:rPr lang="en-US" sz="3733" b="1" dirty="0">
-                <a:solidFill>
-                  <a:srgbClr val="660033"/>
-                </a:solidFill>
-                <a:effectLst>
-                  <a:outerShdw blurRad="38100" dist="38100" dir="2700000" algn="tl">
-                    <a:srgbClr val="000000">
-                      <a:alpha val="43137"/>
-                    </a:srgbClr>
-                  </a:outerShdw>
-                </a:effectLst>
-                <a:ea typeface="微軟正黑體" pitchFamily="34" charset="-120"/>
-              </a:rPr>
-              <a:t> </a:t>
-            </a:r>
-            <a:r>
-              <a:rPr lang="en-US" sz="3733" b="1" dirty="0" err="1">
-                <a:solidFill>
-                  <a:srgbClr val="660033"/>
-                </a:solidFill>
-                <a:effectLst>
-                  <a:outerShdw blurRad="38100" dist="38100" dir="2700000" algn="tl">
-                    <a:srgbClr val="000000">
-                      <a:alpha val="43137"/>
-                    </a:srgbClr>
-                  </a:outerShdw>
-                </a:effectLst>
-                <a:ea typeface="微軟正黑體" pitchFamily="34" charset="-120"/>
-              </a:rPr>
-              <a:t>đường</a:t>
-            </a:r>
-            <a:endParaRPr lang="en-US" sz="3733" b="1" dirty="0">
+              <a:rPr lang="en-US" sz="4400" b="1" dirty="0" err="1" smtClean="0">
+                <a:solidFill>
+                  <a:srgbClr val="000066"/>
+                </a:solidFill>
+                <a:ea typeface="微軟正黑體" pitchFamily="34" charset="-120"/>
+              </a:rPr>
+              <a:t>lành</a:t>
+            </a:r>
+            <a:endParaRPr lang="zh-TW" altLang="en-US" sz="4400" b="1" dirty="0">
               <a:solidFill>
-                <a:srgbClr val="660033"/>
+                <a:srgbClr val="000066"/>
               </a:solidFill>
-              <a:effectLst>
-                <a:outerShdw blurRad="38100" dist="38100" dir="2700000" algn="tl">
-                  <a:srgbClr val="000000">
-                    <a:alpha val="43137"/>
-                  </a:srgbClr>
-                </a:outerShdw>
-              </a:effectLst>
               <a:ea typeface="微軟正黑體" pitchFamily="34" charset="-120"/>
             </a:endParaRPr>
-          </a:p>
-          <a:p>
-            <a:pPr algn="ctr">
-              <a:buNone/>
-            </a:pPr>
-            <a:r>
-              <a:rPr lang="en-US" sz="3733" b="1" dirty="0" err="1">
-                <a:solidFill>
-                  <a:srgbClr val="660033"/>
-                </a:solidFill>
-                <a:effectLst>
-                  <a:outerShdw blurRad="38100" dist="38100" dir="2700000" algn="tl">
-                    <a:srgbClr val="000000">
-                      <a:alpha val="43137"/>
-                    </a:srgbClr>
-                  </a:outerShdw>
-                </a:effectLst>
-                <a:ea typeface="微軟正黑體" pitchFamily="34" charset="-120"/>
-              </a:rPr>
-              <a:t>Một</a:t>
-            </a:r>
-            <a:r>
-              <a:rPr lang="en-US" sz="3733" b="1" dirty="0">
-                <a:solidFill>
-                  <a:srgbClr val="660033"/>
-                </a:solidFill>
-                <a:effectLst>
-                  <a:outerShdw blurRad="38100" dist="38100" dir="2700000" algn="tl">
-                    <a:srgbClr val="000000">
-                      <a:alpha val="43137"/>
-                    </a:srgbClr>
-                  </a:outerShdw>
-                </a:effectLst>
-                <a:ea typeface="微軟正黑體" pitchFamily="34" charset="-120"/>
-              </a:rPr>
-              <a:t> </a:t>
-            </a:r>
-            <a:r>
-              <a:rPr lang="en-US" sz="3733" b="1" dirty="0" err="1">
-                <a:solidFill>
-                  <a:srgbClr val="660033"/>
-                </a:solidFill>
-                <a:effectLst>
-                  <a:outerShdw blurRad="38100" dist="38100" dir="2700000" algn="tl">
-                    <a:srgbClr val="000000">
-                      <a:alpha val="43137"/>
-                    </a:srgbClr>
-                  </a:outerShdw>
-                </a:effectLst>
-                <a:ea typeface="微軟正黑體" pitchFamily="34" charset="-120"/>
-              </a:rPr>
-              <a:t>giáng</a:t>
-            </a:r>
-            <a:r>
-              <a:rPr lang="en-US" sz="3733" b="1" dirty="0">
-                <a:solidFill>
-                  <a:srgbClr val="660033"/>
-                </a:solidFill>
-                <a:effectLst>
-                  <a:outerShdw blurRad="38100" dist="38100" dir="2700000" algn="tl">
-                    <a:srgbClr val="000000">
-                      <a:alpha val="43137"/>
-                    </a:srgbClr>
-                  </a:outerShdw>
-                </a:effectLst>
-                <a:ea typeface="微軟正黑體" pitchFamily="34" charset="-120"/>
-              </a:rPr>
-              <a:t> </a:t>
-            </a:r>
-            <a:r>
-              <a:rPr lang="en-US" sz="3733" b="1" dirty="0" err="1">
-                <a:solidFill>
-                  <a:srgbClr val="660033"/>
-                </a:solidFill>
-                <a:effectLst>
-                  <a:outerShdw blurRad="38100" dist="38100" dir="2700000" algn="tl">
-                    <a:srgbClr val="000000">
-                      <a:alpha val="43137"/>
-                    </a:srgbClr>
-                  </a:outerShdw>
-                </a:effectLst>
-                <a:ea typeface="微軟正黑體" pitchFamily="34" charset="-120"/>
-              </a:rPr>
-              <a:t>sinh</a:t>
-            </a:r>
-            <a:r>
-              <a:rPr lang="en-US" sz="3733" b="1" dirty="0">
-                <a:solidFill>
-                  <a:srgbClr val="660033"/>
-                </a:solidFill>
-                <a:effectLst>
-                  <a:outerShdw blurRad="38100" dist="38100" dir="2700000" algn="tl">
-                    <a:srgbClr val="000000">
-                      <a:alpha val="43137"/>
-                    </a:srgbClr>
-                  </a:outerShdw>
-                </a:effectLst>
-                <a:ea typeface="微軟正黑體" pitchFamily="34" charset="-120"/>
-              </a:rPr>
-              <a:t> </a:t>
-            </a:r>
-            <a:r>
-              <a:rPr lang="en-US" sz="3733" b="1" dirty="0" err="1">
-                <a:solidFill>
-                  <a:srgbClr val="660033"/>
-                </a:solidFill>
-                <a:effectLst>
-                  <a:outerShdw blurRad="38100" dist="38100" dir="2700000" algn="tl">
-                    <a:srgbClr val="000000">
-                      <a:alpha val="43137"/>
-                    </a:srgbClr>
-                  </a:outerShdw>
-                </a:effectLst>
-                <a:ea typeface="微軟正黑體" pitchFamily="34" charset="-120"/>
-              </a:rPr>
-              <a:t>đầy</a:t>
-            </a:r>
-            <a:r>
-              <a:rPr lang="en-US" sz="3733" b="1" dirty="0">
-                <a:solidFill>
-                  <a:srgbClr val="660033"/>
-                </a:solidFill>
-                <a:effectLst>
-                  <a:outerShdw blurRad="38100" dist="38100" dir="2700000" algn="tl">
-                    <a:srgbClr val="000000">
-                      <a:alpha val="43137"/>
-                    </a:srgbClr>
-                  </a:outerShdw>
-                </a:effectLst>
-                <a:ea typeface="微軟正黑體" pitchFamily="34" charset="-120"/>
-              </a:rPr>
-              <a:t> </a:t>
-            </a:r>
-            <a:r>
-              <a:rPr lang="en-US" sz="3733" b="1" dirty="0" err="1">
-                <a:solidFill>
-                  <a:srgbClr val="660033"/>
-                </a:solidFill>
-                <a:effectLst>
-                  <a:outerShdw blurRad="38100" dist="38100" dir="2700000" algn="tl">
-                    <a:srgbClr val="000000">
-                      <a:alpha val="43137"/>
-                    </a:srgbClr>
-                  </a:outerShdw>
-                </a:effectLst>
-                <a:ea typeface="微軟正黑體" pitchFamily="34" charset="-120"/>
-              </a:rPr>
-              <a:t>phước</a:t>
-            </a:r>
-            <a:r>
-              <a:rPr lang="en-US" sz="3733" b="1" dirty="0">
-                <a:solidFill>
-                  <a:srgbClr val="660033"/>
-                </a:solidFill>
-                <a:effectLst>
-                  <a:outerShdw blurRad="38100" dist="38100" dir="2700000" algn="tl">
-                    <a:srgbClr val="000000">
-                      <a:alpha val="43137"/>
-                    </a:srgbClr>
-                  </a:outerShdw>
-                </a:effectLst>
-                <a:ea typeface="微軟正黑體" pitchFamily="34" charset="-120"/>
-              </a:rPr>
-              <a:t> </a:t>
-            </a:r>
-            <a:r>
-              <a:rPr lang="en-US" sz="3733" b="1" dirty="0" err="1">
-                <a:solidFill>
-                  <a:srgbClr val="660033"/>
-                </a:solidFill>
-                <a:effectLst>
-                  <a:outerShdw blurRad="38100" dist="38100" dir="2700000" algn="tl">
-                    <a:srgbClr val="000000">
-                      <a:alpha val="43137"/>
-                    </a:srgbClr>
-                  </a:outerShdw>
-                </a:effectLst>
-                <a:ea typeface="微軟正黑體" pitchFamily="34" charset="-120"/>
-              </a:rPr>
-              <a:t>hạnh</a:t>
-            </a:r>
-            <a:r>
-              <a:rPr lang="en-US" sz="3733" b="1" dirty="0">
-                <a:solidFill>
-                  <a:srgbClr val="660033"/>
-                </a:solidFill>
-                <a:effectLst>
-                  <a:outerShdw blurRad="38100" dist="38100" dir="2700000" algn="tl">
-                    <a:srgbClr val="000000">
-                      <a:alpha val="43137"/>
-                    </a:srgbClr>
-                  </a:outerShdw>
-                </a:effectLst>
-                <a:ea typeface="微軟正黑體" pitchFamily="34" charset="-120"/>
-              </a:rPr>
-              <a:t> </a:t>
-            </a:r>
-          </a:p>
-          <a:p>
-            <a:pPr algn="ctr">
-              <a:buNone/>
-            </a:pPr>
-            <a:r>
-              <a:rPr lang="en-US" sz="3733" b="1" dirty="0" err="1">
-                <a:solidFill>
-                  <a:srgbClr val="660033"/>
-                </a:solidFill>
-                <a:effectLst>
-                  <a:outerShdw blurRad="38100" dist="38100" dir="2700000" algn="tl">
-                    <a:srgbClr val="000000">
-                      <a:alpha val="43137"/>
-                    </a:srgbClr>
-                  </a:outerShdw>
-                </a:effectLst>
-                <a:ea typeface="微軟正黑體" pitchFamily="34" charset="-120"/>
-              </a:rPr>
-              <a:t>Và</a:t>
-            </a:r>
-            <a:r>
-              <a:rPr lang="en-US" sz="3733" b="1" dirty="0">
-                <a:solidFill>
-                  <a:srgbClr val="660033"/>
-                </a:solidFill>
-                <a:effectLst>
-                  <a:outerShdw blurRad="38100" dist="38100" dir="2700000" algn="tl">
-                    <a:srgbClr val="000000">
-                      <a:alpha val="43137"/>
-                    </a:srgbClr>
-                  </a:outerShdw>
-                </a:effectLst>
-                <a:ea typeface="微軟正黑體" pitchFamily="34" charset="-120"/>
-              </a:rPr>
-              <a:t> </a:t>
-            </a:r>
-            <a:r>
-              <a:rPr lang="en-US" sz="3733" b="1" dirty="0" err="1">
-                <a:solidFill>
-                  <a:srgbClr val="660033"/>
-                </a:solidFill>
-                <a:effectLst>
-                  <a:outerShdw blurRad="38100" dist="38100" dir="2700000" algn="tl">
-                    <a:srgbClr val="000000">
-                      <a:alpha val="43137"/>
-                    </a:srgbClr>
-                  </a:outerShdw>
-                </a:effectLst>
-                <a:ea typeface="微軟正黑體" pitchFamily="34" charset="-120"/>
-              </a:rPr>
-              <a:t>một</a:t>
-            </a:r>
-            <a:r>
-              <a:rPr lang="en-US" sz="3733" b="1" dirty="0">
-                <a:solidFill>
-                  <a:srgbClr val="660033"/>
-                </a:solidFill>
-                <a:effectLst>
-                  <a:outerShdw blurRad="38100" dist="38100" dir="2700000" algn="tl">
-                    <a:srgbClr val="000000">
-                      <a:alpha val="43137"/>
-                    </a:srgbClr>
-                  </a:outerShdw>
-                </a:effectLst>
-                <a:ea typeface="微軟正黑體" pitchFamily="34" charset="-120"/>
-              </a:rPr>
-              <a:t> </a:t>
-            </a:r>
-            <a:r>
-              <a:rPr lang="en-US" sz="3733" b="1" dirty="0" err="1">
-                <a:solidFill>
-                  <a:srgbClr val="660033"/>
-                </a:solidFill>
-                <a:effectLst>
-                  <a:outerShdw blurRad="38100" dist="38100" dir="2700000" algn="tl">
-                    <a:srgbClr val="000000">
-                      <a:alpha val="43137"/>
-                    </a:srgbClr>
-                  </a:outerShdw>
-                </a:effectLst>
-                <a:ea typeface="微軟正黑體" pitchFamily="34" charset="-120"/>
-              </a:rPr>
-              <a:t>năm</a:t>
-            </a:r>
-            <a:r>
-              <a:rPr lang="en-US" sz="3733" b="1" dirty="0">
-                <a:solidFill>
-                  <a:srgbClr val="660033"/>
-                </a:solidFill>
-                <a:effectLst>
-                  <a:outerShdw blurRad="38100" dist="38100" dir="2700000" algn="tl">
-                    <a:srgbClr val="000000">
-                      <a:alpha val="43137"/>
-                    </a:srgbClr>
-                  </a:outerShdw>
-                </a:effectLst>
-                <a:ea typeface="微軟正黑體" pitchFamily="34" charset="-120"/>
-              </a:rPr>
-              <a:t> </a:t>
-            </a:r>
-            <a:r>
-              <a:rPr lang="en-US" sz="3733" b="1" dirty="0" err="1">
-                <a:solidFill>
-                  <a:srgbClr val="660033"/>
-                </a:solidFill>
-                <a:effectLst>
-                  <a:outerShdw blurRad="38100" dist="38100" dir="2700000" algn="tl">
-                    <a:srgbClr val="000000">
-                      <a:alpha val="43137"/>
-                    </a:srgbClr>
-                  </a:outerShdw>
-                </a:effectLst>
-                <a:ea typeface="微軟正黑體" pitchFamily="34" charset="-120"/>
-              </a:rPr>
-              <a:t>mới</a:t>
-            </a:r>
-            <a:r>
-              <a:rPr lang="en-US" sz="3733" b="1" dirty="0">
-                <a:solidFill>
-                  <a:srgbClr val="660033"/>
-                </a:solidFill>
-                <a:effectLst>
-                  <a:outerShdw blurRad="38100" dist="38100" dir="2700000" algn="tl">
-                    <a:srgbClr val="000000">
-                      <a:alpha val="43137"/>
-                    </a:srgbClr>
-                  </a:outerShdw>
-                </a:effectLst>
-                <a:ea typeface="微軟正黑體" pitchFamily="34" charset="-120"/>
-              </a:rPr>
-              <a:t> </a:t>
-            </a:r>
-            <a:r>
-              <a:rPr lang="en-US" sz="3733" b="1" dirty="0" err="1">
-                <a:solidFill>
-                  <a:srgbClr val="660033"/>
-                </a:solidFill>
-                <a:effectLst>
-                  <a:outerShdw blurRad="38100" dist="38100" dir="2700000" algn="tl">
-                    <a:srgbClr val="000000">
-                      <a:alpha val="43137"/>
-                    </a:srgbClr>
-                  </a:outerShdw>
-                </a:effectLst>
-                <a:ea typeface="微軟正黑體" pitchFamily="34" charset="-120"/>
-              </a:rPr>
-              <a:t>bình</a:t>
-            </a:r>
-            <a:r>
-              <a:rPr lang="en-US" sz="3733" b="1" dirty="0">
-                <a:solidFill>
-                  <a:srgbClr val="660033"/>
-                </a:solidFill>
-                <a:effectLst>
-                  <a:outerShdw blurRad="38100" dist="38100" dir="2700000" algn="tl">
-                    <a:srgbClr val="000000">
-                      <a:alpha val="43137"/>
-                    </a:srgbClr>
-                  </a:outerShdw>
-                </a:effectLst>
-                <a:ea typeface="微軟正黑體" pitchFamily="34" charset="-120"/>
-              </a:rPr>
-              <a:t> an</a:t>
-            </a:r>
           </a:p>
         </p:txBody>
       </p:sp>
     </p:spTree>
     <p:extLst>
       <p:ext uri="{BB962C8B-B14F-4D97-AF65-F5344CB8AC3E}">
-        <p14:creationId xmlns:p14="http://schemas.microsoft.com/office/powerpoint/2010/main" xmlns="" val="3652623008"/>
+        <p14:creationId xmlns:p14="http://schemas.microsoft.com/office/powerpoint/2010/main" val="1789803801"/>
       </p:ext>
     </p:extLst>
   </p:cSld>
   <p:clrMapOvr>
     <a:masterClrMapping/>
   </p:clrMapOvr>
-  <p:timing>
-    <p:tnLst>
-      <p:par>
-        <p:cTn id="1" dur="indefinite" restart="never" nodeType="tmRoot"/>
-      </p:par>
-    </p:tnLst>
-  </p:timing>
+</p:sld>
+</file>
+
+<file path=ppt/slides/slide4.xml><?xml version="1.0" encoding="utf-8"?>
+<p:sld xmlns:a="http://schemas.openxmlformats.org/drawingml/2006/main" xmlns:r="http://schemas.openxmlformats.org/officeDocument/2006/relationships" xmlns:p="http://schemas.openxmlformats.org/presentationml/2006/main">
+  <p:cSld>
+    <p:spTree>
+      <p:nvGrpSpPr>
+        <p:cNvPr id="1" name=""/>
+        <p:cNvGrpSpPr/>
+        <p:nvPr/>
+      </p:nvGrpSpPr>
+      <p:grpSpPr>
+        <a:xfrm>
+          <a:off x="0" y="0"/>
+          <a:ext cx="0" cy="0"/>
+          <a:chOff x="0" y="0"/>
+          <a:chExt cx="0" cy="0"/>
+        </a:xfrm>
+      </p:grpSpPr>
+      <p:sp>
+        <p:nvSpPr>
+          <p:cNvPr id="5" name="內容版面配置區 4"/>
+          <p:cNvSpPr>
+            <a:spLocks noGrp="1"/>
+          </p:cNvSpPr>
+          <p:nvPr>
+            <p:ph idx="1"/>
+          </p:nvPr>
+        </p:nvSpPr>
+        <p:spPr>
+          <a:xfrm>
+            <a:off x="0" y="2167979"/>
+            <a:ext cx="12192000" cy="1318225"/>
+          </a:xfrm>
+        </p:spPr>
+        <p:txBody>
+          <a:bodyPr anchor="ctr">
+            <a:normAutofit/>
+          </a:bodyPr>
+          <a:lstStyle/>
+          <a:p>
+            <a:pPr marL="0" indent="0" algn="ctr">
+              <a:buNone/>
+              <a:defRPr/>
+            </a:pPr>
+            <a:r>
+              <a:rPr lang="zh-CN" altLang="en-US" sz="6400" b="1" dirty="0">
+                <a:solidFill>
+                  <a:srgbClr val="660033"/>
+                </a:solidFill>
+                <a:latin typeface="微軟正黑體" pitchFamily="34" charset="-120"/>
+                <a:ea typeface="微軟正黑體" pitchFamily="34" charset="-120"/>
+              </a:rPr>
+              <a:t>我們祝你聖誕快樂</a:t>
+            </a:r>
+            <a:endParaRPr lang="en-US" altLang="zh-CN" sz="6400" b="1" dirty="0">
+              <a:solidFill>
+                <a:srgbClr val="660033"/>
+              </a:solidFill>
+              <a:latin typeface="微軟正黑體" pitchFamily="34" charset="-120"/>
+              <a:ea typeface="微軟正黑體" pitchFamily="34" charset="-120"/>
+            </a:endParaRPr>
+          </a:p>
+        </p:txBody>
+      </p:sp>
+      <p:sp>
+        <p:nvSpPr>
+          <p:cNvPr id="3" name="內容版面配置區 4"/>
+          <p:cNvSpPr txBox="1">
+            <a:spLocks/>
+          </p:cNvSpPr>
+          <p:nvPr/>
+        </p:nvSpPr>
+        <p:spPr>
+          <a:xfrm>
+            <a:off x="0" y="3117529"/>
+            <a:ext cx="12192000" cy="1318225"/>
+          </a:xfrm>
+          <a:prstGeom prst="rect">
+            <a:avLst/>
+          </a:prstGeom>
+        </p:spPr>
+        <p:txBody>
+          <a:bodyPr vert="horz" lIns="91440" tIns="45720" rIns="91440" bIns="45720" rtlCol="0" anchor="ctr">
+            <a:normAutofit/>
+          </a:bodyPr>
+          <a:lstStyle>
+            <a:lvl1pPr marL="457189" indent="-457189" algn="l" defTabSz="1219170" rtl="0" eaLnBrk="1" latinLnBrk="0" hangingPunct="1">
+              <a:spcBef>
+                <a:spcPct val="20000"/>
+              </a:spcBef>
+              <a:buFont typeface="Arial" pitchFamily="34" charset="0"/>
+              <a:buChar char="•"/>
+              <a:defRPr sz="4267" kern="1200">
+                <a:solidFill>
+                  <a:schemeClr val="tx1"/>
+                </a:solidFill>
+                <a:latin typeface="+mn-lt"/>
+                <a:ea typeface="+mn-ea"/>
+                <a:cs typeface="+mn-cs"/>
+              </a:defRPr>
+            </a:lvl1pPr>
+            <a:lvl2pPr marL="990575" indent="-380990" algn="l" defTabSz="1219170" rtl="0" eaLnBrk="1" latinLnBrk="0" hangingPunct="1">
+              <a:spcBef>
+                <a:spcPct val="20000"/>
+              </a:spcBef>
+              <a:buFont typeface="Arial" pitchFamily="34" charset="0"/>
+              <a:buChar char="–"/>
+              <a:defRPr sz="3733" kern="1200">
+                <a:solidFill>
+                  <a:schemeClr val="tx1"/>
+                </a:solidFill>
+                <a:latin typeface="+mn-lt"/>
+                <a:ea typeface="+mn-ea"/>
+                <a:cs typeface="+mn-cs"/>
+              </a:defRPr>
+            </a:lvl2pPr>
+            <a:lvl3pPr marL="1523962" indent="-304792" algn="l" defTabSz="1219170" rtl="0" eaLnBrk="1" latinLnBrk="0" hangingPunct="1">
+              <a:spcBef>
+                <a:spcPct val="20000"/>
+              </a:spcBef>
+              <a:buFont typeface="Arial" pitchFamily="34" charset="0"/>
+              <a:buChar char="•"/>
+              <a:defRPr sz="3200" kern="1200">
+                <a:solidFill>
+                  <a:schemeClr val="tx1"/>
+                </a:solidFill>
+                <a:latin typeface="+mn-lt"/>
+                <a:ea typeface="+mn-ea"/>
+                <a:cs typeface="+mn-cs"/>
+              </a:defRPr>
+            </a:lvl3pPr>
+            <a:lvl4pPr marL="2133547" indent="-304792" algn="l" defTabSz="1219170" rtl="0" eaLnBrk="1" latinLnBrk="0" hangingPunct="1">
+              <a:spcBef>
+                <a:spcPct val="20000"/>
+              </a:spcBef>
+              <a:buFont typeface="Arial" pitchFamily="34" charset="0"/>
+              <a:buChar char="–"/>
+              <a:defRPr sz="2667" kern="1200">
+                <a:solidFill>
+                  <a:schemeClr val="tx1"/>
+                </a:solidFill>
+                <a:latin typeface="+mn-lt"/>
+                <a:ea typeface="+mn-ea"/>
+                <a:cs typeface="+mn-cs"/>
+              </a:defRPr>
+            </a:lvl4pPr>
+            <a:lvl5pPr marL="2743131" indent="-304792" algn="l" defTabSz="1219170" rtl="0" eaLnBrk="1" latinLnBrk="0" hangingPunct="1">
+              <a:spcBef>
+                <a:spcPct val="20000"/>
+              </a:spcBef>
+              <a:buFont typeface="Arial" pitchFamily="34" charset="0"/>
+              <a:buChar char="»"/>
+              <a:defRPr sz="2667" kern="1200">
+                <a:solidFill>
+                  <a:schemeClr val="tx1"/>
+                </a:solidFill>
+                <a:latin typeface="+mn-lt"/>
+                <a:ea typeface="+mn-ea"/>
+                <a:cs typeface="+mn-cs"/>
+              </a:defRPr>
+            </a:lvl5pPr>
+            <a:lvl6pPr marL="3352716" indent="-304792" algn="l" defTabSz="1219170" rtl="0" eaLnBrk="1" latinLnBrk="0" hangingPunct="1">
+              <a:spcBef>
+                <a:spcPct val="20000"/>
+              </a:spcBef>
+              <a:buFont typeface="Arial" pitchFamily="34" charset="0"/>
+              <a:buChar char="•"/>
+              <a:defRPr sz="2667" kern="1200">
+                <a:solidFill>
+                  <a:schemeClr val="tx1"/>
+                </a:solidFill>
+                <a:latin typeface="+mn-lt"/>
+                <a:ea typeface="+mn-ea"/>
+                <a:cs typeface="+mn-cs"/>
+              </a:defRPr>
+            </a:lvl6pPr>
+            <a:lvl7pPr marL="3962301" indent="-304792" algn="l" defTabSz="1219170" rtl="0" eaLnBrk="1" latinLnBrk="0" hangingPunct="1">
+              <a:spcBef>
+                <a:spcPct val="20000"/>
+              </a:spcBef>
+              <a:buFont typeface="Arial" pitchFamily="34" charset="0"/>
+              <a:buChar char="•"/>
+              <a:defRPr sz="2667" kern="1200">
+                <a:solidFill>
+                  <a:schemeClr val="tx1"/>
+                </a:solidFill>
+                <a:latin typeface="+mn-lt"/>
+                <a:ea typeface="+mn-ea"/>
+                <a:cs typeface="+mn-cs"/>
+              </a:defRPr>
+            </a:lvl7pPr>
+            <a:lvl8pPr marL="4571886" indent="-304792" algn="l" defTabSz="1219170" rtl="0" eaLnBrk="1" latinLnBrk="0" hangingPunct="1">
+              <a:spcBef>
+                <a:spcPct val="20000"/>
+              </a:spcBef>
+              <a:buFont typeface="Arial" pitchFamily="34" charset="0"/>
+              <a:buChar char="•"/>
+              <a:defRPr sz="2667" kern="1200">
+                <a:solidFill>
+                  <a:schemeClr val="tx1"/>
+                </a:solidFill>
+                <a:latin typeface="+mn-lt"/>
+                <a:ea typeface="+mn-ea"/>
+                <a:cs typeface="+mn-cs"/>
+              </a:defRPr>
+            </a:lvl8pPr>
+            <a:lvl9pPr marL="5181470" indent="-304792" algn="l" defTabSz="1219170" rtl="0" eaLnBrk="1" latinLnBrk="0" hangingPunct="1">
+              <a:spcBef>
+                <a:spcPct val="20000"/>
+              </a:spcBef>
+              <a:buFont typeface="Arial" pitchFamily="34" charset="0"/>
+              <a:buChar char="•"/>
+              <a:defRPr sz="2667" kern="1200">
+                <a:solidFill>
+                  <a:schemeClr val="tx1"/>
+                </a:solidFill>
+                <a:latin typeface="+mn-lt"/>
+                <a:ea typeface="+mn-ea"/>
+                <a:cs typeface="+mn-cs"/>
+              </a:defRPr>
+            </a:lvl9pPr>
+          </a:lstStyle>
+          <a:p>
+            <a:pPr algn="ctr">
+              <a:buNone/>
+            </a:pPr>
+            <a:r>
+              <a:rPr lang="en-US" sz="4400" b="1" dirty="0" err="1">
+                <a:solidFill>
+                  <a:srgbClr val="000066"/>
+                </a:solidFill>
+                <a:ea typeface="微軟正黑體" pitchFamily="34" charset="-120"/>
+              </a:rPr>
+              <a:t>Mừng</a:t>
+            </a:r>
+            <a:r>
+              <a:rPr lang="en-US" sz="4400" b="1" dirty="0">
+                <a:solidFill>
+                  <a:srgbClr val="000066"/>
+                </a:solidFill>
+                <a:ea typeface="微軟正黑體" pitchFamily="34" charset="-120"/>
+              </a:rPr>
+              <a:t> </a:t>
+            </a:r>
+            <a:r>
+              <a:rPr lang="en-US" sz="4400" b="1" dirty="0" err="1">
+                <a:solidFill>
+                  <a:srgbClr val="000066"/>
+                </a:solidFill>
+                <a:ea typeface="微軟正黑體" pitchFamily="34" charset="-120"/>
+              </a:rPr>
+              <a:t>anh</a:t>
+            </a:r>
+            <a:r>
+              <a:rPr lang="en-US" sz="4400" b="1" dirty="0">
+                <a:solidFill>
+                  <a:srgbClr val="000066"/>
+                </a:solidFill>
+                <a:ea typeface="微軟正黑體" pitchFamily="34" charset="-120"/>
+              </a:rPr>
+              <a:t> </a:t>
+            </a:r>
+            <a:r>
+              <a:rPr lang="en-US" sz="4400" b="1" dirty="0" err="1">
+                <a:solidFill>
+                  <a:srgbClr val="000066"/>
+                </a:solidFill>
+                <a:ea typeface="微軟正黑體" pitchFamily="34" charset="-120"/>
+              </a:rPr>
+              <a:t>vui</a:t>
+            </a:r>
+            <a:r>
+              <a:rPr lang="en-US" sz="4400" b="1" dirty="0">
+                <a:solidFill>
+                  <a:srgbClr val="000066"/>
+                </a:solidFill>
+                <a:ea typeface="微軟正黑體" pitchFamily="34" charset="-120"/>
+              </a:rPr>
+              <a:t> </a:t>
+            </a:r>
+            <a:r>
+              <a:rPr lang="en-US" sz="4400" b="1" dirty="0" err="1">
+                <a:solidFill>
+                  <a:srgbClr val="000066"/>
+                </a:solidFill>
+                <a:ea typeface="微軟正黑體" pitchFamily="34" charset="-120"/>
+              </a:rPr>
+              <a:t>giáng</a:t>
+            </a:r>
+            <a:r>
+              <a:rPr lang="en-US" sz="4400" b="1" dirty="0">
+                <a:solidFill>
+                  <a:srgbClr val="000066"/>
+                </a:solidFill>
+                <a:ea typeface="微軟正黑體" pitchFamily="34" charset="-120"/>
+              </a:rPr>
+              <a:t> </a:t>
+            </a:r>
+            <a:r>
+              <a:rPr lang="en-US" sz="4400" b="1" dirty="0" err="1">
+                <a:solidFill>
+                  <a:srgbClr val="000066"/>
+                </a:solidFill>
+                <a:ea typeface="微軟正黑體" pitchFamily="34" charset="-120"/>
+              </a:rPr>
+              <a:t>sinh</a:t>
+            </a:r>
+            <a:r>
+              <a:rPr lang="en-US" sz="4400" b="1" dirty="0">
+                <a:solidFill>
+                  <a:srgbClr val="000066"/>
+                </a:solidFill>
+                <a:ea typeface="微軟正黑體" pitchFamily="34" charset="-120"/>
+              </a:rPr>
+              <a:t> </a:t>
+            </a:r>
+            <a:r>
+              <a:rPr lang="en-US" sz="4400" b="1" dirty="0" err="1">
+                <a:solidFill>
+                  <a:srgbClr val="000066"/>
+                </a:solidFill>
+                <a:ea typeface="微軟正黑體" pitchFamily="34" charset="-120"/>
+              </a:rPr>
+              <a:t>trong</a:t>
+            </a:r>
+            <a:r>
+              <a:rPr lang="en-US" sz="4400" b="1" dirty="0">
+                <a:solidFill>
+                  <a:srgbClr val="000066"/>
+                </a:solidFill>
+                <a:ea typeface="微軟正黑體" pitchFamily="34" charset="-120"/>
+              </a:rPr>
+              <a:t> </a:t>
+            </a:r>
+            <a:r>
+              <a:rPr lang="en-US" sz="4400" b="1" dirty="0" err="1" smtClean="0">
+                <a:solidFill>
+                  <a:srgbClr val="000066"/>
+                </a:solidFill>
+                <a:ea typeface="微軟正黑體" pitchFamily="34" charset="-120"/>
+              </a:rPr>
+              <a:t>hy</a:t>
+            </a:r>
+            <a:r>
+              <a:rPr lang="en-US" sz="4400" b="1" dirty="0" smtClean="0">
+                <a:solidFill>
+                  <a:srgbClr val="000066"/>
+                </a:solidFill>
+                <a:ea typeface="微軟正黑體" pitchFamily="34" charset="-120"/>
+              </a:rPr>
+              <a:t> </a:t>
+            </a:r>
+            <a:r>
+              <a:rPr lang="en-US" sz="4400" b="1" dirty="0" err="1" smtClean="0">
+                <a:solidFill>
+                  <a:srgbClr val="000066"/>
+                </a:solidFill>
+                <a:ea typeface="微軟正黑體" pitchFamily="34" charset="-120"/>
+              </a:rPr>
+              <a:t>vọng</a:t>
+            </a:r>
+            <a:endParaRPr lang="zh-TW" altLang="en-US" sz="4400" b="1" dirty="0">
+              <a:solidFill>
+                <a:srgbClr val="000066"/>
+              </a:solidFill>
+              <a:ea typeface="微軟正黑體" pitchFamily="34" charset="-120"/>
+            </a:endParaRPr>
+          </a:p>
+        </p:txBody>
+      </p:sp>
+    </p:spTree>
+    <p:extLst>
+      <p:ext uri="{BB962C8B-B14F-4D97-AF65-F5344CB8AC3E}">
+        <p14:creationId xmlns:p14="http://schemas.microsoft.com/office/powerpoint/2010/main" val="3188498799"/>
+      </p:ext>
+    </p:extLst>
+  </p:cSld>
+  <p:clrMapOvr>
+    <a:masterClrMapping/>
+  </p:clrMapOvr>
+</p:sld>
+</file>
+
+<file path=ppt/slides/slide5.xml><?xml version="1.0" encoding="utf-8"?>
+<p:sld xmlns:a="http://schemas.openxmlformats.org/drawingml/2006/main" xmlns:r="http://schemas.openxmlformats.org/officeDocument/2006/relationships" xmlns:p="http://schemas.openxmlformats.org/presentationml/2006/main">
+  <p:cSld>
+    <p:spTree>
+      <p:nvGrpSpPr>
+        <p:cNvPr id="1" name=""/>
+        <p:cNvGrpSpPr/>
+        <p:nvPr/>
+      </p:nvGrpSpPr>
+      <p:grpSpPr>
+        <a:xfrm>
+          <a:off x="0" y="0"/>
+          <a:ext cx="0" cy="0"/>
+          <a:chOff x="0" y="0"/>
+          <a:chExt cx="0" cy="0"/>
+        </a:xfrm>
+      </p:grpSpPr>
+      <p:sp>
+        <p:nvSpPr>
+          <p:cNvPr id="5" name="內容版面配置區 4"/>
+          <p:cNvSpPr>
+            <a:spLocks noGrp="1"/>
+          </p:cNvSpPr>
+          <p:nvPr>
+            <p:ph idx="1"/>
+          </p:nvPr>
+        </p:nvSpPr>
+        <p:spPr>
+          <a:xfrm>
+            <a:off x="0" y="2167979"/>
+            <a:ext cx="12192000" cy="1318225"/>
+          </a:xfrm>
+        </p:spPr>
+        <p:txBody>
+          <a:bodyPr anchor="ctr">
+            <a:normAutofit/>
+          </a:bodyPr>
+          <a:lstStyle/>
+          <a:p>
+            <a:pPr marL="0" indent="0" algn="ctr">
+              <a:buNone/>
+              <a:defRPr/>
+            </a:pPr>
+            <a:r>
+              <a:rPr lang="zh-CN" altLang="en-US" sz="6400" b="1" dirty="0">
+                <a:solidFill>
+                  <a:srgbClr val="660033"/>
+                </a:solidFill>
+                <a:latin typeface="微軟正黑體" pitchFamily="34" charset="-120"/>
+                <a:ea typeface="微軟正黑體" pitchFamily="34" charset="-120"/>
+              </a:rPr>
+              <a:t>並賀新年納福</a:t>
+            </a:r>
+            <a:endParaRPr lang="en-US" sz="6400" b="1" dirty="0">
+              <a:solidFill>
+                <a:srgbClr val="660033"/>
+              </a:solidFill>
+              <a:latin typeface="微軟正黑體" pitchFamily="34" charset="-120"/>
+              <a:ea typeface="微軟正黑體" pitchFamily="34" charset="-120"/>
+            </a:endParaRPr>
+          </a:p>
+        </p:txBody>
+      </p:sp>
+      <p:sp>
+        <p:nvSpPr>
+          <p:cNvPr id="3" name="內容版面配置區 4"/>
+          <p:cNvSpPr txBox="1">
+            <a:spLocks/>
+          </p:cNvSpPr>
+          <p:nvPr/>
+        </p:nvSpPr>
+        <p:spPr>
+          <a:xfrm>
+            <a:off x="0" y="3117529"/>
+            <a:ext cx="12192000" cy="1318225"/>
+          </a:xfrm>
+          <a:prstGeom prst="rect">
+            <a:avLst/>
+          </a:prstGeom>
+        </p:spPr>
+        <p:txBody>
+          <a:bodyPr vert="horz" lIns="91440" tIns="45720" rIns="91440" bIns="45720" rtlCol="0" anchor="ctr">
+            <a:normAutofit/>
+          </a:bodyPr>
+          <a:lstStyle>
+            <a:lvl1pPr marL="457189" indent="-457189" algn="l" defTabSz="1219170" rtl="0" eaLnBrk="1" latinLnBrk="0" hangingPunct="1">
+              <a:spcBef>
+                <a:spcPct val="20000"/>
+              </a:spcBef>
+              <a:buFont typeface="Arial" pitchFamily="34" charset="0"/>
+              <a:buChar char="•"/>
+              <a:defRPr sz="4267" kern="1200">
+                <a:solidFill>
+                  <a:schemeClr val="tx1"/>
+                </a:solidFill>
+                <a:latin typeface="+mn-lt"/>
+                <a:ea typeface="+mn-ea"/>
+                <a:cs typeface="+mn-cs"/>
+              </a:defRPr>
+            </a:lvl1pPr>
+            <a:lvl2pPr marL="990575" indent="-380990" algn="l" defTabSz="1219170" rtl="0" eaLnBrk="1" latinLnBrk="0" hangingPunct="1">
+              <a:spcBef>
+                <a:spcPct val="20000"/>
+              </a:spcBef>
+              <a:buFont typeface="Arial" pitchFamily="34" charset="0"/>
+              <a:buChar char="–"/>
+              <a:defRPr sz="3733" kern="1200">
+                <a:solidFill>
+                  <a:schemeClr val="tx1"/>
+                </a:solidFill>
+                <a:latin typeface="+mn-lt"/>
+                <a:ea typeface="+mn-ea"/>
+                <a:cs typeface="+mn-cs"/>
+              </a:defRPr>
+            </a:lvl2pPr>
+            <a:lvl3pPr marL="1523962" indent="-304792" algn="l" defTabSz="1219170" rtl="0" eaLnBrk="1" latinLnBrk="0" hangingPunct="1">
+              <a:spcBef>
+                <a:spcPct val="20000"/>
+              </a:spcBef>
+              <a:buFont typeface="Arial" pitchFamily="34" charset="0"/>
+              <a:buChar char="•"/>
+              <a:defRPr sz="3200" kern="1200">
+                <a:solidFill>
+                  <a:schemeClr val="tx1"/>
+                </a:solidFill>
+                <a:latin typeface="+mn-lt"/>
+                <a:ea typeface="+mn-ea"/>
+                <a:cs typeface="+mn-cs"/>
+              </a:defRPr>
+            </a:lvl3pPr>
+            <a:lvl4pPr marL="2133547" indent="-304792" algn="l" defTabSz="1219170" rtl="0" eaLnBrk="1" latinLnBrk="0" hangingPunct="1">
+              <a:spcBef>
+                <a:spcPct val="20000"/>
+              </a:spcBef>
+              <a:buFont typeface="Arial" pitchFamily="34" charset="0"/>
+              <a:buChar char="–"/>
+              <a:defRPr sz="2667" kern="1200">
+                <a:solidFill>
+                  <a:schemeClr val="tx1"/>
+                </a:solidFill>
+                <a:latin typeface="+mn-lt"/>
+                <a:ea typeface="+mn-ea"/>
+                <a:cs typeface="+mn-cs"/>
+              </a:defRPr>
+            </a:lvl4pPr>
+            <a:lvl5pPr marL="2743131" indent="-304792" algn="l" defTabSz="1219170" rtl="0" eaLnBrk="1" latinLnBrk="0" hangingPunct="1">
+              <a:spcBef>
+                <a:spcPct val="20000"/>
+              </a:spcBef>
+              <a:buFont typeface="Arial" pitchFamily="34" charset="0"/>
+              <a:buChar char="»"/>
+              <a:defRPr sz="2667" kern="1200">
+                <a:solidFill>
+                  <a:schemeClr val="tx1"/>
+                </a:solidFill>
+                <a:latin typeface="+mn-lt"/>
+                <a:ea typeface="+mn-ea"/>
+                <a:cs typeface="+mn-cs"/>
+              </a:defRPr>
+            </a:lvl5pPr>
+            <a:lvl6pPr marL="3352716" indent="-304792" algn="l" defTabSz="1219170" rtl="0" eaLnBrk="1" latinLnBrk="0" hangingPunct="1">
+              <a:spcBef>
+                <a:spcPct val="20000"/>
+              </a:spcBef>
+              <a:buFont typeface="Arial" pitchFamily="34" charset="0"/>
+              <a:buChar char="•"/>
+              <a:defRPr sz="2667" kern="1200">
+                <a:solidFill>
+                  <a:schemeClr val="tx1"/>
+                </a:solidFill>
+                <a:latin typeface="+mn-lt"/>
+                <a:ea typeface="+mn-ea"/>
+                <a:cs typeface="+mn-cs"/>
+              </a:defRPr>
+            </a:lvl6pPr>
+            <a:lvl7pPr marL="3962301" indent="-304792" algn="l" defTabSz="1219170" rtl="0" eaLnBrk="1" latinLnBrk="0" hangingPunct="1">
+              <a:spcBef>
+                <a:spcPct val="20000"/>
+              </a:spcBef>
+              <a:buFont typeface="Arial" pitchFamily="34" charset="0"/>
+              <a:buChar char="•"/>
+              <a:defRPr sz="2667" kern="1200">
+                <a:solidFill>
+                  <a:schemeClr val="tx1"/>
+                </a:solidFill>
+                <a:latin typeface="+mn-lt"/>
+                <a:ea typeface="+mn-ea"/>
+                <a:cs typeface="+mn-cs"/>
+              </a:defRPr>
+            </a:lvl7pPr>
+            <a:lvl8pPr marL="4571886" indent="-304792" algn="l" defTabSz="1219170" rtl="0" eaLnBrk="1" latinLnBrk="0" hangingPunct="1">
+              <a:spcBef>
+                <a:spcPct val="20000"/>
+              </a:spcBef>
+              <a:buFont typeface="Arial" pitchFamily="34" charset="0"/>
+              <a:buChar char="•"/>
+              <a:defRPr sz="2667" kern="1200">
+                <a:solidFill>
+                  <a:schemeClr val="tx1"/>
+                </a:solidFill>
+                <a:latin typeface="+mn-lt"/>
+                <a:ea typeface="+mn-ea"/>
+                <a:cs typeface="+mn-cs"/>
+              </a:defRPr>
+            </a:lvl8pPr>
+            <a:lvl9pPr marL="5181470" indent="-304792" algn="l" defTabSz="1219170" rtl="0" eaLnBrk="1" latinLnBrk="0" hangingPunct="1">
+              <a:spcBef>
+                <a:spcPct val="20000"/>
+              </a:spcBef>
+              <a:buFont typeface="Arial" pitchFamily="34" charset="0"/>
+              <a:buChar char="•"/>
+              <a:defRPr sz="2667" kern="1200">
+                <a:solidFill>
+                  <a:schemeClr val="tx1"/>
+                </a:solidFill>
+                <a:latin typeface="+mn-lt"/>
+                <a:ea typeface="+mn-ea"/>
+                <a:cs typeface="+mn-cs"/>
+              </a:defRPr>
+            </a:lvl9pPr>
+          </a:lstStyle>
+          <a:p>
+            <a:pPr algn="ctr">
+              <a:buNone/>
+            </a:pPr>
+            <a:r>
+              <a:rPr lang="en-US" sz="4400" b="1" dirty="0" err="1">
+                <a:solidFill>
+                  <a:srgbClr val="000066"/>
+                </a:solidFill>
+                <a:ea typeface="微軟正黑體" pitchFamily="34" charset="-120"/>
+              </a:rPr>
+              <a:t>Và</a:t>
+            </a:r>
+            <a:r>
+              <a:rPr lang="en-US" sz="4400" b="1" dirty="0">
+                <a:solidFill>
+                  <a:srgbClr val="000066"/>
+                </a:solidFill>
+                <a:ea typeface="微軟正黑體" pitchFamily="34" charset="-120"/>
+              </a:rPr>
+              <a:t> </a:t>
+            </a:r>
+            <a:r>
+              <a:rPr lang="en-US" sz="4400" b="1" dirty="0" err="1">
+                <a:solidFill>
+                  <a:srgbClr val="000066"/>
+                </a:solidFill>
+                <a:ea typeface="微軟正黑體" pitchFamily="34" charset="-120"/>
+              </a:rPr>
+              <a:t>một</a:t>
+            </a:r>
+            <a:r>
+              <a:rPr lang="en-US" sz="4400" b="1" dirty="0">
+                <a:solidFill>
+                  <a:srgbClr val="000066"/>
+                </a:solidFill>
+                <a:ea typeface="微軟正黑體" pitchFamily="34" charset="-120"/>
+              </a:rPr>
+              <a:t> </a:t>
+            </a:r>
+            <a:r>
+              <a:rPr lang="en-US" sz="4400" b="1" dirty="0" err="1">
+                <a:solidFill>
+                  <a:srgbClr val="000066"/>
+                </a:solidFill>
+                <a:ea typeface="微軟正黑體" pitchFamily="34" charset="-120"/>
+              </a:rPr>
+              <a:t>năm</a:t>
+            </a:r>
+            <a:r>
+              <a:rPr lang="en-US" sz="4400" b="1" dirty="0">
+                <a:solidFill>
+                  <a:srgbClr val="000066"/>
+                </a:solidFill>
+                <a:ea typeface="微軟正黑體" pitchFamily="34" charset="-120"/>
+              </a:rPr>
+              <a:t> </a:t>
+            </a:r>
+            <a:r>
+              <a:rPr lang="en-US" sz="4400" b="1" dirty="0" err="1">
+                <a:solidFill>
+                  <a:srgbClr val="000066"/>
+                </a:solidFill>
+                <a:ea typeface="微軟正黑體" pitchFamily="34" charset="-120"/>
+              </a:rPr>
+              <a:t>mới</a:t>
+            </a:r>
+            <a:r>
+              <a:rPr lang="en-US" sz="4400" b="1" dirty="0">
+                <a:solidFill>
+                  <a:srgbClr val="000066"/>
+                </a:solidFill>
+                <a:ea typeface="微軟正黑體" pitchFamily="34" charset="-120"/>
+              </a:rPr>
+              <a:t> </a:t>
+            </a:r>
+            <a:r>
+              <a:rPr lang="en-US" sz="4400" b="1" dirty="0" err="1">
+                <a:solidFill>
+                  <a:srgbClr val="000066"/>
+                </a:solidFill>
+                <a:ea typeface="微軟正黑體" pitchFamily="34" charset="-120"/>
+              </a:rPr>
+              <a:t>bình</a:t>
+            </a:r>
+            <a:r>
+              <a:rPr lang="en-US" sz="4400" b="1" dirty="0">
+                <a:solidFill>
+                  <a:srgbClr val="000066"/>
+                </a:solidFill>
+                <a:ea typeface="微軟正黑體" pitchFamily="34" charset="-120"/>
+              </a:rPr>
+              <a:t> an</a:t>
+            </a:r>
+          </a:p>
+        </p:txBody>
+      </p:sp>
+    </p:spTree>
+    <p:extLst>
+      <p:ext uri="{BB962C8B-B14F-4D97-AF65-F5344CB8AC3E}">
+        <p14:creationId xmlns:p14="http://schemas.microsoft.com/office/powerpoint/2010/main" val="3476426602"/>
+      </p:ext>
+    </p:extLst>
+  </p:cSld>
+  <p:clrMapOvr>
+    <a:masterClrMapping/>
+  </p:clrMapOvr>
+</p:sld>
+</file>
+
+<file path=ppt/slides/slide6.xml><?xml version="1.0" encoding="utf-8"?>
+<p:sld xmlns:a="http://schemas.openxmlformats.org/drawingml/2006/main" xmlns:r="http://schemas.openxmlformats.org/officeDocument/2006/relationships" xmlns:p="http://schemas.openxmlformats.org/presentationml/2006/main">
+  <p:cSld>
+    <p:spTree>
+      <p:nvGrpSpPr>
+        <p:cNvPr id="1" name=""/>
+        <p:cNvGrpSpPr/>
+        <p:nvPr/>
+      </p:nvGrpSpPr>
+      <p:grpSpPr>
+        <a:xfrm>
+          <a:off x="0" y="0"/>
+          <a:ext cx="0" cy="0"/>
+          <a:chOff x="0" y="0"/>
+          <a:chExt cx="0" cy="0"/>
+        </a:xfrm>
+      </p:grpSpPr>
+      <p:sp>
+        <p:nvSpPr>
+          <p:cNvPr id="5" name="內容版面配置區 4"/>
+          <p:cNvSpPr>
+            <a:spLocks noGrp="1"/>
+          </p:cNvSpPr>
+          <p:nvPr>
+            <p:ph idx="1"/>
+          </p:nvPr>
+        </p:nvSpPr>
+        <p:spPr>
+          <a:xfrm>
+            <a:off x="0" y="2167979"/>
+            <a:ext cx="12192000" cy="1318225"/>
+          </a:xfrm>
+        </p:spPr>
+        <p:txBody>
+          <a:bodyPr anchor="ctr">
+            <a:normAutofit/>
+          </a:bodyPr>
+          <a:lstStyle/>
+          <a:p>
+            <a:pPr marL="0" indent="0" algn="ctr">
+              <a:buNone/>
+              <a:defRPr/>
+            </a:pPr>
+            <a:r>
+              <a:rPr lang="zh-CN" altLang="en-US" sz="6400" b="1" dirty="0">
+                <a:solidFill>
+                  <a:srgbClr val="660033"/>
+                </a:solidFill>
+                <a:latin typeface="微軟正黑體" pitchFamily="34" charset="-120"/>
+                <a:ea typeface="微軟正黑體" pitchFamily="34" charset="-120"/>
+              </a:rPr>
+              <a:t>願大喜訊息  賜平安給你</a:t>
+            </a:r>
+            <a:endParaRPr lang="en-US" altLang="zh-CN" sz="6400" b="1" dirty="0">
+              <a:solidFill>
+                <a:srgbClr val="660033"/>
+              </a:solidFill>
+              <a:latin typeface="微軟正黑體" pitchFamily="34" charset="-120"/>
+              <a:ea typeface="微軟正黑體" pitchFamily="34" charset="-120"/>
+            </a:endParaRPr>
+          </a:p>
+        </p:txBody>
+      </p:sp>
+      <p:sp>
+        <p:nvSpPr>
+          <p:cNvPr id="3" name="內容版面配置區 4"/>
+          <p:cNvSpPr txBox="1">
+            <a:spLocks/>
+          </p:cNvSpPr>
+          <p:nvPr/>
+        </p:nvSpPr>
+        <p:spPr>
+          <a:xfrm>
+            <a:off x="0" y="3117529"/>
+            <a:ext cx="12192000" cy="1318225"/>
+          </a:xfrm>
+          <a:prstGeom prst="rect">
+            <a:avLst/>
+          </a:prstGeom>
+        </p:spPr>
+        <p:txBody>
+          <a:bodyPr vert="horz" lIns="91440" tIns="45720" rIns="91440" bIns="45720" rtlCol="0" anchor="ctr">
+            <a:normAutofit/>
+          </a:bodyPr>
+          <a:lstStyle>
+            <a:lvl1pPr marL="457189" indent="-457189" algn="l" defTabSz="1219170" rtl="0" eaLnBrk="1" latinLnBrk="0" hangingPunct="1">
+              <a:spcBef>
+                <a:spcPct val="20000"/>
+              </a:spcBef>
+              <a:buFont typeface="Arial" pitchFamily="34" charset="0"/>
+              <a:buChar char="•"/>
+              <a:defRPr sz="4267" kern="1200">
+                <a:solidFill>
+                  <a:schemeClr val="tx1"/>
+                </a:solidFill>
+                <a:latin typeface="+mn-lt"/>
+                <a:ea typeface="+mn-ea"/>
+                <a:cs typeface="+mn-cs"/>
+              </a:defRPr>
+            </a:lvl1pPr>
+            <a:lvl2pPr marL="990575" indent="-380990" algn="l" defTabSz="1219170" rtl="0" eaLnBrk="1" latinLnBrk="0" hangingPunct="1">
+              <a:spcBef>
+                <a:spcPct val="20000"/>
+              </a:spcBef>
+              <a:buFont typeface="Arial" pitchFamily="34" charset="0"/>
+              <a:buChar char="–"/>
+              <a:defRPr sz="3733" kern="1200">
+                <a:solidFill>
+                  <a:schemeClr val="tx1"/>
+                </a:solidFill>
+                <a:latin typeface="+mn-lt"/>
+                <a:ea typeface="+mn-ea"/>
+                <a:cs typeface="+mn-cs"/>
+              </a:defRPr>
+            </a:lvl2pPr>
+            <a:lvl3pPr marL="1523962" indent="-304792" algn="l" defTabSz="1219170" rtl="0" eaLnBrk="1" latinLnBrk="0" hangingPunct="1">
+              <a:spcBef>
+                <a:spcPct val="20000"/>
+              </a:spcBef>
+              <a:buFont typeface="Arial" pitchFamily="34" charset="0"/>
+              <a:buChar char="•"/>
+              <a:defRPr sz="3200" kern="1200">
+                <a:solidFill>
+                  <a:schemeClr val="tx1"/>
+                </a:solidFill>
+                <a:latin typeface="+mn-lt"/>
+                <a:ea typeface="+mn-ea"/>
+                <a:cs typeface="+mn-cs"/>
+              </a:defRPr>
+            </a:lvl3pPr>
+            <a:lvl4pPr marL="2133547" indent="-304792" algn="l" defTabSz="1219170" rtl="0" eaLnBrk="1" latinLnBrk="0" hangingPunct="1">
+              <a:spcBef>
+                <a:spcPct val="20000"/>
+              </a:spcBef>
+              <a:buFont typeface="Arial" pitchFamily="34" charset="0"/>
+              <a:buChar char="–"/>
+              <a:defRPr sz="2667" kern="1200">
+                <a:solidFill>
+                  <a:schemeClr val="tx1"/>
+                </a:solidFill>
+                <a:latin typeface="+mn-lt"/>
+                <a:ea typeface="+mn-ea"/>
+                <a:cs typeface="+mn-cs"/>
+              </a:defRPr>
+            </a:lvl4pPr>
+            <a:lvl5pPr marL="2743131" indent="-304792" algn="l" defTabSz="1219170" rtl="0" eaLnBrk="1" latinLnBrk="0" hangingPunct="1">
+              <a:spcBef>
+                <a:spcPct val="20000"/>
+              </a:spcBef>
+              <a:buFont typeface="Arial" pitchFamily="34" charset="0"/>
+              <a:buChar char="»"/>
+              <a:defRPr sz="2667" kern="1200">
+                <a:solidFill>
+                  <a:schemeClr val="tx1"/>
+                </a:solidFill>
+                <a:latin typeface="+mn-lt"/>
+                <a:ea typeface="+mn-ea"/>
+                <a:cs typeface="+mn-cs"/>
+              </a:defRPr>
+            </a:lvl5pPr>
+            <a:lvl6pPr marL="3352716" indent="-304792" algn="l" defTabSz="1219170" rtl="0" eaLnBrk="1" latinLnBrk="0" hangingPunct="1">
+              <a:spcBef>
+                <a:spcPct val="20000"/>
+              </a:spcBef>
+              <a:buFont typeface="Arial" pitchFamily="34" charset="0"/>
+              <a:buChar char="•"/>
+              <a:defRPr sz="2667" kern="1200">
+                <a:solidFill>
+                  <a:schemeClr val="tx1"/>
+                </a:solidFill>
+                <a:latin typeface="+mn-lt"/>
+                <a:ea typeface="+mn-ea"/>
+                <a:cs typeface="+mn-cs"/>
+              </a:defRPr>
+            </a:lvl6pPr>
+            <a:lvl7pPr marL="3962301" indent="-304792" algn="l" defTabSz="1219170" rtl="0" eaLnBrk="1" latinLnBrk="0" hangingPunct="1">
+              <a:spcBef>
+                <a:spcPct val="20000"/>
+              </a:spcBef>
+              <a:buFont typeface="Arial" pitchFamily="34" charset="0"/>
+              <a:buChar char="•"/>
+              <a:defRPr sz="2667" kern="1200">
+                <a:solidFill>
+                  <a:schemeClr val="tx1"/>
+                </a:solidFill>
+                <a:latin typeface="+mn-lt"/>
+                <a:ea typeface="+mn-ea"/>
+                <a:cs typeface="+mn-cs"/>
+              </a:defRPr>
+            </a:lvl7pPr>
+            <a:lvl8pPr marL="4571886" indent="-304792" algn="l" defTabSz="1219170" rtl="0" eaLnBrk="1" latinLnBrk="0" hangingPunct="1">
+              <a:spcBef>
+                <a:spcPct val="20000"/>
+              </a:spcBef>
+              <a:buFont typeface="Arial" pitchFamily="34" charset="0"/>
+              <a:buChar char="•"/>
+              <a:defRPr sz="2667" kern="1200">
+                <a:solidFill>
+                  <a:schemeClr val="tx1"/>
+                </a:solidFill>
+                <a:latin typeface="+mn-lt"/>
+                <a:ea typeface="+mn-ea"/>
+                <a:cs typeface="+mn-cs"/>
+              </a:defRPr>
+            </a:lvl8pPr>
+            <a:lvl9pPr marL="5181470" indent="-304792" algn="l" defTabSz="1219170" rtl="0" eaLnBrk="1" latinLnBrk="0" hangingPunct="1">
+              <a:spcBef>
+                <a:spcPct val="20000"/>
+              </a:spcBef>
+              <a:buFont typeface="Arial" pitchFamily="34" charset="0"/>
+              <a:buChar char="•"/>
+              <a:defRPr sz="2667" kern="1200">
+                <a:solidFill>
+                  <a:schemeClr val="tx1"/>
+                </a:solidFill>
+                <a:latin typeface="+mn-lt"/>
+                <a:ea typeface="+mn-ea"/>
+                <a:cs typeface="+mn-cs"/>
+              </a:defRPr>
+            </a:lvl9pPr>
+          </a:lstStyle>
+          <a:p>
+            <a:pPr algn="ctr">
+              <a:buNone/>
+            </a:pPr>
+            <a:r>
+              <a:rPr lang="en-US" sz="4000" b="1" dirty="0" err="1" smtClean="0">
+                <a:solidFill>
+                  <a:srgbClr val="000066"/>
+                </a:solidFill>
+                <a:ea typeface="微軟正黑體" pitchFamily="34" charset="-120"/>
+              </a:rPr>
+              <a:t>Mừng</a:t>
+            </a:r>
+            <a:r>
+              <a:rPr lang="en-US" sz="4000" b="1" dirty="0" smtClean="0">
+                <a:solidFill>
+                  <a:srgbClr val="000066"/>
+                </a:solidFill>
+                <a:ea typeface="微軟正黑體" pitchFamily="34" charset="-120"/>
+              </a:rPr>
+              <a:t> </a:t>
+            </a:r>
+            <a:r>
+              <a:rPr lang="en-US" sz="4000" b="1" dirty="0" err="1">
+                <a:solidFill>
+                  <a:srgbClr val="000066"/>
+                </a:solidFill>
+                <a:ea typeface="微軟正黑體" pitchFamily="34" charset="-120"/>
+              </a:rPr>
+              <a:t>anh</a:t>
+            </a:r>
+            <a:r>
+              <a:rPr lang="en-US" sz="4000" b="1" dirty="0">
+                <a:solidFill>
+                  <a:srgbClr val="000066"/>
+                </a:solidFill>
+                <a:ea typeface="微軟正黑體" pitchFamily="34" charset="-120"/>
+              </a:rPr>
+              <a:t> </a:t>
+            </a:r>
+            <a:r>
+              <a:rPr lang="en-US" sz="4000" b="1" dirty="0" err="1">
+                <a:solidFill>
+                  <a:srgbClr val="000066"/>
+                </a:solidFill>
+                <a:ea typeface="微軟正黑體" pitchFamily="34" charset="-120"/>
+              </a:rPr>
+              <a:t>luôn</a:t>
+            </a:r>
+            <a:r>
+              <a:rPr lang="en-US" sz="4000" b="1" dirty="0">
+                <a:solidFill>
+                  <a:srgbClr val="000066"/>
+                </a:solidFill>
+                <a:ea typeface="微軟正黑體" pitchFamily="34" charset="-120"/>
+              </a:rPr>
+              <a:t> </a:t>
+            </a:r>
+            <a:r>
+              <a:rPr lang="en-US" sz="4000" b="1" dirty="0" err="1">
+                <a:solidFill>
+                  <a:srgbClr val="000066"/>
+                </a:solidFill>
+                <a:ea typeface="微軟正黑體" pitchFamily="34" charset="-120"/>
+              </a:rPr>
+              <a:t>tươi</a:t>
+            </a:r>
+            <a:r>
+              <a:rPr lang="en-US" sz="4000" b="1" dirty="0">
+                <a:solidFill>
+                  <a:srgbClr val="000066"/>
+                </a:solidFill>
+                <a:ea typeface="微軟正黑體" pitchFamily="34" charset="-120"/>
+              </a:rPr>
+              <a:t> </a:t>
+            </a:r>
+            <a:r>
+              <a:rPr lang="en-US" sz="4000" b="1" dirty="0" err="1" smtClean="0">
+                <a:solidFill>
+                  <a:srgbClr val="000066"/>
+                </a:solidFill>
+                <a:ea typeface="微軟正黑體" pitchFamily="34" charset="-120"/>
+              </a:rPr>
+              <a:t>vui</a:t>
+            </a:r>
+            <a:r>
+              <a:rPr lang="en-US" sz="4000" b="1" dirty="0" smtClean="0">
+                <a:solidFill>
+                  <a:srgbClr val="000066"/>
+                </a:solidFill>
+                <a:ea typeface="微軟正黑體" pitchFamily="34" charset="-120"/>
+              </a:rPr>
+              <a:t>, </a:t>
+            </a:r>
+            <a:r>
+              <a:rPr lang="en-US" sz="4000" b="1" dirty="0" err="1" smtClean="0">
+                <a:solidFill>
+                  <a:srgbClr val="000066"/>
+                </a:solidFill>
+                <a:ea typeface="微軟正黑體" pitchFamily="34" charset="-120"/>
+              </a:rPr>
+              <a:t>trên</a:t>
+            </a:r>
+            <a:r>
+              <a:rPr lang="en-US" sz="4000" b="1" dirty="0" smtClean="0">
+                <a:solidFill>
+                  <a:srgbClr val="000066"/>
+                </a:solidFill>
+                <a:ea typeface="微軟正黑體" pitchFamily="34" charset="-120"/>
+              </a:rPr>
+              <a:t> </a:t>
+            </a:r>
+            <a:r>
+              <a:rPr lang="en-US" sz="4000" b="1" dirty="0" err="1">
+                <a:solidFill>
+                  <a:srgbClr val="000066"/>
+                </a:solidFill>
+                <a:ea typeface="微軟正黑體" pitchFamily="34" charset="-120"/>
+              </a:rPr>
+              <a:t>khắp</a:t>
+            </a:r>
+            <a:r>
+              <a:rPr lang="en-US" sz="4000" b="1" dirty="0">
+                <a:solidFill>
+                  <a:srgbClr val="000066"/>
+                </a:solidFill>
+                <a:ea typeface="微軟正黑體" pitchFamily="34" charset="-120"/>
+              </a:rPr>
+              <a:t> </a:t>
+            </a:r>
+            <a:r>
+              <a:rPr lang="en-US" sz="4000" b="1" dirty="0" err="1" smtClean="0">
+                <a:solidFill>
+                  <a:srgbClr val="000066"/>
+                </a:solidFill>
+                <a:ea typeface="微軟正黑體" pitchFamily="34" charset="-120"/>
+              </a:rPr>
+              <a:t>các</a:t>
+            </a:r>
+            <a:r>
+              <a:rPr lang="en-US" sz="4000" b="1" dirty="0" smtClean="0">
+                <a:solidFill>
+                  <a:srgbClr val="000066"/>
+                </a:solidFill>
+                <a:ea typeface="微軟正黑體" pitchFamily="34" charset="-120"/>
+              </a:rPr>
+              <a:t> </a:t>
+            </a:r>
+            <a:r>
+              <a:rPr lang="en-US" sz="4000" b="1" dirty="0" err="1">
+                <a:solidFill>
+                  <a:srgbClr val="000066"/>
+                </a:solidFill>
+                <a:ea typeface="微軟正黑體" pitchFamily="34" charset="-120"/>
+              </a:rPr>
+              <a:t>nẻo</a:t>
+            </a:r>
+            <a:r>
+              <a:rPr lang="en-US" sz="4000" b="1" dirty="0">
+                <a:solidFill>
+                  <a:srgbClr val="000066"/>
+                </a:solidFill>
+                <a:ea typeface="微軟正黑體" pitchFamily="34" charset="-120"/>
+              </a:rPr>
+              <a:t> </a:t>
+            </a:r>
+            <a:r>
+              <a:rPr lang="en-US" sz="4000" b="1" dirty="0" err="1">
+                <a:solidFill>
+                  <a:srgbClr val="000066"/>
+                </a:solidFill>
+                <a:ea typeface="微軟正黑體" pitchFamily="34" charset="-120"/>
+              </a:rPr>
+              <a:t>đường</a:t>
+            </a:r>
+            <a:endParaRPr lang="en-US" sz="4000" b="1" dirty="0">
+              <a:solidFill>
+                <a:srgbClr val="000066"/>
+              </a:solidFill>
+              <a:ea typeface="微軟正黑體" pitchFamily="34" charset="-120"/>
+            </a:endParaRPr>
+          </a:p>
+        </p:txBody>
+      </p:sp>
+    </p:spTree>
+    <p:extLst>
+      <p:ext uri="{BB962C8B-B14F-4D97-AF65-F5344CB8AC3E}">
+        <p14:creationId xmlns:p14="http://schemas.microsoft.com/office/powerpoint/2010/main" val="128795095"/>
+      </p:ext>
+    </p:extLst>
+  </p:cSld>
+  <p:clrMapOvr>
+    <a:masterClrMapping/>
+  </p:clrMapOvr>
+</p:sld>
+</file>
+
+<file path=ppt/slides/slide7.xml><?xml version="1.0" encoding="utf-8"?>
+<p:sld xmlns:a="http://schemas.openxmlformats.org/drawingml/2006/main" xmlns:r="http://schemas.openxmlformats.org/officeDocument/2006/relationships" xmlns:p="http://schemas.openxmlformats.org/presentationml/2006/main">
+  <p:cSld>
+    <p:spTree>
+      <p:nvGrpSpPr>
+        <p:cNvPr id="1" name=""/>
+        <p:cNvGrpSpPr/>
+        <p:nvPr/>
+      </p:nvGrpSpPr>
+      <p:grpSpPr>
+        <a:xfrm>
+          <a:off x="0" y="0"/>
+          <a:ext cx="0" cy="0"/>
+          <a:chOff x="0" y="0"/>
+          <a:chExt cx="0" cy="0"/>
+        </a:xfrm>
+      </p:grpSpPr>
+      <p:sp>
+        <p:nvSpPr>
+          <p:cNvPr id="5" name="內容版面配置區 4"/>
+          <p:cNvSpPr>
+            <a:spLocks noGrp="1"/>
+          </p:cNvSpPr>
+          <p:nvPr>
+            <p:ph idx="1"/>
+          </p:nvPr>
+        </p:nvSpPr>
+        <p:spPr>
+          <a:xfrm>
+            <a:off x="0" y="2167979"/>
+            <a:ext cx="12192000" cy="1318225"/>
+          </a:xfrm>
+        </p:spPr>
+        <p:txBody>
+          <a:bodyPr anchor="ctr">
+            <a:normAutofit/>
+          </a:bodyPr>
+          <a:lstStyle/>
+          <a:p>
+            <a:pPr marL="0" indent="0" algn="ctr">
+              <a:buNone/>
+              <a:defRPr/>
+            </a:pPr>
+            <a:r>
+              <a:rPr lang="zh-CN" altLang="en-US" sz="6400" b="1" dirty="0">
+                <a:solidFill>
+                  <a:srgbClr val="660033"/>
+                </a:solidFill>
+                <a:latin typeface="微軟正黑體" pitchFamily="34" charset="-120"/>
+                <a:ea typeface="微軟正黑體" pitchFamily="34" charset="-120"/>
+              </a:rPr>
+              <a:t>恭祝聖誕快樂</a:t>
+            </a:r>
+            <a:r>
+              <a:rPr lang="en-US" altLang="zh-CN" sz="6400" b="1" dirty="0">
+                <a:solidFill>
+                  <a:srgbClr val="660033"/>
+                </a:solidFill>
+                <a:latin typeface="微軟正黑體" pitchFamily="34" charset="-120"/>
+                <a:ea typeface="微軟正黑體" pitchFamily="34" charset="-120"/>
+              </a:rPr>
+              <a:t>  </a:t>
+            </a:r>
+            <a:r>
+              <a:rPr lang="zh-CN" altLang="en-US" sz="6400" b="1" dirty="0">
+                <a:solidFill>
+                  <a:srgbClr val="660033"/>
+                </a:solidFill>
+                <a:latin typeface="微軟正黑體" pitchFamily="34" charset="-120"/>
+                <a:ea typeface="微軟正黑體" pitchFamily="34" charset="-120"/>
+              </a:rPr>
+              <a:t>並賀新年納福</a:t>
+            </a:r>
+            <a:endParaRPr lang="en-US" altLang="zh-CN" sz="6400" b="1" dirty="0">
+              <a:solidFill>
+                <a:srgbClr val="660033"/>
+              </a:solidFill>
+              <a:latin typeface="微軟正黑體" pitchFamily="34" charset="-120"/>
+              <a:ea typeface="微軟正黑體" pitchFamily="34" charset="-120"/>
+            </a:endParaRPr>
+          </a:p>
+        </p:txBody>
+      </p:sp>
+      <p:sp>
+        <p:nvSpPr>
+          <p:cNvPr id="3" name="內容版面配置區 4"/>
+          <p:cNvSpPr txBox="1">
+            <a:spLocks/>
+          </p:cNvSpPr>
+          <p:nvPr/>
+        </p:nvSpPr>
+        <p:spPr>
+          <a:xfrm>
+            <a:off x="0" y="3017777"/>
+            <a:ext cx="12192000" cy="1318225"/>
+          </a:xfrm>
+          <a:prstGeom prst="rect">
+            <a:avLst/>
+          </a:prstGeom>
+        </p:spPr>
+        <p:txBody>
+          <a:bodyPr vert="horz" lIns="91440" tIns="45720" rIns="91440" bIns="45720" rtlCol="0" anchor="ctr">
+            <a:noAutofit/>
+          </a:bodyPr>
+          <a:lstStyle>
+            <a:lvl1pPr marL="457189" indent="-457189" algn="l" defTabSz="1219170" rtl="0" eaLnBrk="1" latinLnBrk="0" hangingPunct="1">
+              <a:spcBef>
+                <a:spcPct val="20000"/>
+              </a:spcBef>
+              <a:buFont typeface="Arial" pitchFamily="34" charset="0"/>
+              <a:buChar char="•"/>
+              <a:defRPr sz="4267" kern="1200">
+                <a:solidFill>
+                  <a:schemeClr val="tx1"/>
+                </a:solidFill>
+                <a:latin typeface="+mn-lt"/>
+                <a:ea typeface="+mn-ea"/>
+                <a:cs typeface="+mn-cs"/>
+              </a:defRPr>
+            </a:lvl1pPr>
+            <a:lvl2pPr marL="990575" indent="-380990" algn="l" defTabSz="1219170" rtl="0" eaLnBrk="1" latinLnBrk="0" hangingPunct="1">
+              <a:spcBef>
+                <a:spcPct val="20000"/>
+              </a:spcBef>
+              <a:buFont typeface="Arial" pitchFamily="34" charset="0"/>
+              <a:buChar char="–"/>
+              <a:defRPr sz="3733" kern="1200">
+                <a:solidFill>
+                  <a:schemeClr val="tx1"/>
+                </a:solidFill>
+                <a:latin typeface="+mn-lt"/>
+                <a:ea typeface="+mn-ea"/>
+                <a:cs typeface="+mn-cs"/>
+              </a:defRPr>
+            </a:lvl2pPr>
+            <a:lvl3pPr marL="1523962" indent="-304792" algn="l" defTabSz="1219170" rtl="0" eaLnBrk="1" latinLnBrk="0" hangingPunct="1">
+              <a:spcBef>
+                <a:spcPct val="20000"/>
+              </a:spcBef>
+              <a:buFont typeface="Arial" pitchFamily="34" charset="0"/>
+              <a:buChar char="•"/>
+              <a:defRPr sz="3200" kern="1200">
+                <a:solidFill>
+                  <a:schemeClr val="tx1"/>
+                </a:solidFill>
+                <a:latin typeface="+mn-lt"/>
+                <a:ea typeface="+mn-ea"/>
+                <a:cs typeface="+mn-cs"/>
+              </a:defRPr>
+            </a:lvl3pPr>
+            <a:lvl4pPr marL="2133547" indent="-304792" algn="l" defTabSz="1219170" rtl="0" eaLnBrk="1" latinLnBrk="0" hangingPunct="1">
+              <a:spcBef>
+                <a:spcPct val="20000"/>
+              </a:spcBef>
+              <a:buFont typeface="Arial" pitchFamily="34" charset="0"/>
+              <a:buChar char="–"/>
+              <a:defRPr sz="2667" kern="1200">
+                <a:solidFill>
+                  <a:schemeClr val="tx1"/>
+                </a:solidFill>
+                <a:latin typeface="+mn-lt"/>
+                <a:ea typeface="+mn-ea"/>
+                <a:cs typeface="+mn-cs"/>
+              </a:defRPr>
+            </a:lvl4pPr>
+            <a:lvl5pPr marL="2743131" indent="-304792" algn="l" defTabSz="1219170" rtl="0" eaLnBrk="1" latinLnBrk="0" hangingPunct="1">
+              <a:spcBef>
+                <a:spcPct val="20000"/>
+              </a:spcBef>
+              <a:buFont typeface="Arial" pitchFamily="34" charset="0"/>
+              <a:buChar char="»"/>
+              <a:defRPr sz="2667" kern="1200">
+                <a:solidFill>
+                  <a:schemeClr val="tx1"/>
+                </a:solidFill>
+                <a:latin typeface="+mn-lt"/>
+                <a:ea typeface="+mn-ea"/>
+                <a:cs typeface="+mn-cs"/>
+              </a:defRPr>
+            </a:lvl5pPr>
+            <a:lvl6pPr marL="3352716" indent="-304792" algn="l" defTabSz="1219170" rtl="0" eaLnBrk="1" latinLnBrk="0" hangingPunct="1">
+              <a:spcBef>
+                <a:spcPct val="20000"/>
+              </a:spcBef>
+              <a:buFont typeface="Arial" pitchFamily="34" charset="0"/>
+              <a:buChar char="•"/>
+              <a:defRPr sz="2667" kern="1200">
+                <a:solidFill>
+                  <a:schemeClr val="tx1"/>
+                </a:solidFill>
+                <a:latin typeface="+mn-lt"/>
+                <a:ea typeface="+mn-ea"/>
+                <a:cs typeface="+mn-cs"/>
+              </a:defRPr>
+            </a:lvl6pPr>
+            <a:lvl7pPr marL="3962301" indent="-304792" algn="l" defTabSz="1219170" rtl="0" eaLnBrk="1" latinLnBrk="0" hangingPunct="1">
+              <a:spcBef>
+                <a:spcPct val="20000"/>
+              </a:spcBef>
+              <a:buFont typeface="Arial" pitchFamily="34" charset="0"/>
+              <a:buChar char="•"/>
+              <a:defRPr sz="2667" kern="1200">
+                <a:solidFill>
+                  <a:schemeClr val="tx1"/>
+                </a:solidFill>
+                <a:latin typeface="+mn-lt"/>
+                <a:ea typeface="+mn-ea"/>
+                <a:cs typeface="+mn-cs"/>
+              </a:defRPr>
+            </a:lvl7pPr>
+            <a:lvl8pPr marL="4571886" indent="-304792" algn="l" defTabSz="1219170" rtl="0" eaLnBrk="1" latinLnBrk="0" hangingPunct="1">
+              <a:spcBef>
+                <a:spcPct val="20000"/>
+              </a:spcBef>
+              <a:buFont typeface="Arial" pitchFamily="34" charset="0"/>
+              <a:buChar char="•"/>
+              <a:defRPr sz="2667" kern="1200">
+                <a:solidFill>
+                  <a:schemeClr val="tx1"/>
+                </a:solidFill>
+                <a:latin typeface="+mn-lt"/>
+                <a:ea typeface="+mn-ea"/>
+                <a:cs typeface="+mn-cs"/>
+              </a:defRPr>
+            </a:lvl8pPr>
+            <a:lvl9pPr marL="5181470" indent="-304792" algn="l" defTabSz="1219170" rtl="0" eaLnBrk="1" latinLnBrk="0" hangingPunct="1">
+              <a:spcBef>
+                <a:spcPct val="20000"/>
+              </a:spcBef>
+              <a:buFont typeface="Arial" pitchFamily="34" charset="0"/>
+              <a:buChar char="•"/>
+              <a:defRPr sz="2667" kern="1200">
+                <a:solidFill>
+                  <a:schemeClr val="tx1"/>
+                </a:solidFill>
+                <a:latin typeface="+mn-lt"/>
+                <a:ea typeface="+mn-ea"/>
+                <a:cs typeface="+mn-cs"/>
+              </a:defRPr>
+            </a:lvl9pPr>
+          </a:lstStyle>
+          <a:p>
+            <a:pPr algn="ctr">
+              <a:buNone/>
+            </a:pPr>
+            <a:r>
+              <a:rPr lang="en-US" sz="3600" b="1" dirty="0" err="1">
+                <a:solidFill>
+                  <a:srgbClr val="000066"/>
+                </a:solidFill>
+                <a:ea typeface="微軟正黑體" pitchFamily="34" charset="-120"/>
+              </a:rPr>
+              <a:t>Một</a:t>
+            </a:r>
+            <a:r>
+              <a:rPr lang="en-US" sz="3600" b="1" dirty="0">
+                <a:solidFill>
+                  <a:srgbClr val="000066"/>
+                </a:solidFill>
+                <a:ea typeface="微軟正黑體" pitchFamily="34" charset="-120"/>
+              </a:rPr>
+              <a:t> </a:t>
+            </a:r>
+            <a:r>
+              <a:rPr lang="en-US" sz="3600" b="1" dirty="0" err="1">
+                <a:solidFill>
+                  <a:srgbClr val="000066"/>
+                </a:solidFill>
+                <a:ea typeface="微軟正黑體" pitchFamily="34" charset="-120"/>
+              </a:rPr>
+              <a:t>giáng</a:t>
+            </a:r>
+            <a:r>
+              <a:rPr lang="en-US" sz="3600" b="1" dirty="0">
+                <a:solidFill>
+                  <a:srgbClr val="000066"/>
+                </a:solidFill>
+                <a:ea typeface="微軟正黑體" pitchFamily="34" charset="-120"/>
+              </a:rPr>
+              <a:t> </a:t>
+            </a:r>
+            <a:r>
+              <a:rPr lang="en-US" sz="3600" b="1" dirty="0" err="1">
+                <a:solidFill>
+                  <a:srgbClr val="000066"/>
+                </a:solidFill>
+                <a:ea typeface="微軟正黑體" pitchFamily="34" charset="-120"/>
+              </a:rPr>
+              <a:t>sinh</a:t>
+            </a:r>
+            <a:r>
+              <a:rPr lang="en-US" sz="3600" b="1" dirty="0">
+                <a:solidFill>
+                  <a:srgbClr val="000066"/>
+                </a:solidFill>
+                <a:ea typeface="微軟正黑體" pitchFamily="34" charset="-120"/>
+              </a:rPr>
+              <a:t> </a:t>
+            </a:r>
+            <a:r>
+              <a:rPr lang="en-US" sz="3600" b="1" dirty="0" err="1">
+                <a:solidFill>
+                  <a:srgbClr val="000066"/>
+                </a:solidFill>
+                <a:ea typeface="微軟正黑體" pitchFamily="34" charset="-120"/>
+              </a:rPr>
+              <a:t>đầy</a:t>
+            </a:r>
+            <a:r>
+              <a:rPr lang="en-US" sz="3600" b="1" dirty="0">
+                <a:solidFill>
+                  <a:srgbClr val="000066"/>
+                </a:solidFill>
+                <a:ea typeface="微軟正黑體" pitchFamily="34" charset="-120"/>
+              </a:rPr>
+              <a:t> </a:t>
+            </a:r>
+            <a:r>
+              <a:rPr lang="en-US" sz="3600" b="1" dirty="0" err="1">
+                <a:solidFill>
+                  <a:srgbClr val="000066"/>
+                </a:solidFill>
+                <a:ea typeface="微軟正黑體" pitchFamily="34" charset="-120"/>
+              </a:rPr>
+              <a:t>phước</a:t>
+            </a:r>
+            <a:r>
+              <a:rPr lang="en-US" sz="3600" b="1" dirty="0">
+                <a:solidFill>
+                  <a:srgbClr val="000066"/>
+                </a:solidFill>
+                <a:ea typeface="微軟正黑體" pitchFamily="34" charset="-120"/>
+              </a:rPr>
+              <a:t> </a:t>
+            </a:r>
+            <a:r>
+              <a:rPr lang="en-US" sz="3600" b="1" dirty="0" err="1">
+                <a:solidFill>
+                  <a:srgbClr val="000066"/>
+                </a:solidFill>
+                <a:ea typeface="微軟正黑體" pitchFamily="34" charset="-120"/>
+              </a:rPr>
+              <a:t>hạnh</a:t>
+            </a:r>
+            <a:r>
+              <a:rPr lang="en-US" sz="3600" b="1" dirty="0">
+                <a:solidFill>
+                  <a:srgbClr val="000066"/>
+                </a:solidFill>
+                <a:ea typeface="微軟正黑體" pitchFamily="34" charset="-120"/>
+              </a:rPr>
+              <a:t> </a:t>
+            </a:r>
+            <a:r>
+              <a:rPr lang="en-US" sz="3600" b="1" dirty="0" err="1" smtClean="0">
+                <a:solidFill>
+                  <a:srgbClr val="000066"/>
+                </a:solidFill>
+                <a:ea typeface="微軟正黑體" pitchFamily="34" charset="-120"/>
+              </a:rPr>
+              <a:t>và</a:t>
+            </a:r>
+            <a:r>
+              <a:rPr lang="en-US" sz="3600" b="1" dirty="0" smtClean="0">
+                <a:solidFill>
+                  <a:srgbClr val="000066"/>
+                </a:solidFill>
+                <a:ea typeface="微軟正黑體" pitchFamily="34" charset="-120"/>
+              </a:rPr>
+              <a:t> </a:t>
+            </a:r>
+            <a:r>
+              <a:rPr lang="en-US" sz="3600" b="1" dirty="0" err="1">
+                <a:solidFill>
+                  <a:srgbClr val="000066"/>
+                </a:solidFill>
+                <a:ea typeface="微軟正黑體" pitchFamily="34" charset="-120"/>
+              </a:rPr>
+              <a:t>một</a:t>
+            </a:r>
+            <a:r>
+              <a:rPr lang="en-US" sz="3600" b="1" dirty="0">
+                <a:solidFill>
+                  <a:srgbClr val="000066"/>
+                </a:solidFill>
+                <a:ea typeface="微軟正黑體" pitchFamily="34" charset="-120"/>
+              </a:rPr>
+              <a:t> </a:t>
+            </a:r>
+            <a:r>
+              <a:rPr lang="en-US" sz="3600" b="1" dirty="0" err="1">
+                <a:solidFill>
+                  <a:srgbClr val="000066"/>
+                </a:solidFill>
+                <a:ea typeface="微軟正黑體" pitchFamily="34" charset="-120"/>
+              </a:rPr>
+              <a:t>năm</a:t>
+            </a:r>
+            <a:r>
+              <a:rPr lang="en-US" sz="3600" b="1" dirty="0">
+                <a:solidFill>
+                  <a:srgbClr val="000066"/>
+                </a:solidFill>
+                <a:ea typeface="微軟正黑體" pitchFamily="34" charset="-120"/>
+              </a:rPr>
+              <a:t> </a:t>
+            </a:r>
+            <a:r>
+              <a:rPr lang="en-US" sz="3600" b="1" dirty="0" err="1">
+                <a:solidFill>
+                  <a:srgbClr val="000066"/>
+                </a:solidFill>
+                <a:ea typeface="微軟正黑體" pitchFamily="34" charset="-120"/>
+              </a:rPr>
+              <a:t>mới</a:t>
+            </a:r>
+            <a:r>
+              <a:rPr lang="en-US" sz="3600" b="1" dirty="0">
+                <a:solidFill>
+                  <a:srgbClr val="000066"/>
+                </a:solidFill>
+                <a:ea typeface="微軟正黑體" pitchFamily="34" charset="-120"/>
+              </a:rPr>
+              <a:t> </a:t>
+            </a:r>
+            <a:r>
+              <a:rPr lang="en-US" sz="3600" b="1" dirty="0" err="1">
+                <a:solidFill>
+                  <a:srgbClr val="000066"/>
+                </a:solidFill>
+                <a:ea typeface="微軟正黑體" pitchFamily="34" charset="-120"/>
+              </a:rPr>
+              <a:t>bình</a:t>
+            </a:r>
+            <a:r>
+              <a:rPr lang="en-US" sz="3600" b="1" dirty="0">
+                <a:solidFill>
+                  <a:srgbClr val="000066"/>
+                </a:solidFill>
+                <a:ea typeface="微軟正黑體" pitchFamily="34" charset="-120"/>
+              </a:rPr>
+              <a:t> an</a:t>
+            </a:r>
+          </a:p>
+        </p:txBody>
+      </p:sp>
+    </p:spTree>
+    <p:extLst>
+      <p:ext uri="{BB962C8B-B14F-4D97-AF65-F5344CB8AC3E}">
+        <p14:creationId xmlns:p14="http://schemas.microsoft.com/office/powerpoint/2010/main" val="3827381790"/>
+      </p:ext>
+    </p:extLst>
+  </p:cSld>
+  <p:clrMapOvr>
+    <a:masterClrMapping/>
+  </p:clrMapOvr>
 </p:sld>
 </file>
 
